--- a/Recommender API with Amazon Personalize.pptx
+++ b/Recommender API with Amazon Personalize.pptx
@@ -6,10 +6,10 @@
     <p:sldMasterId id="2147483648" r:id="rId2"/>
   </p:sldMasterIdLst>
   <p:notesMasterIdLst>
-    <p:notesMasterId r:id="rId19"/>
+    <p:notesMasterId r:id="rId20"/>
   </p:notesMasterIdLst>
   <p:handoutMasterIdLst>
-    <p:handoutMasterId r:id="rId20"/>
+    <p:handoutMasterId r:id="rId21"/>
   </p:handoutMasterIdLst>
   <p:sldIdLst>
     <p:sldId id="256" r:id="rId3"/>
@@ -27,7 +27,8 @@
     <p:sldId id="269" r:id="rId15"/>
     <p:sldId id="273" r:id="rId16"/>
     <p:sldId id="275" r:id="rId17"/>
-    <p:sldId id="260" r:id="rId18"/>
+    <p:sldId id="276" r:id="rId18"/>
+    <p:sldId id="260" r:id="rId19"/>
   </p:sldIdLst>
   <p:sldSz cx="9144000" cy="5143500" type="screen16x9"/>
   <p:notesSz cx="7099300" cy="10234613"/>
@@ -1204,7 +1205,7 @@
             <a:fld id="{E7F34D1A-B7E5-DE48-8EA9-859D9DE63652}" type="slidenum">
               <a:rPr lang="en-US" smtClean="0"/>
               <a:pPr/>
-              <a:t>16</a:t>
+              <a:t>17</a:t>
             </a:fld>
             <a:endParaRPr lang="en-US" dirty="0"/>
           </a:p>
@@ -15975,46 +15976,6 @@
           </a:p>
         </p:txBody>
       </p:sp>
-      <p:sp>
-        <p:nvSpPr>
-          <p:cNvPr id="12" name="Rectangle 11">
-            <a:extLst>
-              <a:ext uri="{FF2B5EF4-FFF2-40B4-BE49-F238E27FC236}">
-                <a16:creationId xmlns:a16="http://schemas.microsoft.com/office/drawing/2014/main" id="{590AFC9F-D7BA-4066-93F9-A5BA2425449D}"/>
-              </a:ext>
-            </a:extLst>
-          </p:cNvPr>
-          <p:cNvSpPr/>
-          <p:nvPr/>
-        </p:nvSpPr>
-        <p:spPr>
-          <a:xfrm>
-            <a:off x="247547" y="4335356"/>
-            <a:ext cx="8366682" cy="276999"/>
-          </a:xfrm>
-          <a:prstGeom prst="rect">
-            <a:avLst/>
-          </a:prstGeom>
-        </p:spPr>
-        <p:txBody>
-          <a:bodyPr wrap="square">
-            <a:spAutoFit/>
-          </a:bodyPr>
-          <a:lstStyle/>
-          <a:p>
-            <a:r>
-              <a:rPr lang="en-US" sz="1200" u="sng" dirty="0">
-                <a:solidFill>
-                  <a:schemeClr val="accent5">
-                    <a:lumMod val="75000"/>
-                  </a:schemeClr>
-                </a:solidFill>
-              </a:rPr>
-              <a:t>https://swkxs2p89k.execute-api.eu-west-1.amazonaws.com/default/aws-personalize-recommender?userId=52946117</a:t>
-            </a:r>
-          </a:p>
-        </p:txBody>
-      </p:sp>
     </p:spTree>
     <p:extLst>
       <p:ext uri="{BB962C8B-B14F-4D97-AF65-F5344CB8AC3E}">
@@ -16201,36 +16162,6 @@
           </a:p>
         </p:txBody>
       </p:sp>
-      <p:sp>
-        <p:nvSpPr>
-          <p:cNvPr id="14" name="Text Placeholder 5">
-            <a:extLst>
-              <a:ext uri="{FF2B5EF4-FFF2-40B4-BE49-F238E27FC236}">
-                <a16:creationId xmlns:a16="http://schemas.microsoft.com/office/drawing/2014/main" id="{9375969B-0CE3-4439-BA15-FCC48EFD7881}"/>
-              </a:ext>
-            </a:extLst>
-          </p:cNvPr>
-          <p:cNvSpPr>
-            <a:spLocks noGrp="1"/>
-          </p:cNvSpPr>
-          <p:nvPr>
-            <p:ph type="body" sz="quarter" idx="33"/>
-          </p:nvPr>
-        </p:nvSpPr>
-        <p:spPr>
-          <a:xfrm>
-            <a:off x="252413" y="683366"/>
-            <a:ext cx="8647112" cy="253916"/>
-          </a:xfrm>
-        </p:spPr>
-        <p:txBody>
-          <a:bodyPr/>
-          <a:lstStyle/>
-          <a:p>
-            <a:endParaRPr lang="en-US"/>
-          </a:p>
-        </p:txBody>
-      </p:sp>
     </p:spTree>
     <p:extLst>
       <p:ext uri="{BB962C8B-B14F-4D97-AF65-F5344CB8AC3E}">
@@ -16245,6 +16176,892 @@
 </file>
 
 <file path=ppt/slides/slide16.xml><?xml version="1.0" encoding="utf-8"?>
+<p:sld xmlns:a="http://schemas.openxmlformats.org/drawingml/2006/main" xmlns:r="http://schemas.openxmlformats.org/officeDocument/2006/relationships" xmlns:p="http://schemas.openxmlformats.org/presentationml/2006/main">
+  <p:cSld>
+    <p:spTree>
+      <p:nvGrpSpPr>
+        <p:cNvPr id="1" name=""/>
+        <p:cNvGrpSpPr/>
+        <p:nvPr/>
+      </p:nvGrpSpPr>
+      <p:grpSpPr>
+        <a:xfrm>
+          <a:off x="0" y="0"/>
+          <a:ext cx="0" cy="0"/>
+          <a:chOff x="0" y="0"/>
+          <a:chExt cx="0" cy="0"/>
+        </a:xfrm>
+      </p:grpSpPr>
+      <p:sp>
+        <p:nvSpPr>
+          <p:cNvPr id="2" name="Slide Number Placeholder 1">
+            <a:extLst>
+              <a:ext uri="{FF2B5EF4-FFF2-40B4-BE49-F238E27FC236}">
+                <a16:creationId xmlns:a16="http://schemas.microsoft.com/office/drawing/2014/main" id="{D06AD199-BF3C-42AC-A65C-CFA6060C0D38}"/>
+              </a:ext>
+            </a:extLst>
+          </p:cNvPr>
+          <p:cNvSpPr>
+            <a:spLocks noGrp="1"/>
+          </p:cNvSpPr>
+          <p:nvPr>
+            <p:ph type="sldNum" sz="quarter" idx="4"/>
+          </p:nvPr>
+        </p:nvSpPr>
+        <p:spPr/>
+        <p:txBody>
+          <a:bodyPr/>
+          <a:lstStyle/>
+          <a:p>
+            <a:r>
+              <a:rPr lang="en-US"/>
+              <a:t>Page </a:t>
+            </a:r>
+            <a:fld id="{5A9C12DC-491F-9444-86A2-13AC5C62A2FC}" type="slidenum">
+              <a:rPr lang="en-US" smtClean="0"/>
+              <a:pPr/>
+              <a:t>16</a:t>
+            </a:fld>
+            <a:endParaRPr lang="en-US" dirty="0"/>
+          </a:p>
+        </p:txBody>
+      </p:sp>
+      <p:sp>
+        <p:nvSpPr>
+          <p:cNvPr id="3" name="Footer Placeholder 2">
+            <a:extLst>
+              <a:ext uri="{FF2B5EF4-FFF2-40B4-BE49-F238E27FC236}">
+                <a16:creationId xmlns:a16="http://schemas.microsoft.com/office/drawing/2014/main" id="{C32D6784-204C-4BD7-A067-1C8E61B2108E}"/>
+              </a:ext>
+            </a:extLst>
+          </p:cNvPr>
+          <p:cNvSpPr>
+            <a:spLocks noGrp="1"/>
+          </p:cNvSpPr>
+          <p:nvPr>
+            <p:ph type="ftr" sz="quarter" idx="3"/>
+          </p:nvPr>
+        </p:nvSpPr>
+        <p:spPr/>
+        <p:txBody>
+          <a:bodyPr/>
+          <a:lstStyle/>
+          <a:p>
+            <a:r>
+              <a:rPr lang="en-US"/>
+              <a:t>Confidential Property of Schneider Electric |</a:t>
+            </a:r>
+            <a:endParaRPr lang="en-US" dirty="0"/>
+          </a:p>
+        </p:txBody>
+      </p:sp>
+      <p:sp>
+        <p:nvSpPr>
+          <p:cNvPr id="4" name="Content Placeholder 3">
+            <a:extLst>
+              <a:ext uri="{FF2B5EF4-FFF2-40B4-BE49-F238E27FC236}">
+                <a16:creationId xmlns:a16="http://schemas.microsoft.com/office/drawing/2014/main" id="{114DE1BF-E98E-4DC1-A746-F3804C2A89B4}"/>
+              </a:ext>
+            </a:extLst>
+          </p:cNvPr>
+          <p:cNvSpPr>
+            <a:spLocks noGrp="1"/>
+          </p:cNvSpPr>
+          <p:nvPr>
+            <p:ph sz="quarter" idx="31"/>
+          </p:nvPr>
+        </p:nvSpPr>
+        <p:spPr>
+          <a:xfrm>
+            <a:off x="252413" y="1263984"/>
+            <a:ext cx="8679570" cy="3176589"/>
+          </a:xfrm>
+        </p:spPr>
+        <p:txBody>
+          <a:bodyPr/>
+          <a:lstStyle/>
+          <a:p>
+            <a:r>
+              <a:rPr lang="en-US" dirty="0"/>
+              <a:t>https://{</a:t>
+            </a:r>
+            <a:r>
+              <a:rPr lang="en-US" dirty="0">
+                <a:solidFill>
+                  <a:srgbClr val="FF0000"/>
+                </a:solidFill>
+              </a:rPr>
+              <a:t>restapi_id}.</a:t>
+            </a:r>
+            <a:r>
+              <a:rPr lang="en-US" dirty="0"/>
+              <a:t>execute-api</a:t>
+            </a:r>
+            <a:r>
+              <a:rPr lang="en-US" dirty="0">
+                <a:solidFill>
+                  <a:srgbClr val="FF0000"/>
+                </a:solidFill>
+              </a:rPr>
+              <a:t>.{region}.</a:t>
+            </a:r>
+            <a:r>
+              <a:rPr lang="en-US" dirty="0"/>
+              <a:t>amazonaws.com/{</a:t>
+            </a:r>
+            <a:r>
+              <a:rPr lang="en-US" dirty="0">
+                <a:solidFill>
+                  <a:srgbClr val="FF0000"/>
+                </a:solidFill>
+              </a:rPr>
+              <a:t>stage_name}/</a:t>
+            </a:r>
+          </a:p>
+          <a:p>
+            <a:endParaRPr lang="en-US" dirty="0"/>
+          </a:p>
+        </p:txBody>
+      </p:sp>
+      <p:sp>
+        <p:nvSpPr>
+          <p:cNvPr id="5" name="Text Placeholder 4">
+            <a:extLst>
+              <a:ext uri="{FF2B5EF4-FFF2-40B4-BE49-F238E27FC236}">
+                <a16:creationId xmlns:a16="http://schemas.microsoft.com/office/drawing/2014/main" id="{F203CA80-D496-4220-9A64-26BA7EA866B1}"/>
+              </a:ext>
+            </a:extLst>
+          </p:cNvPr>
+          <p:cNvSpPr>
+            <a:spLocks noGrp="1"/>
+          </p:cNvSpPr>
+          <p:nvPr>
+            <p:ph type="body" sz="quarter" idx="32"/>
+          </p:nvPr>
+        </p:nvSpPr>
+        <p:spPr/>
+        <p:txBody>
+          <a:bodyPr/>
+          <a:lstStyle/>
+          <a:p>
+            <a:r>
+              <a:rPr lang="en-US" dirty="0"/>
+              <a:t>Invoking REST API</a:t>
+            </a:r>
+          </a:p>
+        </p:txBody>
+      </p:sp>
+      <p:sp>
+        <p:nvSpPr>
+          <p:cNvPr id="8" name="Rectangle 2">
+            <a:extLst>
+              <a:ext uri="{FF2B5EF4-FFF2-40B4-BE49-F238E27FC236}">
+                <a16:creationId xmlns:a16="http://schemas.microsoft.com/office/drawing/2014/main" id="{B7CEC7BA-4575-4762-B37F-21D20C2B8EED}"/>
+              </a:ext>
+            </a:extLst>
+          </p:cNvPr>
+          <p:cNvSpPr>
+            <a:spLocks noChangeArrowheads="1"/>
+          </p:cNvSpPr>
+          <p:nvPr/>
+        </p:nvSpPr>
+        <p:spPr bwMode="auto">
+          <a:xfrm>
+            <a:off x="252413" y="1790010"/>
+            <a:ext cx="3708400" cy="646331"/>
+          </a:xfrm>
+          <a:prstGeom prst="rect">
+            <a:avLst/>
+          </a:prstGeom>
+          <a:solidFill>
+            <a:srgbClr val="F2F3F3"/>
+          </a:solidFill>
+          <a:ln>
+            <a:noFill/>
+          </a:ln>
+          <a:effectLst/>
+          <a:extLst>
+            <a:ext uri="{91240B29-F687-4F45-9708-019B960494DF}">
+              <a14:hiddenLine xmlns:a14="http://schemas.microsoft.com/office/drawing/2010/main" w="9525">
+                <a:solidFill>
+                  <a:schemeClr val="tx1"/>
+                </a:solidFill>
+                <a:miter lim="800000"/>
+                <a:headEnd/>
+                <a:tailEnd/>
+              </a14:hiddenLine>
+            </a:ext>
+            <a:ext uri="{AF507438-7753-43E0-B8FC-AC1667EBCBE1}">
+              <a14:hiddenEffects xmlns:a14="http://schemas.microsoft.com/office/drawing/2010/main">
+                <a:effectLst>
+                  <a:outerShdw dist="35921" dir="2700000" algn="ctr" rotWithShape="0">
+                    <a:schemeClr val="bg2"/>
+                  </a:outerShdw>
+                </a:effectLst>
+              </a14:hiddenEffects>
+            </a:ext>
+          </a:extLst>
+        </p:spPr>
+        <p:txBody>
+          <a:bodyPr vert="horz" wrap="square" lIns="91440" tIns="45720" rIns="91440" bIns="45720" numCol="1" anchor="ctr" anchorCtr="0" compatLnSpc="1">
+            <a:prstTxWarp prst="textNoShape">
+              <a:avLst/>
+            </a:prstTxWarp>
+            <a:spAutoFit/>
+          </a:bodyPr>
+          <a:lstStyle>
+            <a:lvl1pPr eaLnBrk="0" fontAlgn="base" hangingPunct="0">
+              <a:spcBef>
+                <a:spcPct val="0"/>
+              </a:spcBef>
+              <a:spcAft>
+                <a:spcPct val="0"/>
+              </a:spcAft>
+              <a:defRPr>
+                <a:solidFill>
+                  <a:schemeClr val="tx1"/>
+                </a:solidFill>
+                <a:latin typeface="Arial" panose="020B0604020202020204" pitchFamily="34" charset="0"/>
+              </a:defRPr>
+            </a:lvl1pPr>
+            <a:lvl2pPr marL="457200" eaLnBrk="0" fontAlgn="base" hangingPunct="0">
+              <a:spcBef>
+                <a:spcPct val="0"/>
+              </a:spcBef>
+              <a:spcAft>
+                <a:spcPct val="0"/>
+              </a:spcAft>
+              <a:defRPr>
+                <a:solidFill>
+                  <a:schemeClr val="tx1"/>
+                </a:solidFill>
+                <a:latin typeface="Arial" panose="020B0604020202020204" pitchFamily="34" charset="0"/>
+              </a:defRPr>
+            </a:lvl2pPr>
+            <a:lvl3pPr marL="914400" eaLnBrk="0" fontAlgn="base" hangingPunct="0">
+              <a:spcBef>
+                <a:spcPct val="0"/>
+              </a:spcBef>
+              <a:spcAft>
+                <a:spcPct val="0"/>
+              </a:spcAft>
+              <a:defRPr>
+                <a:solidFill>
+                  <a:schemeClr val="tx1"/>
+                </a:solidFill>
+                <a:latin typeface="Arial" panose="020B0604020202020204" pitchFamily="34" charset="0"/>
+              </a:defRPr>
+            </a:lvl3pPr>
+            <a:lvl4pPr marL="1371600" eaLnBrk="0" fontAlgn="base" hangingPunct="0">
+              <a:spcBef>
+                <a:spcPct val="0"/>
+              </a:spcBef>
+              <a:spcAft>
+                <a:spcPct val="0"/>
+              </a:spcAft>
+              <a:defRPr>
+                <a:solidFill>
+                  <a:schemeClr val="tx1"/>
+                </a:solidFill>
+                <a:latin typeface="Arial" panose="020B0604020202020204" pitchFamily="34" charset="0"/>
+              </a:defRPr>
+            </a:lvl4pPr>
+            <a:lvl5pPr marL="1828800" eaLnBrk="0" fontAlgn="base" hangingPunct="0">
+              <a:spcBef>
+                <a:spcPct val="0"/>
+              </a:spcBef>
+              <a:spcAft>
+                <a:spcPct val="0"/>
+              </a:spcAft>
+              <a:defRPr>
+                <a:solidFill>
+                  <a:schemeClr val="tx1"/>
+                </a:solidFill>
+                <a:latin typeface="Arial" panose="020B0604020202020204" pitchFamily="34" charset="0"/>
+              </a:defRPr>
+            </a:lvl5pPr>
+            <a:lvl6pPr marL="2286000" eaLnBrk="0" fontAlgn="base" hangingPunct="0">
+              <a:spcBef>
+                <a:spcPct val="0"/>
+              </a:spcBef>
+              <a:spcAft>
+                <a:spcPct val="0"/>
+              </a:spcAft>
+              <a:defRPr>
+                <a:solidFill>
+                  <a:schemeClr val="tx1"/>
+                </a:solidFill>
+                <a:latin typeface="Arial" panose="020B0604020202020204" pitchFamily="34" charset="0"/>
+              </a:defRPr>
+            </a:lvl6pPr>
+            <a:lvl7pPr marL="2743200" eaLnBrk="0" fontAlgn="base" hangingPunct="0">
+              <a:spcBef>
+                <a:spcPct val="0"/>
+              </a:spcBef>
+              <a:spcAft>
+                <a:spcPct val="0"/>
+              </a:spcAft>
+              <a:defRPr>
+                <a:solidFill>
+                  <a:schemeClr val="tx1"/>
+                </a:solidFill>
+                <a:latin typeface="Arial" panose="020B0604020202020204" pitchFamily="34" charset="0"/>
+              </a:defRPr>
+            </a:lvl7pPr>
+            <a:lvl8pPr marL="3200400" eaLnBrk="0" fontAlgn="base" hangingPunct="0">
+              <a:spcBef>
+                <a:spcPct val="0"/>
+              </a:spcBef>
+              <a:spcAft>
+                <a:spcPct val="0"/>
+              </a:spcAft>
+              <a:defRPr>
+                <a:solidFill>
+                  <a:schemeClr val="tx1"/>
+                </a:solidFill>
+                <a:latin typeface="Arial" panose="020B0604020202020204" pitchFamily="34" charset="0"/>
+              </a:defRPr>
+            </a:lvl8pPr>
+            <a:lvl9pPr marL="3657600" eaLnBrk="0" fontAlgn="base" hangingPunct="0">
+              <a:spcBef>
+                <a:spcPct val="0"/>
+              </a:spcBef>
+              <a:spcAft>
+                <a:spcPct val="0"/>
+              </a:spcAft>
+              <a:defRPr>
+                <a:solidFill>
+                  <a:schemeClr val="tx1"/>
+                </a:solidFill>
+                <a:latin typeface="Arial" panose="020B0604020202020204" pitchFamily="34" charset="0"/>
+              </a:defRPr>
+            </a:lvl9pPr>
+          </a:lstStyle>
+          <a:p>
+            <a:pPr marL="0" marR="0" lvl="0" indent="0" algn="l" defTabSz="914400" rtl="0" eaLnBrk="0" fontAlgn="base" latinLnBrk="0" hangingPunct="0">
+              <a:lnSpc>
+                <a:spcPct val="100000"/>
+              </a:lnSpc>
+              <a:spcBef>
+                <a:spcPct val="0"/>
+              </a:spcBef>
+              <a:spcAft>
+                <a:spcPct val="0"/>
+              </a:spcAft>
+              <a:buClrTx/>
+              <a:buSzTx/>
+              <a:buFontTx/>
+              <a:buNone/>
+              <a:tabLst/>
+            </a:pPr>
+            <a:r>
+              <a:rPr kumimoji="0" lang="en-US" altLang="en-US" sz="1200" b="0" i="0" u="none" strike="noStrike" cap="none" normalizeH="0" baseline="0" dirty="0">
+                <a:ln>
+                  <a:noFill/>
+                </a:ln>
+                <a:solidFill>
+                  <a:srgbClr val="16191F"/>
+                </a:solidFill>
+                <a:effectLst/>
+                <a:latin typeface="Amazon Ember"/>
+              </a:rPr>
+              <a:t>where </a:t>
+            </a:r>
+            <a:r>
+              <a:rPr kumimoji="0" lang="en-US" altLang="en-US" sz="1200" b="0" i="1" u="none" strike="noStrike" cap="none" normalizeH="0" baseline="0" dirty="0">
+                <a:ln>
+                  <a:noFill/>
+                </a:ln>
+                <a:solidFill>
+                  <a:srgbClr val="F5001D"/>
+                </a:solidFill>
+                <a:effectLst/>
+                <a:latin typeface="Monaco"/>
+              </a:rPr>
+              <a:t>{</a:t>
+            </a:r>
+            <a:r>
+              <a:rPr kumimoji="0" lang="en-US" altLang="en-US" sz="1200" b="0" i="1" u="none" strike="noStrike" cap="none" normalizeH="0" baseline="0" dirty="0" err="1">
+                <a:ln>
+                  <a:noFill/>
+                </a:ln>
+                <a:solidFill>
+                  <a:srgbClr val="F5001D"/>
+                </a:solidFill>
+                <a:effectLst/>
+                <a:latin typeface="Monaco"/>
+              </a:rPr>
+              <a:t>restapi_id</a:t>
+            </a:r>
+            <a:r>
+              <a:rPr kumimoji="0" lang="en-US" altLang="en-US" sz="1200" b="0" i="1" u="none" strike="noStrike" cap="none" normalizeH="0" baseline="0" dirty="0">
+                <a:ln>
+                  <a:noFill/>
+                </a:ln>
+                <a:solidFill>
+                  <a:srgbClr val="F5001D"/>
+                </a:solidFill>
+                <a:effectLst/>
+                <a:latin typeface="Monaco"/>
+              </a:rPr>
+              <a:t>}</a:t>
+            </a:r>
+            <a:r>
+              <a:rPr kumimoji="0" lang="en-US" altLang="en-US" sz="1200" b="0" i="0" u="none" strike="noStrike" cap="none" normalizeH="0" baseline="0" dirty="0">
+                <a:ln>
+                  <a:noFill/>
+                </a:ln>
+                <a:solidFill>
+                  <a:srgbClr val="16191F"/>
+                </a:solidFill>
+                <a:effectLst/>
+                <a:latin typeface="Amazon Ember"/>
+              </a:rPr>
+              <a:t> is the API identifier, </a:t>
+            </a:r>
+            <a:r>
+              <a:rPr kumimoji="0" lang="en-US" altLang="en-US" sz="1200" b="0" i="1" u="none" strike="noStrike" cap="none" normalizeH="0" baseline="0" dirty="0">
+                <a:ln>
+                  <a:noFill/>
+                </a:ln>
+                <a:solidFill>
+                  <a:srgbClr val="F5001D"/>
+                </a:solidFill>
+                <a:effectLst/>
+                <a:latin typeface="Monaco"/>
+              </a:rPr>
+              <a:t>{region}</a:t>
+            </a:r>
+            <a:r>
+              <a:rPr kumimoji="0" lang="en-US" altLang="en-US" sz="1200" b="0" i="0" u="none" strike="noStrike" cap="none" normalizeH="0" baseline="0" dirty="0">
+                <a:ln>
+                  <a:noFill/>
+                </a:ln>
+                <a:solidFill>
+                  <a:srgbClr val="16191F"/>
+                </a:solidFill>
+                <a:effectLst/>
+                <a:latin typeface="Amazon Ember"/>
+              </a:rPr>
+              <a:t> is the Region, and </a:t>
+            </a:r>
+            <a:r>
+              <a:rPr kumimoji="0" lang="en-US" altLang="en-US" sz="1200" b="0" i="1" u="none" strike="noStrike" cap="none" normalizeH="0" baseline="0" dirty="0">
+                <a:ln>
+                  <a:noFill/>
+                </a:ln>
+                <a:solidFill>
+                  <a:srgbClr val="F5001D"/>
+                </a:solidFill>
+                <a:effectLst/>
+                <a:latin typeface="Monaco"/>
+              </a:rPr>
+              <a:t>{</a:t>
+            </a:r>
+            <a:r>
+              <a:rPr kumimoji="0" lang="en-US" altLang="en-US" sz="1200" b="0" i="1" u="none" strike="noStrike" cap="none" normalizeH="0" baseline="0" dirty="0" err="1">
+                <a:ln>
+                  <a:noFill/>
+                </a:ln>
+                <a:solidFill>
+                  <a:srgbClr val="F5001D"/>
+                </a:solidFill>
+                <a:effectLst/>
+                <a:latin typeface="Monaco"/>
+              </a:rPr>
+              <a:t>stage_name</a:t>
+            </a:r>
+            <a:r>
+              <a:rPr kumimoji="0" lang="en-US" altLang="en-US" sz="1200" b="0" i="1" u="none" strike="noStrike" cap="none" normalizeH="0" baseline="0" dirty="0">
+                <a:ln>
+                  <a:noFill/>
+                </a:ln>
+                <a:solidFill>
+                  <a:srgbClr val="F5001D"/>
+                </a:solidFill>
+                <a:effectLst/>
+                <a:latin typeface="Monaco"/>
+              </a:rPr>
+              <a:t>}</a:t>
+            </a:r>
+            <a:r>
+              <a:rPr kumimoji="0" lang="en-US" altLang="en-US" sz="1200" b="0" i="0" u="none" strike="noStrike" cap="none" normalizeH="0" baseline="0" dirty="0">
+                <a:ln>
+                  <a:noFill/>
+                </a:ln>
+                <a:solidFill>
+                  <a:srgbClr val="16191F"/>
+                </a:solidFill>
+                <a:effectLst/>
+                <a:latin typeface="Amazon Ember"/>
+              </a:rPr>
+              <a:t> is the stage name of the API deployment.</a:t>
+            </a:r>
+            <a:r>
+              <a:rPr kumimoji="0" lang="en-US" altLang="en-US" sz="600" b="0" i="0" u="none" strike="noStrike" cap="none" normalizeH="0" baseline="0" dirty="0">
+                <a:ln>
+                  <a:noFill/>
+                </a:ln>
+                <a:solidFill>
+                  <a:schemeClr val="tx1"/>
+                </a:solidFill>
+                <a:effectLst/>
+              </a:rPr>
+              <a:t> </a:t>
+            </a:r>
+            <a:endParaRPr kumimoji="0" lang="en-US" altLang="en-US" sz="1800" b="0" i="0" u="none" strike="noStrike" cap="none" normalizeH="0" baseline="0" dirty="0">
+              <a:ln>
+                <a:noFill/>
+              </a:ln>
+              <a:solidFill>
+                <a:schemeClr val="tx1"/>
+              </a:solidFill>
+              <a:effectLst/>
+              <a:latin typeface="Arial" panose="020B0604020202020204" pitchFamily="34" charset="0"/>
+            </a:endParaRPr>
+          </a:p>
+        </p:txBody>
+      </p:sp>
+      <p:sp>
+        <p:nvSpPr>
+          <p:cNvPr id="9" name="Rectangle 3">
+            <a:extLst>
+              <a:ext uri="{FF2B5EF4-FFF2-40B4-BE49-F238E27FC236}">
+                <a16:creationId xmlns:a16="http://schemas.microsoft.com/office/drawing/2014/main" id="{3BD4ED35-8E05-4FCD-B6BC-7362FE3FB647}"/>
+              </a:ext>
+            </a:extLst>
+          </p:cNvPr>
+          <p:cNvSpPr>
+            <a:spLocks noGrp="1" noChangeArrowheads="1"/>
+          </p:cNvSpPr>
+          <p:nvPr>
+            <p:ph type="body" sz="quarter" idx="33"/>
+          </p:nvPr>
+        </p:nvSpPr>
+        <p:spPr bwMode="auto">
+          <a:xfrm>
+            <a:off x="252413" y="663880"/>
+            <a:ext cx="8557758" cy="461665"/>
+          </a:xfrm>
+          <a:prstGeom prst="rect">
+            <a:avLst/>
+          </a:prstGeom>
+          <a:solidFill>
+            <a:srgbClr val="F2F3F3"/>
+          </a:solidFill>
+          <a:ln>
+            <a:noFill/>
+          </a:ln>
+          <a:effectLst/>
+          <a:extLst>
+            <a:ext uri="{91240B29-F687-4F45-9708-019B960494DF}">
+              <a14:hiddenLine xmlns:a14="http://schemas.microsoft.com/office/drawing/2010/main" w="9525">
+                <a:solidFill>
+                  <a:schemeClr val="tx1"/>
+                </a:solidFill>
+                <a:miter lim="800000"/>
+                <a:headEnd/>
+                <a:tailEnd/>
+              </a14:hiddenLine>
+            </a:ext>
+            <a:ext uri="{AF507438-7753-43E0-B8FC-AC1667EBCBE1}">
+              <a14:hiddenEffects xmlns:a14="http://schemas.microsoft.com/office/drawing/2010/main">
+                <a:effectLst>
+                  <a:outerShdw dist="35921" dir="2700000" algn="ctr" rotWithShape="0">
+                    <a:schemeClr val="bg2"/>
+                  </a:outerShdw>
+                </a:effectLst>
+              </a14:hiddenEffects>
+            </a:ext>
+          </a:extLst>
+        </p:spPr>
+        <p:txBody>
+          <a:bodyPr vert="horz" wrap="square" lIns="91440" tIns="45720" rIns="91440" bIns="45720" numCol="1" anchor="ctr" anchorCtr="0" compatLnSpc="1">
+            <a:prstTxWarp prst="textNoShape">
+              <a:avLst/>
+            </a:prstTxWarp>
+            <a:spAutoFit/>
+          </a:bodyPr>
+          <a:lstStyle>
+            <a:lvl1pPr eaLnBrk="0" fontAlgn="base" hangingPunct="0">
+              <a:spcBef>
+                <a:spcPct val="0"/>
+              </a:spcBef>
+              <a:spcAft>
+                <a:spcPct val="0"/>
+              </a:spcAft>
+              <a:defRPr>
+                <a:solidFill>
+                  <a:schemeClr val="tx1"/>
+                </a:solidFill>
+                <a:latin typeface="Arial" panose="020B0604020202020204" pitchFamily="34" charset="0"/>
+              </a:defRPr>
+            </a:lvl1pPr>
+            <a:lvl2pPr marL="457200" eaLnBrk="0" fontAlgn="base" hangingPunct="0">
+              <a:spcBef>
+                <a:spcPct val="0"/>
+              </a:spcBef>
+              <a:spcAft>
+                <a:spcPct val="0"/>
+              </a:spcAft>
+              <a:defRPr>
+                <a:solidFill>
+                  <a:schemeClr val="tx1"/>
+                </a:solidFill>
+                <a:latin typeface="Arial" panose="020B0604020202020204" pitchFamily="34" charset="0"/>
+              </a:defRPr>
+            </a:lvl2pPr>
+            <a:lvl3pPr marL="914400" eaLnBrk="0" fontAlgn="base" hangingPunct="0">
+              <a:spcBef>
+                <a:spcPct val="0"/>
+              </a:spcBef>
+              <a:spcAft>
+                <a:spcPct val="0"/>
+              </a:spcAft>
+              <a:defRPr>
+                <a:solidFill>
+                  <a:schemeClr val="tx1"/>
+                </a:solidFill>
+                <a:latin typeface="Arial" panose="020B0604020202020204" pitchFamily="34" charset="0"/>
+              </a:defRPr>
+            </a:lvl3pPr>
+            <a:lvl4pPr marL="1371600" eaLnBrk="0" fontAlgn="base" hangingPunct="0">
+              <a:spcBef>
+                <a:spcPct val="0"/>
+              </a:spcBef>
+              <a:spcAft>
+                <a:spcPct val="0"/>
+              </a:spcAft>
+              <a:defRPr>
+                <a:solidFill>
+                  <a:schemeClr val="tx1"/>
+                </a:solidFill>
+                <a:latin typeface="Arial" panose="020B0604020202020204" pitchFamily="34" charset="0"/>
+              </a:defRPr>
+            </a:lvl4pPr>
+            <a:lvl5pPr marL="1828800" eaLnBrk="0" fontAlgn="base" hangingPunct="0">
+              <a:spcBef>
+                <a:spcPct val="0"/>
+              </a:spcBef>
+              <a:spcAft>
+                <a:spcPct val="0"/>
+              </a:spcAft>
+              <a:defRPr>
+                <a:solidFill>
+                  <a:schemeClr val="tx1"/>
+                </a:solidFill>
+                <a:latin typeface="Arial" panose="020B0604020202020204" pitchFamily="34" charset="0"/>
+              </a:defRPr>
+            </a:lvl5pPr>
+            <a:lvl6pPr marL="2286000" eaLnBrk="0" fontAlgn="base" hangingPunct="0">
+              <a:spcBef>
+                <a:spcPct val="0"/>
+              </a:spcBef>
+              <a:spcAft>
+                <a:spcPct val="0"/>
+              </a:spcAft>
+              <a:defRPr>
+                <a:solidFill>
+                  <a:schemeClr val="tx1"/>
+                </a:solidFill>
+                <a:latin typeface="Arial" panose="020B0604020202020204" pitchFamily="34" charset="0"/>
+              </a:defRPr>
+            </a:lvl6pPr>
+            <a:lvl7pPr marL="2743200" eaLnBrk="0" fontAlgn="base" hangingPunct="0">
+              <a:spcBef>
+                <a:spcPct val="0"/>
+              </a:spcBef>
+              <a:spcAft>
+                <a:spcPct val="0"/>
+              </a:spcAft>
+              <a:defRPr>
+                <a:solidFill>
+                  <a:schemeClr val="tx1"/>
+                </a:solidFill>
+                <a:latin typeface="Arial" panose="020B0604020202020204" pitchFamily="34" charset="0"/>
+              </a:defRPr>
+            </a:lvl7pPr>
+            <a:lvl8pPr marL="3200400" eaLnBrk="0" fontAlgn="base" hangingPunct="0">
+              <a:spcBef>
+                <a:spcPct val="0"/>
+              </a:spcBef>
+              <a:spcAft>
+                <a:spcPct val="0"/>
+              </a:spcAft>
+              <a:defRPr>
+                <a:solidFill>
+                  <a:schemeClr val="tx1"/>
+                </a:solidFill>
+                <a:latin typeface="Arial" panose="020B0604020202020204" pitchFamily="34" charset="0"/>
+              </a:defRPr>
+            </a:lvl8pPr>
+            <a:lvl9pPr marL="3657600" eaLnBrk="0" fontAlgn="base" hangingPunct="0">
+              <a:spcBef>
+                <a:spcPct val="0"/>
+              </a:spcBef>
+              <a:spcAft>
+                <a:spcPct val="0"/>
+              </a:spcAft>
+              <a:defRPr>
+                <a:solidFill>
+                  <a:schemeClr val="tx1"/>
+                </a:solidFill>
+                <a:latin typeface="Arial" panose="020B0604020202020204" pitchFamily="34" charset="0"/>
+              </a:defRPr>
+            </a:lvl9pPr>
+          </a:lstStyle>
+          <a:p>
+            <a:pPr marL="0" marR="0" lvl="0" indent="0" algn="l" defTabSz="914400" rtl="0" eaLnBrk="0" fontAlgn="base" latinLnBrk="0" hangingPunct="0">
+              <a:lnSpc>
+                <a:spcPct val="100000"/>
+              </a:lnSpc>
+              <a:spcBef>
+                <a:spcPct val="0"/>
+              </a:spcBef>
+              <a:spcAft>
+                <a:spcPct val="0"/>
+              </a:spcAft>
+              <a:buClrTx/>
+              <a:buSzTx/>
+              <a:buFontTx/>
+              <a:buNone/>
+              <a:tabLst/>
+            </a:pPr>
+            <a:r>
+              <a:rPr kumimoji="0" lang="en-US" altLang="en-US" sz="1200" b="0" i="0" u="none" strike="noStrike" cap="none" normalizeH="0" baseline="0" dirty="0">
+                <a:ln>
+                  <a:noFill/>
+                </a:ln>
+                <a:solidFill>
+                  <a:schemeClr val="tx1">
+                    <a:lumMod val="50000"/>
+                    <a:lumOff val="50000"/>
+                  </a:schemeClr>
+                </a:solidFill>
+                <a:effectLst/>
+                <a:latin typeface="+mn-lt"/>
+              </a:rPr>
+              <a:t>To call a deployed API, clients submit requests to the URL for the API Gateway component service for API execution, known as execute-</a:t>
+            </a:r>
+            <a:r>
+              <a:rPr kumimoji="0" lang="en-US" altLang="en-US" sz="1200" b="0" i="0" u="none" strike="noStrike" cap="none" normalizeH="0" baseline="0" dirty="0" err="1">
+                <a:ln>
+                  <a:noFill/>
+                </a:ln>
+                <a:solidFill>
+                  <a:schemeClr val="tx1">
+                    <a:lumMod val="50000"/>
+                    <a:lumOff val="50000"/>
+                  </a:schemeClr>
+                </a:solidFill>
+                <a:effectLst/>
+                <a:latin typeface="+mn-lt"/>
+              </a:rPr>
+              <a:t>api</a:t>
+            </a:r>
+            <a:r>
+              <a:rPr kumimoji="0" lang="en-US" altLang="en-US" sz="1200" b="0" i="0" u="none" strike="noStrike" cap="none" normalizeH="0" baseline="0" dirty="0">
+                <a:ln>
+                  <a:noFill/>
+                </a:ln>
+                <a:solidFill>
+                  <a:schemeClr val="tx1">
+                    <a:lumMod val="50000"/>
+                    <a:lumOff val="50000"/>
+                  </a:schemeClr>
+                </a:solidFill>
+                <a:effectLst/>
+                <a:latin typeface="+mn-lt"/>
+              </a:rPr>
+              <a:t>. </a:t>
+            </a:r>
+          </a:p>
+        </p:txBody>
+      </p:sp>
+      <p:sp>
+        <p:nvSpPr>
+          <p:cNvPr id="10" name="Rectangle 9">
+            <a:extLst>
+              <a:ext uri="{FF2B5EF4-FFF2-40B4-BE49-F238E27FC236}">
+                <a16:creationId xmlns:a16="http://schemas.microsoft.com/office/drawing/2014/main" id="{692CB570-4A30-4800-B71F-6B62419C0605}"/>
+              </a:ext>
+            </a:extLst>
+          </p:cNvPr>
+          <p:cNvSpPr/>
+          <p:nvPr/>
+        </p:nvSpPr>
+        <p:spPr>
+          <a:xfrm>
+            <a:off x="212017" y="2707160"/>
+            <a:ext cx="3748796" cy="738664"/>
+          </a:xfrm>
+          <a:prstGeom prst="rect">
+            <a:avLst/>
+          </a:prstGeom>
+        </p:spPr>
+        <p:txBody>
+          <a:bodyPr wrap="square">
+            <a:spAutoFit/>
+          </a:bodyPr>
+          <a:lstStyle/>
+          <a:p>
+            <a:r>
+              <a:rPr lang="en-US" sz="1400" u="sng" dirty="0">
+                <a:solidFill>
+                  <a:schemeClr val="accent5">
+                    <a:lumMod val="75000"/>
+                  </a:schemeClr>
+                </a:solidFill>
+              </a:rPr>
+              <a:t>https://swkxs2p89k.execute-api.eu-west-1.amazonaws.com/default/aws-personalize-recommender?userId=52946117</a:t>
+            </a:r>
+          </a:p>
+        </p:txBody>
+      </p:sp>
+      <p:pic>
+        <p:nvPicPr>
+          <p:cNvPr id="11" name="Picture 10">
+            <a:extLst>
+              <a:ext uri="{FF2B5EF4-FFF2-40B4-BE49-F238E27FC236}">
+                <a16:creationId xmlns:a16="http://schemas.microsoft.com/office/drawing/2014/main" id="{82918963-C2E0-4F22-9928-BE54AD5A4534}"/>
+              </a:ext>
+            </a:extLst>
+          </p:cNvPr>
+          <p:cNvPicPr>
+            <a:picLocks noChangeAspect="1"/>
+          </p:cNvPicPr>
+          <p:nvPr/>
+        </p:nvPicPr>
+        <p:blipFill>
+          <a:blip r:embed="rId2"/>
+          <a:stretch>
+            <a:fillRect/>
+          </a:stretch>
+        </p:blipFill>
+        <p:spPr>
+          <a:xfrm>
+            <a:off x="4180116" y="1790010"/>
+            <a:ext cx="4630056" cy="2014311"/>
+          </a:xfrm>
+          <a:prstGeom prst="rect">
+            <a:avLst/>
+          </a:prstGeom>
+        </p:spPr>
+      </p:pic>
+    </p:spTree>
+    <p:extLst>
+      <p:ext uri="{BB962C8B-B14F-4D97-AF65-F5344CB8AC3E}">
+        <p14:creationId xmlns:p14="http://schemas.microsoft.com/office/powerpoint/2010/main" val="3587127731"/>
+      </p:ext>
+    </p:extLst>
+  </p:cSld>
+  <p:clrMapOvr>
+    <a:masterClrMapping/>
+  </p:clrMapOvr>
+</p:sld>
+</file>
+
+<file path=ppt/slides/slide17.xml><?xml version="1.0" encoding="utf-8"?>
 <p:sld xmlns:a="http://schemas.openxmlformats.org/drawingml/2006/main" xmlns:r="http://schemas.openxmlformats.org/officeDocument/2006/relationships" xmlns:p="http://schemas.openxmlformats.org/presentationml/2006/main">
   <p:cSld>
     <p:spTree>
@@ -16992,8 +17809,8 @@
         </p:blipFill>
         <p:spPr bwMode="auto">
           <a:xfrm>
-            <a:off x="4177053" y="1523998"/>
-            <a:ext cx="4722472" cy="2380343"/>
+            <a:off x="4177053" y="1611086"/>
+            <a:ext cx="4722472" cy="2293255"/>
           </a:xfrm>
           <a:prstGeom prst="rect">
             <a:avLst/>

--- a/Recommender API with Amazon Personalize.pptx
+++ b/Recommender API with Amazon Personalize.pptx
@@ -16162,6 +16162,68 @@
           </a:p>
         </p:txBody>
       </p:sp>
+      <p:sp>
+        <p:nvSpPr>
+          <p:cNvPr id="14" name="Text Placeholder 5">
+            <a:extLst>
+              <a:ext uri="{FF2B5EF4-FFF2-40B4-BE49-F238E27FC236}">
+                <a16:creationId xmlns:a16="http://schemas.microsoft.com/office/drawing/2014/main" id="{48537AB2-B7D6-4837-8E04-4AFDBBE584A1}"/>
+              </a:ext>
+            </a:extLst>
+          </p:cNvPr>
+          <p:cNvSpPr>
+            <a:spLocks noGrp="1"/>
+          </p:cNvSpPr>
+          <p:nvPr>
+            <p:ph type="body" sz="quarter" idx="33"/>
+          </p:nvPr>
+        </p:nvSpPr>
+        <p:spPr>
+          <a:xfrm>
+            <a:off x="252413" y="683366"/>
+            <a:ext cx="8647112" cy="253916"/>
+          </a:xfrm>
+        </p:spPr>
+        <p:txBody>
+          <a:bodyPr/>
+          <a:lstStyle/>
+          <a:p>
+            <a:r>
+              <a:rPr lang="en-US" sz="1400" dirty="0">
+                <a:solidFill>
+                  <a:schemeClr val="tx1">
+                    <a:lumMod val="50000"/>
+                    <a:lumOff val="50000"/>
+                  </a:schemeClr>
+                </a:solidFill>
+              </a:rPr>
+              <a:t>A serverless architecture that takes </a:t>
+            </a:r>
+            <a:r>
+              <a:rPr lang="en-US" sz="1400" dirty="0" err="1">
+                <a:solidFill>
+                  <a:schemeClr val="tx1">
+                    <a:lumMod val="50000"/>
+                    <a:lumOff val="50000"/>
+                  </a:schemeClr>
+                </a:solidFill>
+              </a:rPr>
+              <a:t>userid</a:t>
+            </a:r>
+            <a:r>
+              <a:rPr lang="en-US" sz="1400" dirty="0">
+                <a:solidFill>
+                  <a:schemeClr val="tx1">
+                    <a:lumMod val="50000"/>
+                    <a:lumOff val="50000"/>
+                  </a:schemeClr>
+                </a:solidFill>
+              </a:rPr>
+              <a:t> as input and returns top n items as recommendations</a:t>
+            </a:r>
+          </a:p>
+        </p:txBody>
+      </p:sp>
     </p:spTree>
     <p:extLst>
       <p:ext uri="{BB962C8B-B14F-4D97-AF65-F5344CB8AC3E}">
@@ -16283,7 +16345,7 @@
           <a:p>
             <a:r>
               <a:rPr lang="en-US" dirty="0"/>
-              <a:t>https://{</a:t>
+              <a:t>https://</a:t>
             </a:r>
             <a:r>
               <a:rPr lang="en-US" dirty="0">
@@ -16291,7 +16353,7 @@
                   <a:srgbClr val="FF0000"/>
                 </a:solidFill>
               </a:rPr>
-              <a:t>restapi_id}.</a:t>
+              <a:t>{restapi_id}.</a:t>
             </a:r>
             <a:r>
               <a:rPr lang="en-US" dirty="0"/>
@@ -16307,7 +16369,7 @@
             </a:r>
             <a:r>
               <a:rPr lang="en-US" dirty="0"/>
-              <a:t>amazonaws.com/{</a:t>
+              <a:t>amazonaws.com/</a:t>
             </a:r>
             <a:r>
               <a:rPr lang="en-US" dirty="0">
@@ -16315,7 +16377,7 @@
                   <a:srgbClr val="FF0000"/>
                 </a:solidFill>
               </a:rPr>
-              <a:t>stage_name}/</a:t>
+              <a:t>{stage_name}/</a:t>
             </a:r>
           </a:p>
           <a:p>
@@ -16367,40 +16429,19 @@
         </p:nvSpPr>
         <p:spPr bwMode="auto">
           <a:xfrm>
-            <a:off x="252413" y="1790010"/>
+            <a:off x="212017" y="1754677"/>
             <a:ext cx="3708400" cy="646331"/>
           </a:xfrm>
           <a:prstGeom prst="rect">
             <a:avLst/>
           </a:prstGeom>
           <a:solidFill>
-            <a:srgbClr val="F2F3F3"/>
+            <a:schemeClr val="bg1"/>
           </a:solidFill>
           <a:ln>
             <a:noFill/>
           </a:ln>
           <a:effectLst/>
-          <a:extLst>
-            <a:ext uri="{91240B29-F687-4F45-9708-019B960494DF}">
-              <a14:hiddenLine xmlns:a14="http://schemas.microsoft.com/office/drawing/2010/main" w="9525">
-                <a:solidFill>
-                  <a:schemeClr val="tx1"/>
-                </a:solidFill>
-                <a:miter lim="800000"/>
-                <a:headEnd/>
-                <a:tailEnd/>
-              </a14:hiddenLine>
-            </a:ext>
-            <a:ext uri="{AF507438-7753-43E0-B8FC-AC1667EBCBE1}">
-              <a14:hiddenEffects xmlns:a14="http://schemas.microsoft.com/office/drawing/2010/main">
-                <a:effectLst>
-                  <a:outerShdw dist="35921" dir="2700000" algn="ctr" rotWithShape="0">
-                    <a:schemeClr val="bg2"/>
-                  </a:outerShdw>
-                </a:effectLst>
-              </a14:hiddenEffects>
-            </a:ext>
-          </a:extLst>
         </p:spPr>
         <p:txBody>
           <a:bodyPr vert="horz" wrap="square" lIns="91440" tIns="45720" rIns="91440" bIns="45720" numCol="1" anchor="ctr" anchorCtr="0" compatLnSpc="1">
@@ -16695,7 +16736,33 @@
                 <a:effectLst/>
                 <a:latin typeface="Amazon Ember"/>
               </a:rPr>
-              <a:t> is the stage name of the API deployment.</a:t>
+              <a:t> is dev/</a:t>
+            </a:r>
+            <a:r>
+              <a:rPr kumimoji="0" lang="en-US" altLang="en-US" sz="1200" b="0" i="0" u="none" strike="noStrike" cap="none" normalizeH="0" baseline="0" dirty="0" err="1">
+                <a:ln>
+                  <a:noFill/>
+                </a:ln>
+                <a:solidFill>
+                  <a:srgbClr val="16191F"/>
+                </a:solidFill>
+                <a:effectLst/>
+                <a:latin typeface="Amazon Ember"/>
+              </a:rPr>
+              <a:t>qa</a:t>
+            </a:r>
+            <a:r>
+              <a:rPr kumimoji="0" lang="en-US" altLang="en-US" sz="1200" b="0" i="0" u="none" strike="noStrike" cap="none" normalizeH="0" baseline="0" dirty="0">
+                <a:ln>
+                  <a:noFill/>
+                </a:ln>
+                <a:solidFill>
+                  <a:srgbClr val="16191F"/>
+                </a:solidFill>
+                <a:effectLst/>
+                <a:latin typeface="Amazon Ember"/>
+              </a:rPr>
+              <a:t>/prod of the API deployment.</a:t>
             </a:r>
             <a:r>
               <a:rPr kumimoji="0" lang="en-US" altLang="en-US" sz="600" b="0" i="0" u="none" strike="noStrike" cap="none" normalizeH="0" baseline="0" dirty="0">
@@ -16747,33 +16814,12 @@
             <a:avLst/>
           </a:prstGeom>
           <a:solidFill>
-            <a:srgbClr val="F2F3F3"/>
+            <a:schemeClr val="bg1"/>
           </a:solidFill>
           <a:ln>
             <a:noFill/>
           </a:ln>
           <a:effectLst/>
-          <a:extLst>
-            <a:ext uri="{91240B29-F687-4F45-9708-019B960494DF}">
-              <a14:hiddenLine xmlns:a14="http://schemas.microsoft.com/office/drawing/2010/main" w="9525">
-                <a:solidFill>
-                  <a:schemeClr val="tx1"/>
-                </a:solidFill>
-                <a:miter lim="800000"/>
-                <a:headEnd/>
-                <a:tailEnd/>
-              </a14:hiddenLine>
-            </a:ext>
-            <a:ext uri="{AF507438-7753-43E0-B8FC-AC1667EBCBE1}">
-              <a14:hiddenEffects xmlns:a14="http://schemas.microsoft.com/office/drawing/2010/main">
-                <a:effectLst>
-                  <a:outerShdw dist="35921" dir="2700000" algn="ctr" rotWithShape="0">
-                    <a:schemeClr val="bg2"/>
-                  </a:outerShdw>
-                </a:effectLst>
-              </a14:hiddenEffects>
-            </a:ext>
-          </a:extLst>
         </p:spPr>
         <p:txBody>
           <a:bodyPr vert="horz" wrap="square" lIns="91440" tIns="45720" rIns="91440" bIns="45720" numCol="1" anchor="ctr" anchorCtr="0" compatLnSpc="1">
@@ -16992,8 +17038,8 @@
         </p:nvSpPr>
         <p:spPr>
           <a:xfrm>
-            <a:off x="212017" y="2707160"/>
-            <a:ext cx="3748796" cy="738664"/>
+            <a:off x="212018" y="4240191"/>
+            <a:ext cx="8679570" cy="276999"/>
           </a:xfrm>
           <a:prstGeom prst="rect">
             <a:avLst/>
@@ -17006,7 +17052,7 @@
           <a:lstStyle/>
           <a:p>
             <a:r>
-              <a:rPr lang="en-US" sz="1400" u="sng" dirty="0">
+              <a:rPr lang="en-US" sz="1200" u="sng" dirty="0">
                 <a:solidFill>
                   <a:schemeClr val="accent5">
                     <a:lumMod val="75000"/>
@@ -17040,7 +17086,7 @@
         </p:blipFill>
         <p:spPr>
           <a:xfrm>
-            <a:off x="4180116" y="1790010"/>
+            <a:off x="4221135" y="2056515"/>
             <a:ext cx="4630056" cy="2014311"/>
           </a:xfrm>
           <a:prstGeom prst="rect">
@@ -17048,6 +17094,45 @@
           </a:prstGeom>
         </p:spPr>
       </p:pic>
+      <p:sp>
+        <p:nvSpPr>
+          <p:cNvPr id="6" name="TextBox 5">
+            <a:extLst>
+              <a:ext uri="{FF2B5EF4-FFF2-40B4-BE49-F238E27FC236}">
+                <a16:creationId xmlns:a16="http://schemas.microsoft.com/office/drawing/2014/main" id="{7D028407-8848-40D0-9BBD-B809C099DBC4}"/>
+              </a:ext>
+            </a:extLst>
+          </p:cNvPr>
+          <p:cNvSpPr txBox="1"/>
+          <p:nvPr/>
+        </p:nvSpPr>
+        <p:spPr>
+          <a:xfrm>
+            <a:off x="212017" y="3879516"/>
+            <a:ext cx="2091644" cy="307777"/>
+          </a:xfrm>
+          <a:prstGeom prst="rect">
+            <a:avLst/>
+          </a:prstGeom>
+          <a:noFill/>
+        </p:spPr>
+        <p:txBody>
+          <a:bodyPr wrap="square" rtlCol="0">
+            <a:spAutoFit/>
+          </a:bodyPr>
+          <a:lstStyle/>
+          <a:p>
+            <a:r>
+              <a:rPr lang="en-US" sz="1400" dirty="0">
+                <a:solidFill>
+                  <a:schemeClr val="bg2"/>
+                </a:solidFill>
+              </a:rPr>
+              <a:t>REST API</a:t>
+            </a:r>
+          </a:p>
+        </p:txBody>
+      </p:sp>
     </p:spTree>
     <p:extLst>
       <p:ext uri="{BB962C8B-B14F-4D97-AF65-F5344CB8AC3E}">
@@ -17177,12 +17262,34 @@
               <a:rPr lang="en-US" sz="1400" dirty="0">
                 <a:solidFill>
                   <a:schemeClr val="tx1">
-                    <a:lumMod val="65000"/>
-                    <a:lumOff val="35000"/>
+                    <a:lumMod val="50000"/>
+                    <a:lumOff val="50000"/>
                   </a:schemeClr>
                 </a:solidFill>
               </a:rPr>
-              <a:t>A type of data filtering tool using machine learning algorithms to recommend the most relevant items to a particular user or customer. </a:t>
+              <a:t>A type of </a:t>
+            </a:r>
+            <a:r>
+              <a:rPr lang="en-US" sz="1400" u="sng" dirty="0">
+                <a:solidFill>
+                  <a:schemeClr val="tx1">
+                    <a:lumMod val="50000"/>
+                    <a:lumOff val="50000"/>
+                  </a:schemeClr>
+                </a:solidFill>
+              </a:rPr>
+              <a:t>data filtering</a:t>
+            </a:r>
+            <a:r>
+              <a:rPr lang="en-US" sz="1400" dirty="0">
+                <a:solidFill>
+                  <a:schemeClr val="tx1">
+                    <a:lumMod val="50000"/>
+                    <a:lumOff val="50000"/>
+                  </a:schemeClr>
+                </a:solidFill>
+              </a:rPr>
+              <a:t> tool using machine learning algorithms to recommend the most relevant items to a particular user or customer. </a:t>
             </a:r>
           </a:p>
           <a:p>
@@ -17193,8 +17300,8 @@
             <a:endParaRPr lang="en-US" sz="1400" dirty="0">
               <a:solidFill>
                 <a:schemeClr val="tx1">
-                  <a:lumMod val="65000"/>
-                  <a:lumOff val="35000"/>
+                  <a:lumMod val="50000"/>
+                  <a:lumOff val="50000"/>
                 </a:schemeClr>
               </a:solidFill>
             </a:endParaRPr>
@@ -17205,15 +17312,26 @@
               <a:buChar char="q"/>
             </a:pPr>
             <a:r>
+              <a:rPr lang="en-US" sz="1400" b="1" dirty="0">
+                <a:solidFill>
+                  <a:schemeClr val="tx1">
+                    <a:lumMod val="50000"/>
+                    <a:lumOff val="50000"/>
+                  </a:schemeClr>
+                </a:solidFill>
+              </a:rPr>
+              <a:t>Netflix</a:t>
+            </a:r>
+            <a:r>
               <a:rPr lang="en-US" sz="1400" dirty="0">
                 <a:solidFill>
                   <a:schemeClr val="tx1">
-                    <a:lumMod val="65000"/>
-                    <a:lumOff val="35000"/>
+                    <a:lumMod val="50000"/>
+                    <a:lumOff val="50000"/>
                   </a:schemeClr>
                 </a:solidFill>
               </a:rPr>
-              <a:t>Netflix used recommendation engine to present viewers with movie and show suggestions. </a:t>
+              <a:t> used recommendation engine to present viewers with movie and show suggestions. </a:t>
             </a:r>
           </a:p>
           <a:p>
@@ -17224,8 +17342,8 @@
             <a:endParaRPr lang="en-US" sz="1400" dirty="0">
               <a:solidFill>
                 <a:schemeClr val="tx1">
-                  <a:lumMod val="65000"/>
-                  <a:lumOff val="35000"/>
+                  <a:lumMod val="50000"/>
+                  <a:lumOff val="50000"/>
                 </a:schemeClr>
               </a:solidFill>
             </a:endParaRPr>
@@ -17236,15 +17354,26 @@
               <a:buChar char="q"/>
             </a:pPr>
             <a:r>
+              <a:rPr lang="en-US" sz="1400" b="1" dirty="0">
+                <a:solidFill>
+                  <a:schemeClr val="tx1">
+                    <a:lumMod val="50000"/>
+                    <a:lumOff val="50000"/>
+                  </a:schemeClr>
+                </a:solidFill>
+              </a:rPr>
+              <a:t>Amazon</a:t>
+            </a:r>
+            <a:r>
               <a:rPr lang="en-US" sz="1400" dirty="0">
                 <a:solidFill>
                   <a:schemeClr val="tx1">
-                    <a:lumMod val="65000"/>
-                    <a:lumOff val="35000"/>
+                    <a:lumMod val="50000"/>
+                    <a:lumOff val="50000"/>
                   </a:schemeClr>
                 </a:solidFill>
               </a:rPr>
-              <a:t>Amazon, on the other hand, uses a recommendation engine to present customers with product recommendations.</a:t>
+              <a:t>, on the other hand, uses a recommendation engine to present customers with product recommendations.</a:t>
             </a:r>
           </a:p>
           <a:p>
@@ -17255,8 +17384,8 @@
             <a:endParaRPr lang="en-US" sz="1400" dirty="0">
               <a:solidFill>
                 <a:schemeClr val="tx1">
-                  <a:lumMod val="65000"/>
-                  <a:lumOff val="35000"/>
+                  <a:lumMod val="50000"/>
+                  <a:lumOff val="50000"/>
                 </a:schemeClr>
               </a:solidFill>
             </a:endParaRPr>
@@ -17270,12 +17399,12 @@
               <a:rPr lang="en-US" sz="1400" dirty="0">
                 <a:solidFill>
                   <a:schemeClr val="tx1">
-                    <a:lumMod val="65000"/>
-                    <a:lumOff val="35000"/>
+                    <a:lumMod val="50000"/>
+                    <a:lumOff val="50000"/>
                   </a:schemeClr>
                 </a:solidFill>
               </a:rPr>
-              <a:t>Historically, recommendations would come from a salesperson or friends and family. Today, we have passed this task in the hands, or minds, of algorithms.</a:t>
+              <a:t>Historically, recommendations would come from a salesperson or friends and family. Today, we have passed this task to algorithms.</a:t>
             </a:r>
           </a:p>
         </p:txBody>
@@ -17479,7 +17608,14 @@
           <a:lstStyle/>
           <a:p>
             <a:r>
-              <a:rPr lang="en-US" sz="1400" i="1" dirty="0"/>
+              <a:rPr lang="en-US" sz="1400" i="1" dirty="0">
+                <a:solidFill>
+                  <a:schemeClr val="tx1">
+                    <a:lumMod val="50000"/>
+                    <a:lumOff val="50000"/>
+                  </a:schemeClr>
+                </a:solidFill>
+              </a:rPr>
               <a:t>Collaborative filtering doesn’t need anything else but users’ historical preference on a set of items.</a:t>
             </a:r>
           </a:p>
@@ -17514,8 +17650,8 @@
         </p:blipFill>
         <p:spPr bwMode="auto">
           <a:xfrm>
-            <a:off x="4862286" y="1480802"/>
-            <a:ext cx="4029304" cy="1908284"/>
+            <a:off x="4905828" y="1480802"/>
+            <a:ext cx="3985761" cy="1908284"/>
           </a:xfrm>
           <a:prstGeom prst="rect">
             <a:avLst/>
@@ -17554,27 +17690,62 @@
           <a:lstStyle/>
           <a:p>
             <a:r>
-              <a:rPr lang="en-US" dirty="0"/>
+              <a:rPr lang="en-US" dirty="0">
+                <a:solidFill>
+                  <a:schemeClr val="tx1">
+                    <a:lumMod val="50000"/>
+                    <a:lumOff val="50000"/>
+                  </a:schemeClr>
+                </a:solidFill>
+              </a:rPr>
               <a:t>The standard method of Collaborative Filtering is known as </a:t>
             </a:r>
             <a:r>
-              <a:rPr lang="en-US" b="1" dirty="0"/>
+              <a:rPr lang="en-US" b="1" dirty="0">
+                <a:solidFill>
+                  <a:schemeClr val="tx1">
+                    <a:lumMod val="50000"/>
+                    <a:lumOff val="50000"/>
+                  </a:schemeClr>
+                </a:solidFill>
+              </a:rPr>
               <a:t>Nearest Neighborhood </a:t>
             </a:r>
             <a:r>
-              <a:rPr lang="en-US" dirty="0"/>
+              <a:rPr lang="en-US" dirty="0">
+                <a:solidFill>
+                  <a:schemeClr val="tx1">
+                    <a:lumMod val="50000"/>
+                    <a:lumOff val="50000"/>
+                  </a:schemeClr>
+                </a:solidFill>
+              </a:rPr>
               <a:t>algorithm.</a:t>
             </a:r>
           </a:p>
           <a:p>
             <a:r>
-              <a:rPr lang="en-US" dirty="0"/>
+              <a:rPr lang="en-US" dirty="0">
+                <a:solidFill>
+                  <a:schemeClr val="tx1">
+                    <a:lumMod val="50000"/>
+                    <a:lumOff val="50000"/>
+                  </a:schemeClr>
+                </a:solidFill>
+              </a:rPr>
               <a:t>There are user-based CF and item-based CF.</a:t>
             </a:r>
           </a:p>
           <a:p>
             <a:r>
-              <a:rPr lang="en-US" dirty="0"/>
+              <a:rPr lang="en-US" dirty="0">
+                <a:solidFill>
+                  <a:schemeClr val="tx1">
+                    <a:lumMod val="50000"/>
+                    <a:lumOff val="50000"/>
+                  </a:schemeClr>
+                </a:solidFill>
+              </a:rPr>
               <a:t>How to Find Similar Users on the Basis of Ratings? </a:t>
             </a:r>
           </a:p>
@@ -17584,7 +17755,14 @@
               <a:buChar char="q"/>
             </a:pPr>
             <a:r>
-              <a:rPr lang="en-US" dirty="0"/>
+              <a:rPr lang="en-US" dirty="0">
+                <a:solidFill>
+                  <a:schemeClr val="tx1">
+                    <a:lumMod val="50000"/>
+                    <a:lumOff val="50000"/>
+                  </a:schemeClr>
+                </a:solidFill>
+              </a:rPr>
               <a:t>Cosine Similarity</a:t>
             </a:r>
           </a:p>
@@ -17594,31 +17772,73 @@
               <a:buChar char="q"/>
             </a:pPr>
             <a:r>
-              <a:rPr lang="en-US" dirty="0"/>
+              <a:rPr lang="en-US" dirty="0">
+                <a:solidFill>
+                  <a:schemeClr val="tx1">
+                    <a:lumMod val="50000"/>
+                    <a:lumOff val="50000"/>
+                  </a:schemeClr>
+                </a:solidFill>
+              </a:rPr>
               <a:t>Pearson’s Correlation</a:t>
             </a:r>
           </a:p>
           <a:p>
             <a:pPr marL="15874" indent="0"/>
             <a:r>
-              <a:rPr lang="en-US" dirty="0"/>
+              <a:rPr lang="en-US" dirty="0">
+                <a:solidFill>
+                  <a:schemeClr val="tx1">
+                    <a:lumMod val="50000"/>
+                    <a:lumOff val="50000"/>
+                  </a:schemeClr>
+                </a:solidFill>
+              </a:rPr>
               <a:t>Can lead to some problems like </a:t>
             </a:r>
             <a:r>
-              <a:rPr lang="en-US" b="1" u="sng" dirty="0"/>
+              <a:rPr lang="en-US" b="1" u="sng" dirty="0">
+                <a:solidFill>
+                  <a:schemeClr val="tx1">
+                    <a:lumMod val="50000"/>
+                    <a:lumOff val="50000"/>
+                  </a:schemeClr>
+                </a:solidFill>
+              </a:rPr>
               <a:t>cold start</a:t>
             </a:r>
             <a:r>
-              <a:rPr lang="en-US" b="1" dirty="0"/>
+              <a:rPr lang="en-US" b="1" dirty="0">
+                <a:solidFill>
+                  <a:schemeClr val="tx1">
+                    <a:lumMod val="50000"/>
+                    <a:lumOff val="50000"/>
+                  </a:schemeClr>
+                </a:solidFill>
+              </a:rPr>
               <a:t> </a:t>
             </a:r>
             <a:r>
-              <a:rPr lang="en-US" dirty="0"/>
+              <a:rPr lang="en-US" dirty="0">
+                <a:solidFill>
+                  <a:schemeClr val="tx1">
+                    <a:lumMod val="50000"/>
+                    <a:lumOff val="50000"/>
+                  </a:schemeClr>
+                </a:solidFill>
+              </a:rPr>
               <a:t>for new items that are added to the list. </a:t>
             </a:r>
           </a:p>
           <a:p>
-            <a:endParaRPr lang="en-US" dirty="0"/>
+            <a:endParaRPr lang="en-US" dirty="0">
+              <a:solidFill>
+                <a:schemeClr val="tx1">
+                  <a:lumMod val="50000"/>
+                  <a:lumOff val="50000"/>
+                </a:schemeClr>
+              </a:solidFill>
+            </a:endParaRPr>
           </a:p>
         </p:txBody>
       </p:sp>
@@ -17859,8 +18079,8 @@
               <a:rPr lang="en-US" sz="1400" dirty="0">
                 <a:solidFill>
                   <a:schemeClr val="tx1">
-                    <a:lumMod val="65000"/>
-                    <a:lumOff val="35000"/>
+                    <a:lumMod val="50000"/>
+                    <a:lumOff val="50000"/>
                   </a:schemeClr>
                 </a:solidFill>
               </a:rPr>
@@ -17869,8 +18089,8 @@
               <a:rPr lang="en-US" sz="1400" dirty="0">
                 <a:solidFill>
                   <a:schemeClr val="tx1">
-                    <a:lumMod val="65000"/>
-                    <a:lumOff val="35000"/>
+                    <a:lumMod val="50000"/>
+                    <a:lumOff val="50000"/>
                   </a:schemeClr>
                 </a:solidFill>
               </a:rPr>
@@ -17880,8 +18100,8 @@
               <a:rPr lang="en-US" sz="1400" b="1" dirty="0">
                 <a:solidFill>
                   <a:schemeClr val="tx1">
-                    <a:lumMod val="65000"/>
-                    <a:lumOff val="35000"/>
+                    <a:lumMod val="50000"/>
+                    <a:lumOff val="50000"/>
                   </a:schemeClr>
                 </a:solidFill>
               </a:rPr>
@@ -17891,8 +18111,8 @@
               <a:rPr lang="en-US" sz="1400" dirty="0">
                 <a:solidFill>
                   <a:schemeClr val="tx1">
-                    <a:lumMod val="65000"/>
-                    <a:lumOff val="35000"/>
+                    <a:lumMod val="50000"/>
+                    <a:lumOff val="50000"/>
                   </a:schemeClr>
                 </a:solidFill>
               </a:rPr>
@@ -17904,8 +18124,8 @@
             <a:endParaRPr lang="en-US" sz="1400" dirty="0">
               <a:solidFill>
                 <a:schemeClr val="tx1">
-                  <a:lumMod val="65000"/>
-                  <a:lumOff val="35000"/>
+                  <a:lumMod val="50000"/>
+                  <a:lumOff val="50000"/>
                 </a:schemeClr>
               </a:solidFill>
             </a:endParaRPr>
@@ -17916,8 +18136,8 @@
               <a:rPr lang="en-US" sz="1400" dirty="0">
                 <a:solidFill>
                   <a:schemeClr val="tx1">
-                    <a:lumMod val="65000"/>
-                    <a:lumOff val="35000"/>
+                    <a:lumMod val="50000"/>
+                    <a:lumOff val="50000"/>
                   </a:schemeClr>
                 </a:solidFill>
               </a:rPr>
@@ -17929,8 +18149,8 @@
             <a:endParaRPr lang="en-US" sz="1400" dirty="0">
               <a:solidFill>
                 <a:schemeClr val="tx1">
-                  <a:lumMod val="65000"/>
-                  <a:lumOff val="35000"/>
+                  <a:lumMod val="50000"/>
+                  <a:lumOff val="50000"/>
                 </a:schemeClr>
               </a:solidFill>
             </a:endParaRPr>
@@ -17941,8 +18161,8 @@
               <a:rPr lang="en-US" sz="1400" dirty="0">
                 <a:solidFill>
                   <a:schemeClr val="tx1">
-                    <a:lumMod val="65000"/>
-                    <a:lumOff val="35000"/>
+                    <a:lumMod val="50000"/>
+                    <a:lumOff val="50000"/>
                   </a:schemeClr>
                 </a:solidFill>
               </a:rPr>
@@ -17954,8 +18174,8 @@
             <a:endParaRPr lang="en-US" sz="1400" dirty="0">
               <a:solidFill>
                 <a:schemeClr val="tx1">
-                  <a:lumMod val="65000"/>
-                  <a:lumOff val="35000"/>
+                  <a:lumMod val="50000"/>
+                  <a:lumOff val="50000"/>
                 </a:schemeClr>
               </a:solidFill>
             </a:endParaRPr>
@@ -17965,8 +18185,8 @@
             <a:endParaRPr lang="en-US" sz="1400" dirty="0">
               <a:solidFill>
                 <a:schemeClr val="tx1">
-                  <a:lumMod val="65000"/>
-                  <a:lumOff val="35000"/>
+                  <a:lumMod val="50000"/>
+                  <a:lumOff val="50000"/>
                 </a:schemeClr>
               </a:solidFill>
             </a:endParaRPr>
@@ -18098,18 +18318,49 @@
             </a:pPr>
             <a:r>
               <a:rPr lang="en-US" dirty="0">
-                <a:hlinkClick r:id="rId2"/>
+                <a:solidFill>
+                  <a:srgbClr val="C00000"/>
+                </a:solidFill>
+                <a:hlinkClick r:id="rId2">
+                  <a:extLst>
+                    <a:ext uri="{A12FA001-AC4F-418D-AE19-62706E023703}">
+                      <ahyp:hlinkClr xmlns:ahyp="http://schemas.microsoft.com/office/drawing/2018/hyperlinkcolor" val="tx"/>
+                    </a:ext>
+                  </a:extLst>
+                </a:hlinkClick>
               </a:rPr>
               <a:t>Amazon Personalize</a:t>
             </a:r>
             <a:r>
-              <a:rPr lang="en-US" dirty="0"/>
-              <a:t> is a machine learning service which enables you to personalize your website, app, ads, emails, and more, with custom machine learning models with no prior machine learning experience. </a:t>
+              <a:rPr lang="en-US" dirty="0">
+                <a:solidFill>
+                  <a:srgbClr val="C00000"/>
+                </a:solidFill>
+              </a:rPr>
+              <a:t> </a:t>
+            </a:r>
+            <a:r>
+              <a:rPr lang="en-US" dirty="0">
+                <a:solidFill>
+                  <a:schemeClr val="tx1">
+                    <a:lumMod val="50000"/>
+                    <a:lumOff val="50000"/>
+                  </a:schemeClr>
+                </a:solidFill>
+              </a:rPr>
+              <a:t>is a machine learning service which enables you to personalize your website, app, ads, emails, and more, with custom machine learning models with no prior machine learning experience. </a:t>
             </a:r>
           </a:p>
           <a:p>
             <a:pPr marL="15874" indent="0"/>
-            <a:endParaRPr lang="en-US" dirty="0"/>
+            <a:endParaRPr lang="en-US" dirty="0">
+              <a:solidFill>
+                <a:schemeClr val="tx1">
+                  <a:lumMod val="50000"/>
+                  <a:lumOff val="50000"/>
+                </a:schemeClr>
+              </a:solidFill>
+            </a:endParaRPr>
           </a:p>
           <a:p>
             <a:pPr marL="301624" indent="-285750">
@@ -18117,13 +18368,27 @@
               <a:buChar char="q"/>
             </a:pPr>
             <a:r>
-              <a:rPr lang="en-US" dirty="0"/>
+              <a:rPr lang="en-US" dirty="0">
+                <a:solidFill>
+                  <a:schemeClr val="tx1">
+                    <a:lumMod val="50000"/>
+                    <a:lumOff val="50000"/>
+                  </a:schemeClr>
+                </a:solidFill>
+              </a:rPr>
               <a:t>AWS is pleased to announce that Amazon Personalize now supports ten times more item attributes for modeling in Personalize. </a:t>
             </a:r>
           </a:p>
           <a:p>
             <a:pPr marL="15874" indent="0"/>
-            <a:endParaRPr lang="en-US" dirty="0"/>
+            <a:endParaRPr lang="en-US" dirty="0">
+              <a:solidFill>
+                <a:schemeClr val="tx1">
+                  <a:lumMod val="50000"/>
+                  <a:lumOff val="50000"/>
+                </a:schemeClr>
+              </a:solidFill>
+            </a:endParaRPr>
           </a:p>
           <a:p>
             <a:pPr marL="301624" indent="-285750">
@@ -18131,15 +18396,36 @@
               <a:buChar char="q"/>
             </a:pPr>
             <a:r>
-              <a:rPr lang="en-US" dirty="0"/>
+              <a:rPr lang="en-US" dirty="0">
+                <a:solidFill>
+                  <a:schemeClr val="tx1">
+                    <a:lumMod val="50000"/>
+                    <a:lumOff val="50000"/>
+                  </a:schemeClr>
+                </a:solidFill>
+              </a:rPr>
               <a:t>Previously, you could use up to five item attributes while building an ML model in Amazon Personalize. This limit is now </a:t>
             </a:r>
             <a:r>
-              <a:rPr lang="en-US" b="1" dirty="0"/>
+              <a:rPr lang="en-US" b="1" dirty="0">
+                <a:solidFill>
+                  <a:schemeClr val="tx1">
+                    <a:lumMod val="50000"/>
+                    <a:lumOff val="50000"/>
+                  </a:schemeClr>
+                </a:solidFill>
+              </a:rPr>
               <a:t>50 attributes</a:t>
             </a:r>
             <a:r>
-              <a:rPr lang="en-US" dirty="0"/>
+              <a:rPr lang="en-US" dirty="0">
+                <a:solidFill>
+                  <a:schemeClr val="tx1">
+                    <a:lumMod val="50000"/>
+                    <a:lumOff val="50000"/>
+                  </a:schemeClr>
+                </a:solidFill>
+              </a:rPr>
               <a:t>. </a:t>
             </a:r>
           </a:p>
@@ -18148,7 +18434,14 @@
               <a:buFont typeface="Wingdings" panose="05000000000000000000" pitchFamily="2" charset="2"/>
               <a:buChar char="q"/>
             </a:pPr>
-            <a:endParaRPr lang="en-US" dirty="0"/>
+            <a:endParaRPr lang="en-US" dirty="0">
+              <a:solidFill>
+                <a:schemeClr val="tx1">
+                  <a:lumMod val="50000"/>
+                  <a:lumOff val="50000"/>
+                </a:schemeClr>
+              </a:solidFill>
+            </a:endParaRPr>
           </a:p>
           <a:p>
             <a:pPr marL="301624" indent="-285750">
@@ -18156,7 +18449,14 @@
               <a:buChar char="q"/>
             </a:pPr>
             <a:r>
-              <a:rPr lang="en-US" dirty="0"/>
+              <a:rPr lang="en-US" dirty="0">
+                <a:solidFill>
+                  <a:schemeClr val="tx1">
+                    <a:lumMod val="50000"/>
+                    <a:lumOff val="50000"/>
+                  </a:schemeClr>
+                </a:solidFill>
+              </a:rPr>
               <a:t>You can now use more information about your items, for example, category, brand, price, duration, size, author, year of release etc., to increase the relevance of recommendations</a:t>
             </a:r>
           </a:p>

--- a/Recommender API with Amazon Personalize.pptx
+++ b/Recommender API with Amazon Personalize.pptx
@@ -349,7 +349,7 @@
             <a:fld id="{3122E3A8-67DD-A54D-9ACE-7F6180D1A288}" type="datetimeFigureOut">
               <a:rPr lang="en-US" smtClean="0"/>
               <a:pPr/>
-              <a:t>6/14/2021</a:t>
+              <a:t>6/15/2021</a:t>
             </a:fld>
             <a:endParaRPr lang="en-US" dirty="0"/>
           </a:p>
@@ -517,7 +517,7 @@
             <a:fld id="{95BCB8AE-B9B2-1648-AE7C-D9F4FF496627}" type="datetimeFigureOut">
               <a:rPr lang="en-US" smtClean="0"/>
               <a:pPr/>
-              <a:t>6/14/2021</a:t>
+              <a:t>6/15/2021</a:t>
             </a:fld>
             <a:endParaRPr lang="en-US" dirty="0"/>
           </a:p>
@@ -13265,45 +13265,6 @@
           <a:chExt cx="0" cy="0"/>
         </a:xfrm>
       </p:grpSpPr>
-      <p:pic>
-        <p:nvPicPr>
-          <p:cNvPr id="1026" name="Picture 2" descr="How To Build a Recommendation Engine in Python | ActiveState">
-            <a:extLst>
-              <a:ext uri="{FF2B5EF4-FFF2-40B4-BE49-F238E27FC236}">
-                <a16:creationId xmlns:a16="http://schemas.microsoft.com/office/drawing/2014/main" id="{58AB95C1-60BD-4563-968D-EDA92FE57E0F}"/>
-              </a:ext>
-            </a:extLst>
-          </p:cNvPr>
-          <p:cNvPicPr>
-            <a:picLocks noChangeAspect="1" noChangeArrowheads="1"/>
-          </p:cNvPicPr>
-          <p:nvPr/>
-        </p:nvPicPr>
-        <p:blipFill>
-          <a:blip r:embed="rId3">
-            <a:extLst>
-              <a:ext uri="{28A0092B-C50C-407E-A947-70E740481C1C}">
-                <a14:useLocalDpi xmlns:a14="http://schemas.microsoft.com/office/drawing/2010/main" val="0"/>
-              </a:ext>
-            </a:extLst>
-          </a:blip>
-          <a:stretch>
-            <a:fillRect/>
-          </a:stretch>
-        </p:blipFill>
-        <p:spPr bwMode="auto">
-          <a:xfrm>
-            <a:off x="4613273" y="1303146"/>
-            <a:ext cx="4530727" cy="2537207"/>
-          </a:xfrm>
-          <a:prstGeom prst="rect">
-            <a:avLst/>
-          </a:prstGeom>
-          <a:solidFill>
-            <a:srgbClr val="FFFFFF"/>
-          </a:solidFill>
-        </p:spPr>
-      </p:pic>
       <p:sp>
         <p:nvSpPr>
           <p:cNvPr id="15" name="Text Placeholder 14"/>
@@ -13485,6 +13446,100 @@
           </a:p>
         </p:txBody>
       </p:sp>
+      <p:pic>
+        <p:nvPicPr>
+          <p:cNvPr id="1028" name="Picture 4" descr="Amazon Web Services Rolls Out Amazon Personalize">
+            <a:extLst>
+              <a:ext uri="{FF2B5EF4-FFF2-40B4-BE49-F238E27FC236}">
+                <a16:creationId xmlns:a16="http://schemas.microsoft.com/office/drawing/2014/main" id="{69AB777D-723B-4F40-9340-837960FFFD31}"/>
+              </a:ext>
+            </a:extLst>
+          </p:cNvPr>
+          <p:cNvPicPr>
+            <a:picLocks noChangeAspect="1" noChangeArrowheads="1"/>
+          </p:cNvPicPr>
+          <p:nvPr/>
+        </p:nvPicPr>
+        <p:blipFill>
+          <a:blip r:embed="rId3" cstate="email">
+            <a:extLst>
+              <a:ext uri="{28A0092B-C50C-407E-A947-70E740481C1C}">
+                <a14:useLocalDpi xmlns:a14="http://schemas.microsoft.com/office/drawing/2010/main" val="0"/>
+              </a:ext>
+            </a:extLst>
+          </a:blip>
+          <a:srcRect/>
+          <a:stretch>
+            <a:fillRect/>
+          </a:stretch>
+        </p:blipFill>
+        <p:spPr bwMode="auto">
+          <a:xfrm>
+            <a:off x="5438780" y="1451429"/>
+            <a:ext cx="997855" cy="452602"/>
+          </a:xfrm>
+          <a:prstGeom prst="rect">
+            <a:avLst/>
+          </a:prstGeom>
+          <a:noFill/>
+          <a:extLst>
+            <a:ext uri="{909E8E84-426E-40DD-AFC4-6F175D3DCCD1}">
+              <a14:hiddenFill xmlns:a14="http://schemas.microsoft.com/office/drawing/2010/main">
+                <a:solidFill>
+                  <a:srgbClr val="FFFFFF"/>
+                </a:solidFill>
+              </a14:hiddenFill>
+            </a:ext>
+          </a:extLst>
+        </p:spPr>
+      </p:pic>
+      <p:pic>
+        <p:nvPicPr>
+          <p:cNvPr id="3" name="Picture 6" descr="Amazon Personalize のHRNN-Metadata レシピ触ってみた – 機械学習 on AWS Advent Calendar  2019 | DevelopersIO">
+            <a:extLst>
+              <a:ext uri="{FF2B5EF4-FFF2-40B4-BE49-F238E27FC236}">
+                <a16:creationId xmlns:a16="http://schemas.microsoft.com/office/drawing/2014/main" id="{27E0C37F-3244-4268-922F-91C2ECD191B3}"/>
+              </a:ext>
+            </a:extLst>
+          </p:cNvPr>
+          <p:cNvPicPr>
+            <a:picLocks noChangeAspect="1" noChangeArrowheads="1"/>
+          </p:cNvPicPr>
+          <p:nvPr/>
+        </p:nvPicPr>
+        <p:blipFill>
+          <a:blip r:embed="rId4">
+            <a:extLst>
+              <a:ext uri="{28A0092B-C50C-407E-A947-70E740481C1C}">
+                <a14:useLocalDpi xmlns:a14="http://schemas.microsoft.com/office/drawing/2010/main" val="0"/>
+              </a:ext>
+            </a:extLst>
+          </a:blip>
+          <a:srcRect/>
+          <a:stretch>
+            <a:fillRect/>
+          </a:stretch>
+        </p:blipFill>
+        <p:spPr bwMode="auto">
+          <a:xfrm>
+            <a:off x="5541283" y="1904031"/>
+            <a:ext cx="2952750" cy="1552575"/>
+          </a:xfrm>
+          <a:prstGeom prst="rect">
+            <a:avLst/>
+          </a:prstGeom>
+          <a:noFill/>
+          <a:extLst>
+            <a:ext uri="{909E8E84-426E-40DD-AFC4-6F175D3DCCD1}">
+              <a14:hiddenFill xmlns:a14="http://schemas.microsoft.com/office/drawing/2010/main">
+                <a:solidFill>
+                  <a:srgbClr val="FFFFFF"/>
+                </a:solidFill>
+              </a14:hiddenFill>
+            </a:ext>
+          </a:extLst>
+        </p:spPr>
+      </p:pic>
     </p:spTree>
   </p:cSld>
   <p:clrMapOvr>
@@ -14387,7 +14442,7 @@
               <a:t>For IAM Service role, choose </a:t>
             </a:r>
             <a:r>
-              <a:rPr lang="en-US" sz="1400" dirty="0" err="1">
+              <a:rPr lang="en-US" sz="1400" b="1" dirty="0" err="1">
                 <a:solidFill>
                   <a:schemeClr val="tx1">
                     <a:lumMod val="50000"/>
@@ -16219,7 +16274,29 @@
                   </a:schemeClr>
                 </a:solidFill>
               </a:rPr>
-              <a:t> as input and returns top n items as recommendations</a:t>
+              <a:t> as input and returns </a:t>
+            </a:r>
+            <a:r>
+              <a:rPr lang="en-US" sz="1400">
+                <a:solidFill>
+                  <a:schemeClr val="tx1">
+                    <a:lumMod val="50000"/>
+                    <a:lumOff val="50000"/>
+                  </a:schemeClr>
+                </a:solidFill>
+              </a:rPr>
+              <a:t>top N </a:t>
+            </a:r>
+            <a:r>
+              <a:rPr lang="en-US" sz="1400" dirty="0">
+                <a:solidFill>
+                  <a:schemeClr val="tx1">
+                    <a:lumMod val="50000"/>
+                    <a:lumOff val="50000"/>
+                  </a:schemeClr>
+                </a:solidFill>
+              </a:rPr>
+              <a:t>items as recommendations</a:t>
             </a:r>
           </a:p>
         </p:txBody>
@@ -17054,9 +17131,7 @@
             <a:r>
               <a:rPr lang="en-US" sz="1200" u="sng" dirty="0">
                 <a:solidFill>
-                  <a:schemeClr val="accent5">
-                    <a:lumMod val="75000"/>
-                  </a:schemeClr>
+                  <a:srgbClr val="0070C0"/>
                 </a:solidFill>
               </a:rPr>
               <a:t>https://swkxs2p89k.execute-api.eu-west-1.amazonaws.com/default/aws-personalize-recommender?userId=52946117</a:t>
@@ -17086,8 +17161,8 @@
         </p:blipFill>
         <p:spPr>
           <a:xfrm>
-            <a:off x="4221135" y="2056515"/>
-            <a:ext cx="4630056" cy="2014311"/>
+            <a:off x="3960812" y="2056515"/>
+            <a:ext cx="4930775" cy="2014311"/>
           </a:xfrm>
           <a:prstGeom prst="rect">
             <a:avLst/>
@@ -18404,7 +18479,7 @@
                   </a:schemeClr>
                 </a:solidFill>
               </a:rPr>
-              <a:t>Previously, you could use up to five item attributes while building an ML model in Amazon Personalize. This limit is now </a:t>
+              <a:t>Previously, you could use up to 5 item attributes while building an ML model in Amazon Personalize. This limit is now </a:t>
             </a:r>
             <a:r>
               <a:rPr lang="en-US" b="1" dirty="0">

--- a/Recommender API with Amazon Personalize.pptx
+++ b/Recommender API with Amazon Personalize.pptx
@@ -19,7 +19,7 @@
     <p:sldId id="268" r:id="rId7"/>
     <p:sldId id="264" r:id="rId8"/>
     <p:sldId id="267" r:id="rId9"/>
-    <p:sldId id="266" r:id="rId10"/>
+    <p:sldId id="278" r:id="rId10"/>
     <p:sldId id="265" r:id="rId11"/>
     <p:sldId id="272" r:id="rId12"/>
     <p:sldId id="271" r:id="rId13"/>
@@ -349,7 +349,7 @@
             <a:fld id="{3122E3A8-67DD-A54D-9ACE-7F6180D1A288}" type="datetimeFigureOut">
               <a:rPr lang="en-US" smtClean="0"/>
               <a:pPr/>
-              <a:t>6/15/2021</a:t>
+              <a:t>6/17/2021</a:t>
             </a:fld>
             <a:endParaRPr lang="en-US" dirty="0"/>
           </a:p>
@@ -517,7 +517,7 @@
             <a:fld id="{95BCB8AE-B9B2-1648-AE7C-D9F4FF496627}" type="datetimeFigureOut">
               <a:rPr lang="en-US" smtClean="0"/>
               <a:pPr/>
-              <a:t>6/15/2021</a:t>
+              <a:t>6/17/2021</a:t>
             </a:fld>
             <a:endParaRPr lang="en-US" dirty="0"/>
           </a:p>
@@ -1276,10 +1276,9 @@
           </a:lstStyle>
           <a:p>
             <a:r>
-              <a:rPr lang="en-US"/>
+              <a:rPr lang="en-US" dirty="0"/>
               <a:t>Click icon to add picture</a:t>
             </a:r>
-            <a:endParaRPr lang="en-US" dirty="0"/>
           </a:p>
         </p:txBody>
       </p:sp>
@@ -8023,7 +8022,7 @@
           <a:lstStyle/>
           <a:p>
             <a:pPr algn="ctr"/>
-            <a:endParaRPr lang="en-US"/>
+            <a:endParaRPr lang="en-US" dirty="0"/>
           </a:p>
         </p:txBody>
       </p:sp>
@@ -8218,7 +8217,7 @@
           <a:lstStyle/>
           <a:p>
             <a:pPr algn="ctr"/>
-            <a:endParaRPr lang="en-US"/>
+            <a:endParaRPr lang="en-US" dirty="0"/>
           </a:p>
         </p:txBody>
       </p:sp>
@@ -12350,7 +12349,7 @@
               </a:spcAft>
             </a:pPr>
             <a:r>
-              <a:rPr lang="en-US" sz="600">
+              <a:rPr lang="en-US" sz="600" dirty="0">
                 <a:solidFill>
                   <a:srgbClr val="626469"/>
                 </a:solidFill>
@@ -12919,7 +12918,7 @@
               </a:spcAft>
             </a:pPr>
             <a:r>
-              <a:rPr lang="en-US" sz="600">
+              <a:rPr lang="en-US" sz="600" dirty="0">
                 <a:solidFill>
                   <a:srgbClr val="626469"/>
                 </a:solidFill>
@@ -13360,7 +13359,7 @@
           <a:bodyPr/>
           <a:lstStyle/>
           <a:p>
-            <a:endParaRPr lang="en-US"/>
+            <a:endParaRPr lang="en-US" dirty="0"/>
           </a:p>
         </p:txBody>
       </p:sp>
@@ -13396,7 +13395,7 @@
               </a:spcAft>
             </a:pPr>
             <a:r>
-              <a:rPr lang="en-US"/>
+              <a:rPr lang="en-US" dirty="0"/>
               <a:t>Page </a:t>
             </a:r>
             <a:fld id="{5A9C12DC-491F-9444-86A2-13AC5C62A2FC}" type="slidenum">
@@ -13408,7 +13407,7 @@
               </a:pPr>
               <a:t>1</a:t>
             </a:fld>
-            <a:endParaRPr lang="en-US"/>
+            <a:endParaRPr lang="en-US" dirty="0"/>
           </a:p>
         </p:txBody>
       </p:sp>
@@ -13440,7 +13439,7 @@
               </a:spcAft>
             </a:pPr>
             <a:r>
-              <a:rPr lang="en-US"/>
+              <a:rPr lang="en-US" dirty="0"/>
               <a:t>Confidential Property of Schneider Electric  </a:t>
             </a:r>
           </a:p>
@@ -13475,8 +13474,8 @@
         </p:blipFill>
         <p:spPr bwMode="auto">
           <a:xfrm>
-            <a:off x="5438780" y="1451429"/>
-            <a:ext cx="997855" cy="452602"/>
+            <a:off x="5438781" y="1451429"/>
+            <a:ext cx="947506" cy="452602"/>
           </a:xfrm>
           <a:prstGeom prst="rect">
             <a:avLst/>
@@ -13800,7 +13799,7 @@
               </a:spcAft>
             </a:pPr>
             <a:r>
-              <a:rPr lang="en-US"/>
+              <a:rPr lang="en-US" dirty="0"/>
               <a:t>Page </a:t>
             </a:r>
             <a:fld id="{5A9C12DC-491F-9444-86A2-13AC5C62A2FC}" type="slidenum">
@@ -13812,7 +13811,7 @@
               </a:pPr>
               <a:t>10</a:t>
             </a:fld>
-            <a:endParaRPr lang="en-US"/>
+            <a:endParaRPr lang="en-US" dirty="0"/>
           </a:p>
         </p:txBody>
       </p:sp>
@@ -13850,7 +13849,7 @@
               </a:spcAft>
             </a:pPr>
             <a:r>
-              <a:rPr lang="en-US"/>
+              <a:rPr lang="en-US" dirty="0"/>
               <a:t>Confidential Property of Schneider Electric |</a:t>
             </a:r>
           </a:p>
@@ -14142,19 +14141,6 @@
               <a:tabLst/>
             </a:pPr>
             <a:r>
-              <a:rPr kumimoji="0" lang="en-US" altLang="en-US" sz="1200" b="0" i="0" u="none" strike="noStrike" cap="none" normalizeH="0" baseline="0" dirty="0" err="1">
-                <a:ln>
-                  <a:noFill/>
-                </a:ln>
-                <a:solidFill>
-                  <a:srgbClr val="16191F"/>
-                </a:solidFill>
-                <a:effectLst/>
-                <a:latin typeface="Monaco"/>
-              </a:rPr>
-              <a:t>aws</a:t>
-            </a:r>
-            <a:r>
               <a:rPr kumimoji="0" lang="en-US" altLang="en-US" sz="1200" b="0" i="0" u="none" strike="noStrike" cap="none" normalizeH="0" baseline="0" dirty="0">
                 <a:ln>
                   <a:noFill/>
@@ -14165,10 +14151,10 @@
                 <a:effectLst/>
                 <a:latin typeface="Monaco"/>
               </a:rPr>
-              <a:t> personalize create-schema \ --name </a:t>
-            </a:r>
-            <a:r>
-              <a:rPr kumimoji="0" lang="en-US" altLang="en-US" sz="1200" b="0" i="1" u="none" strike="noStrike" cap="none" normalizeH="0" baseline="0" dirty="0" err="1">
+              <a:t>aws personalize create-schema \ --name </a:t>
+            </a:r>
+            <a:r>
+              <a:rPr kumimoji="0" lang="en-US" altLang="en-US" sz="1200" b="0" i="1" u="none" strike="noStrike" cap="none" normalizeH="0" baseline="0" dirty="0">
                 <a:ln>
                   <a:noFill/>
                 </a:ln>
@@ -14283,7 +14269,7 @@
           <a:lstStyle/>
           <a:p>
             <a:r>
-              <a:rPr lang="en-US"/>
+              <a:rPr lang="en-US" dirty="0"/>
               <a:t>Page </a:t>
             </a:r>
             <a:fld id="{5A9C12DC-491F-9444-86A2-13AC5C62A2FC}" type="slidenum">
@@ -14317,10 +14303,9 @@
           <a:lstStyle/>
           <a:p>
             <a:r>
-              <a:rPr lang="en-US"/>
+              <a:rPr lang="en-US" dirty="0"/>
               <a:t>Confidential Property of Schneider Electric |</a:t>
             </a:r>
-            <a:endParaRPr lang="en-US" dirty="0"/>
           </a:p>
         </p:txBody>
       </p:sp>
@@ -14442,7 +14427,7 @@
               <a:t>For IAM Service role, choose </a:t>
             </a:r>
             <a:r>
-              <a:rPr lang="en-US" sz="1400" b="1" dirty="0" err="1">
+              <a:rPr lang="en-US" sz="1400" b="1" dirty="0">
                 <a:solidFill>
                   <a:schemeClr val="tx1">
                     <a:lumMod val="50000"/>
@@ -14640,7 +14625,7 @@
           <a:lstStyle/>
           <a:p>
             <a:r>
-              <a:rPr lang="en-US"/>
+              <a:rPr lang="en-US" dirty="0"/>
               <a:t>Page </a:t>
             </a:r>
             <a:fld id="{5A9C12DC-491F-9444-86A2-13AC5C62A2FC}" type="slidenum">
@@ -14674,10 +14659,9 @@
           <a:lstStyle/>
           <a:p>
             <a:r>
-              <a:rPr lang="en-US"/>
+              <a:rPr lang="en-US" dirty="0"/>
               <a:t>Confidential Property of Schneider Electric |</a:t>
             </a:r>
-            <a:endParaRPr lang="en-US" dirty="0"/>
           </a:p>
         </p:txBody>
       </p:sp>
@@ -14798,10 +14782,16 @@
                   </a:schemeClr>
                 </a:solidFill>
               </a:rPr>
-              <a:t> – Trains on </a:t>
-            </a:r>
-            <a:r>
-              <a:rPr lang="en-US" dirty="0" err="1">
+              <a:t> – Trains on interaction+user, item, and interaction metadata and is recommended when you have such data available</a:t>
+            </a:r>
+          </a:p>
+          <a:p>
+            <a:pPr lvl="1">
+              <a:buFont typeface="Wingdings" panose="05000000000000000000" pitchFamily="2" charset="2"/>
+              <a:buChar char="q"/>
+            </a:pPr>
+            <a:r>
+              <a:rPr lang="en-US" b="1" dirty="0">
                 <a:solidFill>
                   <a:schemeClr val="tx1">
                     <a:lumMod val="50000"/>
@@ -14809,57 +14799,7 @@
                   </a:schemeClr>
                 </a:solidFill>
               </a:rPr>
-              <a:t>interaction+user</a:t>
-            </a:r>
-            <a:r>
-              <a:rPr lang="en-US" dirty="0">
-                <a:solidFill>
-                  <a:schemeClr val="tx1">
-                    <a:lumMod val="50000"/>
-                    <a:lumOff val="50000"/>
-                  </a:schemeClr>
-                </a:solidFill>
-              </a:rPr>
-              <a:t>, item, and interaction metadata and is recommended when you have such data available</a:t>
-            </a:r>
-          </a:p>
-          <a:p>
-            <a:pPr lvl="1">
-              <a:buFont typeface="Wingdings" panose="05000000000000000000" pitchFamily="2" charset="2"/>
-              <a:buChar char="q"/>
-            </a:pPr>
-            <a:r>
-              <a:rPr lang="en-US" b="1" dirty="0">
-                <a:solidFill>
-                  <a:schemeClr val="tx1">
-                    <a:lumMod val="50000"/>
-                    <a:lumOff val="50000"/>
-                  </a:schemeClr>
-                </a:solidFill>
-              </a:rPr>
-              <a:t>HRNN-</a:t>
-            </a:r>
-            <a:r>
-              <a:rPr lang="en-US" b="1" dirty="0" err="1">
-                <a:solidFill>
-                  <a:schemeClr val="tx1">
-                    <a:lumMod val="50000"/>
-                    <a:lumOff val="50000"/>
-                  </a:schemeClr>
-                </a:solidFill>
-              </a:rPr>
-              <a:t>Coldstart</a:t>
-            </a:r>
-            <a:r>
-              <a:rPr lang="en-US" b="1" dirty="0">
-                <a:solidFill>
-                  <a:schemeClr val="tx1">
-                    <a:lumMod val="50000"/>
-                    <a:lumOff val="50000"/>
-                  </a:schemeClr>
-                </a:solidFill>
-              </a:rPr>
-              <a:t> </a:t>
+              <a:t>HRNN-Coldstart </a:t>
             </a:r>
             <a:r>
               <a:rPr lang="en-US" dirty="0">
@@ -15339,7 +15279,7 @@
           <a:lstStyle/>
           <a:p>
             <a:r>
-              <a:rPr lang="en-US"/>
+              <a:rPr lang="en-US" dirty="0"/>
               <a:t>Page </a:t>
             </a:r>
             <a:fld id="{5A9C12DC-491F-9444-86A2-13AC5C62A2FC}" type="slidenum">
@@ -15373,10 +15313,9 @@
           <a:lstStyle/>
           <a:p>
             <a:r>
-              <a:rPr lang="en-US"/>
+              <a:rPr lang="en-US" dirty="0"/>
               <a:t>Confidential Property of Schneider Electric |</a:t>
             </a:r>
-            <a:endParaRPr lang="en-US" dirty="0"/>
           </a:p>
         </p:txBody>
       </p:sp>
@@ -15590,7 +15529,7 @@
           <a:lstStyle/>
           <a:p>
             <a:r>
-              <a:rPr lang="en-US" sz="1400">
+              <a:rPr lang="en-US" sz="1400" dirty="0">
                 <a:solidFill>
                   <a:schemeClr val="tx1">
                     <a:lumMod val="50000"/>
@@ -15601,7 +15540,7 @@
               <a:t>To get recommendations, create a </a:t>
             </a:r>
             <a:r>
-              <a:rPr lang="en-US" sz="1400" b="1" u="sng">
+              <a:rPr lang="en-US" sz="1400" b="1" u="sng" dirty="0">
                 <a:solidFill>
                   <a:schemeClr val="tx1">
                     <a:lumMod val="50000"/>
@@ -15612,7 +15551,7 @@
               <a:t>Campaign</a:t>
             </a:r>
             <a:r>
-              <a:rPr lang="en-US" sz="1400">
+              <a:rPr lang="en-US" sz="1400" dirty="0">
                 <a:solidFill>
                   <a:schemeClr val="tx1">
                     <a:lumMod val="50000"/>
@@ -15622,14 +15561,6 @@
               </a:rPr>
               <a:t> using the solution and solution version you just created.</a:t>
             </a:r>
-            <a:endParaRPr lang="en-US" sz="1400" dirty="0">
-              <a:solidFill>
-                <a:schemeClr val="tx1">
-                  <a:lumMod val="50000"/>
-                  <a:lumOff val="50000"/>
-                </a:schemeClr>
-              </a:solidFill>
-            </a:endParaRPr>
           </a:p>
         </p:txBody>
       </p:sp>
@@ -15773,24 +15704,14 @@
               <a:t>AWS Lambda  - </a:t>
             </a:r>
             <a:r>
-              <a:rPr lang="en-US" sz="900" u="sng" dirty="0" err="1">
+              <a:rPr lang="en-US" sz="900" u="sng" dirty="0">
                 <a:solidFill>
                   <a:schemeClr val="accent5">
                     <a:lumMod val="75000"/>
                   </a:schemeClr>
                 </a:solidFill>
               </a:rPr>
-              <a:t>aws</a:t>
-            </a:r>
-            <a:r>
-              <a:rPr lang="en-US" sz="900" u="sng" dirty="0">
-                <a:solidFill>
-                  <a:schemeClr val="accent5">
-                    <a:lumMod val="75000"/>
-                  </a:schemeClr>
-                </a:solidFill>
-              </a:rPr>
-              <a:t>-personalize-recommender</a:t>
+              <a:t>aws-personalize-recommender</a:t>
             </a:r>
           </a:p>
         </p:txBody>
@@ -15826,16 +15747,10 @@
               <a:t>API Gateway - </a:t>
             </a:r>
             <a:r>
-              <a:rPr lang="en-US" sz="900" u="sng" dirty="0" err="1">
-                <a:hlinkClick r:id="rId3"/>
-              </a:rPr>
-              <a:t>aws</a:t>
-            </a:r>
-            <a:r>
               <a:rPr lang="en-US" sz="900" u="sng" dirty="0">
                 <a:hlinkClick r:id="rId3"/>
               </a:rPr>
-              <a:t>-personalize-recommender-API</a:t>
+              <a:t>aws-personalize-recommender-API</a:t>
             </a:r>
             <a:endParaRPr lang="en-US" sz="900" dirty="0"/>
           </a:p>
@@ -15905,7 +15820,7 @@
               </a:spcAft>
             </a:pPr>
             <a:r>
-              <a:rPr lang="en-US"/>
+              <a:rPr lang="en-US" dirty="0"/>
               <a:t>Page </a:t>
             </a:r>
             <a:fld id="{5A9C12DC-491F-9444-86A2-13AC5C62A2FC}" type="slidenum">
@@ -15917,7 +15832,7 @@
               </a:pPr>
               <a:t>14</a:t>
             </a:fld>
-            <a:endParaRPr lang="en-US"/>
+            <a:endParaRPr lang="en-US" dirty="0"/>
           </a:p>
         </p:txBody>
       </p:sp>
@@ -15955,7 +15870,7 @@
               </a:spcAft>
             </a:pPr>
             <a:r>
-              <a:rPr lang="en-US"/>
+              <a:rPr lang="en-US" dirty="0"/>
               <a:t>Confidential Property of Schneider Electric |</a:t>
             </a:r>
           </a:p>
@@ -16025,7 +15940,7 @@
           <a:lstStyle/>
           <a:p>
             <a:r>
-              <a:rPr lang="en-US"/>
+              <a:rPr lang="en-US" dirty="0"/>
               <a:t>To get the recommendations programmatically, write a Lambda Function and link it to an API.</a:t>
             </a:r>
           </a:p>
@@ -16095,7 +16010,7 @@
               </a:spcAft>
             </a:pPr>
             <a:r>
-              <a:rPr lang="en-US"/>
+              <a:rPr lang="en-US" dirty="0"/>
               <a:t>Page </a:t>
             </a:r>
             <a:fld id="{5A9C12DC-491F-9444-86A2-13AC5C62A2FC}" type="slidenum">
@@ -16107,7 +16022,7 @@
               </a:pPr>
               <a:t>15</a:t>
             </a:fld>
-            <a:endParaRPr lang="en-US"/>
+            <a:endParaRPr lang="en-US" dirty="0"/>
           </a:p>
         </p:txBody>
       </p:sp>
@@ -16145,7 +16060,7 @@
               </a:spcAft>
             </a:pPr>
             <a:r>
-              <a:rPr lang="en-US"/>
+              <a:rPr lang="en-US" dirty="0"/>
               <a:t>Confidential Property of Schneider Electric |</a:t>
             </a:r>
           </a:p>
@@ -16252,51 +16167,7 @@
                   </a:schemeClr>
                 </a:solidFill>
               </a:rPr>
-              <a:t>A serverless architecture that takes </a:t>
-            </a:r>
-            <a:r>
-              <a:rPr lang="en-US" sz="1400" dirty="0" err="1">
-                <a:solidFill>
-                  <a:schemeClr val="tx1">
-                    <a:lumMod val="50000"/>
-                    <a:lumOff val="50000"/>
-                  </a:schemeClr>
-                </a:solidFill>
-              </a:rPr>
-              <a:t>userid</a:t>
-            </a:r>
-            <a:r>
-              <a:rPr lang="en-US" sz="1400" dirty="0">
-                <a:solidFill>
-                  <a:schemeClr val="tx1">
-                    <a:lumMod val="50000"/>
-                    <a:lumOff val="50000"/>
-                  </a:schemeClr>
-                </a:solidFill>
-              </a:rPr>
-              <a:t> as input and returns </a:t>
-            </a:r>
-            <a:r>
-              <a:rPr lang="en-US" sz="1400">
-                <a:solidFill>
-                  <a:schemeClr val="tx1">
-                    <a:lumMod val="50000"/>
-                    <a:lumOff val="50000"/>
-                  </a:schemeClr>
-                </a:solidFill>
-              </a:rPr>
-              <a:t>top N </a:t>
-            </a:r>
-            <a:r>
-              <a:rPr lang="en-US" sz="1400" dirty="0">
-                <a:solidFill>
-                  <a:schemeClr val="tx1">
-                    <a:lumMod val="50000"/>
-                    <a:lumOff val="50000"/>
-                  </a:schemeClr>
-                </a:solidFill>
-              </a:rPr>
-              <a:t>items as recommendations</a:t>
+              <a:t>A serverless architecture that takes userid as input and returns top N items as recommendations</a:t>
             </a:r>
           </a:p>
         </p:txBody>
@@ -16353,7 +16224,7 @@
           <a:lstStyle/>
           <a:p>
             <a:r>
-              <a:rPr lang="en-US"/>
+              <a:rPr lang="en-US" dirty="0"/>
               <a:t>Page </a:t>
             </a:r>
             <a:fld id="{5A9C12DC-491F-9444-86A2-13AC5C62A2FC}" type="slidenum">
@@ -16387,10 +16258,9 @@
           <a:lstStyle/>
           <a:p>
             <a:r>
-              <a:rPr lang="en-US"/>
+              <a:rPr lang="en-US" dirty="0"/>
               <a:t>Confidential Property of Schneider Electric |</a:t>
             </a:r>
-            <a:endParaRPr lang="en-US" dirty="0"/>
           </a:p>
         </p:txBody>
       </p:sp>
@@ -16696,20 +16566,20 @@
                 <a:effectLst/>
                 <a:latin typeface="Monaco"/>
               </a:rPr>
-              <a:t>{</a:t>
-            </a:r>
-            <a:r>
-              <a:rPr kumimoji="0" lang="en-US" altLang="en-US" sz="1200" b="0" i="1" u="none" strike="noStrike" cap="none" normalizeH="0" baseline="0" dirty="0" err="1">
+              <a:t>{restapi_id}</a:t>
+            </a:r>
+            <a:r>
+              <a:rPr kumimoji="0" lang="en-US" altLang="en-US" sz="1200" b="0" i="0" u="none" strike="noStrike" cap="none" normalizeH="0" baseline="0" dirty="0">
                 <a:ln>
                   <a:noFill/>
                 </a:ln>
                 <a:solidFill>
-                  <a:srgbClr val="F5001D"/>
+                  <a:srgbClr val="16191F"/>
                 </a:solidFill>
                 <a:effectLst/>
-                <a:latin typeface="Monaco"/>
+                <a:latin typeface="Amazon Ember"/>
               </a:rPr>
-              <a:t>restapi_id</a:t>
+              <a:t> is the API identifier, </a:t>
             </a:r>
             <a:r>
               <a:rPr kumimoji="0" lang="en-US" altLang="en-US" sz="1200" b="0" i="1" u="none" strike="noStrike" cap="none" normalizeH="0" baseline="0" dirty="0">
@@ -16722,7 +16592,7 @@
                 <a:effectLst/>
                 <a:latin typeface="Monaco"/>
               </a:rPr>
-              <a:t>}</a:t>
+              <a:t>{region}</a:t>
             </a:r>
             <a:r>
               <a:rPr kumimoji="0" lang="en-US" altLang="en-US" sz="1200" b="0" i="0" u="none" strike="noStrike" cap="none" normalizeH="0" baseline="0" dirty="0">
@@ -16735,7 +16605,7 @@
                 <a:effectLst/>
                 <a:latin typeface="Amazon Ember"/>
               </a:rPr>
-              <a:t> is the API identifier, </a:t>
+              <a:t> is the Region, and </a:t>
             </a:r>
             <a:r>
               <a:rPr kumimoji="0" lang="en-US" altLang="en-US" sz="1200" b="0" i="1" u="none" strike="noStrike" cap="none" normalizeH="0" baseline="0" dirty="0">
@@ -16748,7 +16618,7 @@
                 <a:effectLst/>
                 <a:latin typeface="Monaco"/>
               </a:rPr>
-              <a:t>{region}</a:t>
+              <a:t>{stage_name}</a:t>
             </a:r>
             <a:r>
               <a:rPr kumimoji="0" lang="en-US" altLang="en-US" sz="1200" b="0" i="0" u="none" strike="noStrike" cap="none" normalizeH="0" baseline="0" dirty="0">
@@ -16761,85 +16631,7 @@
                 <a:effectLst/>
                 <a:latin typeface="Amazon Ember"/>
               </a:rPr>
-              <a:t> is the Region, and </a:t>
-            </a:r>
-            <a:r>
-              <a:rPr kumimoji="0" lang="en-US" altLang="en-US" sz="1200" b="0" i="1" u="none" strike="noStrike" cap="none" normalizeH="0" baseline="0" dirty="0">
-                <a:ln>
-                  <a:noFill/>
-                </a:ln>
-                <a:solidFill>
-                  <a:srgbClr val="F5001D"/>
-                </a:solidFill>
-                <a:effectLst/>
-                <a:latin typeface="Monaco"/>
-              </a:rPr>
-              <a:t>{</a:t>
-            </a:r>
-            <a:r>
-              <a:rPr kumimoji="0" lang="en-US" altLang="en-US" sz="1200" b="0" i="1" u="none" strike="noStrike" cap="none" normalizeH="0" baseline="0" dirty="0" err="1">
-                <a:ln>
-                  <a:noFill/>
-                </a:ln>
-                <a:solidFill>
-                  <a:srgbClr val="F5001D"/>
-                </a:solidFill>
-                <a:effectLst/>
-                <a:latin typeface="Monaco"/>
-              </a:rPr>
-              <a:t>stage_name</a:t>
-            </a:r>
-            <a:r>
-              <a:rPr kumimoji="0" lang="en-US" altLang="en-US" sz="1200" b="0" i="1" u="none" strike="noStrike" cap="none" normalizeH="0" baseline="0" dirty="0">
-                <a:ln>
-                  <a:noFill/>
-                </a:ln>
-                <a:solidFill>
-                  <a:srgbClr val="F5001D"/>
-                </a:solidFill>
-                <a:effectLst/>
-                <a:latin typeface="Monaco"/>
-              </a:rPr>
-              <a:t>}</a:t>
-            </a:r>
-            <a:r>
-              <a:rPr kumimoji="0" lang="en-US" altLang="en-US" sz="1200" b="0" i="0" u="none" strike="noStrike" cap="none" normalizeH="0" baseline="0" dirty="0">
-                <a:ln>
-                  <a:noFill/>
-                </a:ln>
-                <a:solidFill>
-                  <a:srgbClr val="16191F"/>
-                </a:solidFill>
-                <a:effectLst/>
-                <a:latin typeface="Amazon Ember"/>
-              </a:rPr>
-              <a:t> is dev/</a:t>
-            </a:r>
-            <a:r>
-              <a:rPr kumimoji="0" lang="en-US" altLang="en-US" sz="1200" b="0" i="0" u="none" strike="noStrike" cap="none" normalizeH="0" baseline="0" dirty="0" err="1">
-                <a:ln>
-                  <a:noFill/>
-                </a:ln>
-                <a:solidFill>
-                  <a:srgbClr val="16191F"/>
-                </a:solidFill>
-                <a:effectLst/>
-                <a:latin typeface="Amazon Ember"/>
-              </a:rPr>
-              <a:t>qa</a:t>
-            </a:r>
-            <a:r>
-              <a:rPr kumimoji="0" lang="en-US" altLang="en-US" sz="1200" b="0" i="0" u="none" strike="noStrike" cap="none" normalizeH="0" baseline="0" dirty="0">
-                <a:ln>
-                  <a:noFill/>
-                </a:ln>
-                <a:solidFill>
-                  <a:srgbClr val="16191F"/>
-                </a:solidFill>
-                <a:effectLst/>
-                <a:latin typeface="Amazon Ember"/>
-              </a:rPr>
-              <a:t>/prod of the API deployment.</a:t>
+              <a:t> is dev/qa/prod of the API deployment.</a:t>
             </a:r>
             <a:r>
               <a:rPr kumimoji="0" lang="en-US" altLang="en-US" sz="600" b="0" i="0" u="none" strike="noStrike" cap="none" normalizeH="0" baseline="0" dirty="0">
@@ -17064,39 +16856,7 @@
                 <a:effectLst/>
                 <a:latin typeface="+mn-lt"/>
               </a:rPr>
-              <a:t>To call a deployed API, clients submit requests to the URL for the API Gateway component service for API execution, known as execute-</a:t>
-            </a:r>
-            <a:r>
-              <a:rPr kumimoji="0" lang="en-US" altLang="en-US" sz="1200" b="0" i="0" u="none" strike="noStrike" cap="none" normalizeH="0" baseline="0" dirty="0" err="1">
-                <a:ln>
-                  <a:noFill/>
-                </a:ln>
-                <a:solidFill>
-                  <a:schemeClr val="tx1">
-                    <a:lumMod val="50000"/>
-                    <a:lumOff val="50000"/>
-                  </a:schemeClr>
-                </a:solidFill>
-                <a:effectLst/>
-                <a:latin typeface="+mn-lt"/>
-              </a:rPr>
-              <a:t>api</a:t>
-            </a:r>
-            <a:r>
-              <a:rPr kumimoji="0" lang="en-US" altLang="en-US" sz="1200" b="0" i="0" u="none" strike="noStrike" cap="none" normalizeH="0" baseline="0" dirty="0">
-                <a:ln>
-                  <a:noFill/>
-                </a:ln>
-                <a:solidFill>
-                  <a:schemeClr val="tx1">
-                    <a:lumMod val="50000"/>
-                    <a:lumOff val="50000"/>
-                  </a:schemeClr>
-                </a:solidFill>
-                <a:effectLst/>
-                <a:latin typeface="+mn-lt"/>
-              </a:rPr>
-              <a:t>. </a:t>
+              <a:t>To call a deployed API, clients submit requests to the URL for the API Gateway component service for API execution, known as execute-api. </a:t>
             </a:r>
           </a:p>
         </p:txBody>
@@ -17279,7 +17039,7 @@
           <a:lstStyle/>
           <a:p>
             <a:r>
-              <a:rPr lang="en-US"/>
+              <a:rPr lang="en-US" dirty="0"/>
               <a:t>Page </a:t>
             </a:r>
             <a:fld id="{5A9C12DC-491F-9444-86A2-13AC5C62A2FC}" type="slidenum">
@@ -17307,10 +17067,9 @@
           <a:lstStyle/>
           <a:p>
             <a:r>
-              <a:rPr lang="en-US"/>
+              <a:rPr lang="en-US" dirty="0"/>
               <a:t>Confidential Property of Schneider Electric |</a:t>
             </a:r>
-            <a:endParaRPr lang="en-US" dirty="0"/>
           </a:p>
         </p:txBody>
       </p:sp>
@@ -17565,7 +17324,7 @@
               </a:spcAft>
             </a:pPr>
             <a:r>
-              <a:rPr lang="en-US"/>
+              <a:rPr lang="en-US" dirty="0"/>
               <a:t>Page </a:t>
             </a:r>
             <a:fld id="{5A9C12DC-491F-9444-86A2-13AC5C62A2FC}" type="slidenum">
@@ -17577,7 +17336,7 @@
               </a:pPr>
               <a:t>3</a:t>
             </a:fld>
-            <a:endParaRPr lang="en-US"/>
+            <a:endParaRPr lang="en-US" dirty="0"/>
           </a:p>
         </p:txBody>
       </p:sp>
@@ -17615,7 +17374,7 @@
               </a:spcAft>
             </a:pPr>
             <a:r>
-              <a:rPr lang="en-US"/>
+              <a:rPr lang="en-US" dirty="0"/>
               <a:t>Confidential Property of Schneider Electric |</a:t>
             </a:r>
           </a:p>
@@ -17725,8 +17484,8 @@
         </p:blipFill>
         <p:spPr bwMode="auto">
           <a:xfrm>
-            <a:off x="4905828" y="1480802"/>
-            <a:ext cx="3985761" cy="1908284"/>
+            <a:off x="4913764" y="1480802"/>
+            <a:ext cx="3985761" cy="1850227"/>
           </a:xfrm>
           <a:prstGeom prst="rect">
             <a:avLst/>
@@ -17795,7 +17554,7 @@
                   </a:schemeClr>
                 </a:solidFill>
               </a:rPr>
-              <a:t>algorithm.</a:t>
+              <a:t>approach.</a:t>
             </a:r>
           </a:p>
           <a:p>
@@ -17969,7 +17728,7 @@
           <a:lstStyle/>
           <a:p>
             <a:r>
-              <a:rPr lang="en-US"/>
+              <a:rPr lang="en-US" dirty="0"/>
               <a:t>Page </a:t>
             </a:r>
             <a:fld id="{5A9C12DC-491F-9444-86A2-13AC5C62A2FC}" type="slidenum">
@@ -18003,10 +17762,9 @@
           <a:lstStyle/>
           <a:p>
             <a:r>
-              <a:rPr lang="en-US"/>
+              <a:rPr lang="en-US" dirty="0"/>
               <a:t>Confidential Property of Schneider Electric |</a:t>
             </a:r>
-            <a:endParaRPr lang="en-US" dirty="0"/>
           </a:p>
         </p:txBody>
       </p:sp>
@@ -18191,7 +17949,7 @@
                   </a:schemeClr>
                 </a:solidFill>
               </a:rPr>
-              <a:t>, recommendations are calculated based on the description of products</a:t>
+              <a:t>, recommendations are calculated based on the description of products.</a:t>
             </a:r>
           </a:p>
           <a:p>
@@ -18320,7 +18078,7 @@
           <a:lstStyle/>
           <a:p>
             <a:r>
-              <a:rPr lang="en-US"/>
+              <a:rPr lang="en-US" dirty="0"/>
               <a:t>Page </a:t>
             </a:r>
             <a:fld id="{5A9C12DC-491F-9444-86A2-13AC5C62A2FC}" type="slidenum">
@@ -18354,10 +18112,9 @@
           <a:lstStyle/>
           <a:p>
             <a:r>
-              <a:rPr lang="en-US"/>
+              <a:rPr lang="en-US" dirty="0"/>
               <a:t>Confidential Property of Schneider Electric |</a:t>
             </a:r>
-            <a:endParaRPr lang="en-US" dirty="0"/>
           </a:p>
         </p:txBody>
       </p:sp>
@@ -18423,7 +18180,7 @@
                   </a:schemeClr>
                 </a:solidFill>
               </a:rPr>
-              <a:t>is a machine learning service which enables you to personalize your website, app, ads, emails, and more, with custom machine learning models with no prior machine learning experience. </a:t>
+              <a:t>is a ML service which enables you to personalize your website, app, ads, emails, and more, with custom machine learning models. </a:t>
             </a:r>
           </a:p>
           <a:p>
@@ -18451,7 +18208,7 @@
                   </a:schemeClr>
                 </a:solidFill>
               </a:rPr>
-              <a:t>AWS is pleased to announce that Amazon Personalize now supports ten times more item attributes for modeling in Personalize. </a:t>
+              <a:t>AWS announced that Amazon Personalize now supports ten times more item attributes for modeling in Personalize. </a:t>
             </a:r>
           </a:p>
           <a:p>
@@ -18595,12 +18352,72 @@
           <a:chExt cx="0" cy="0"/>
         </a:xfrm>
       </p:grpSpPr>
+      <p:sp>
+        <p:nvSpPr>
+          <p:cNvPr id="71" name="Text Placeholder 1">
+            <a:extLst>
+              <a:ext uri="{FF2B5EF4-FFF2-40B4-BE49-F238E27FC236}">
+                <a16:creationId xmlns:a16="http://schemas.microsoft.com/office/drawing/2014/main" id="{959BA59E-02C1-42B3-A348-816EA0696DA0}"/>
+              </a:ext>
+            </a:extLst>
+          </p:cNvPr>
+          <p:cNvSpPr>
+            <a:spLocks noGrp="1"/>
+          </p:cNvSpPr>
+          <p:nvPr>
+            <p:ph type="body" sz="quarter" idx="13"/>
+          </p:nvPr>
+        </p:nvSpPr>
+        <p:spPr>
+          <a:xfrm>
+            <a:off x="6192839" y="4066302"/>
+            <a:ext cx="2698750" cy="123111"/>
+          </a:xfrm>
+        </p:spPr>
+        <p:txBody>
+          <a:bodyPr/>
+          <a:lstStyle/>
+          <a:p>
+            <a:endParaRPr lang="en-US" dirty="0"/>
+          </a:p>
+        </p:txBody>
+      </p:sp>
+      <p:sp>
+        <p:nvSpPr>
+          <p:cNvPr id="73" name="Text Placeholder 2">
+            <a:extLst>
+              <a:ext uri="{FF2B5EF4-FFF2-40B4-BE49-F238E27FC236}">
+                <a16:creationId xmlns:a16="http://schemas.microsoft.com/office/drawing/2014/main" id="{05A8485B-1F97-4520-94A9-BA31DDFE52ED}"/>
+              </a:ext>
+            </a:extLst>
+          </p:cNvPr>
+          <p:cNvSpPr>
+            <a:spLocks noGrp="1"/>
+          </p:cNvSpPr>
+          <p:nvPr>
+            <p:ph type="body" sz="quarter" idx="16"/>
+          </p:nvPr>
+        </p:nvSpPr>
+        <p:spPr>
+          <a:xfrm>
+            <a:off x="258055" y="4066302"/>
+            <a:ext cx="5574419" cy="123111"/>
+          </a:xfrm>
+        </p:spPr>
+        <p:txBody>
+          <a:bodyPr/>
+          <a:lstStyle/>
+          <a:p>
+            <a:endParaRPr lang="en-US" dirty="0"/>
+          </a:p>
+        </p:txBody>
+      </p:sp>
       <p:pic>
         <p:nvPicPr>
-          <p:cNvPr id="8" name="Picture 4" descr="Amazon Personalize: from datasets to a recommendation API">
+          <p:cNvPr id="1026" name="Picture 2" descr="Amazon Personalize: from datasets to a recommendation API">
             <a:extLst>
               <a:ext uri="{FF2B5EF4-FFF2-40B4-BE49-F238E27FC236}">
-                <a16:creationId xmlns:a16="http://schemas.microsoft.com/office/drawing/2014/main" id="{8D0EEFA5-2230-4FD5-AD1B-529394BA3B63}"/>
+                <a16:creationId xmlns:a16="http://schemas.microsoft.com/office/drawing/2014/main" id="{1BD5F6C4-4C5C-4244-918A-F125342B58E3}"/>
               </a:ext>
             </a:extLst>
           </p:cNvPr>
@@ -18623,8 +18440,8 @@
         </p:blipFill>
         <p:spPr bwMode="auto">
           <a:xfrm>
-            <a:off x="4477657" y="1862398"/>
-            <a:ext cx="4418798" cy="1497659"/>
+            <a:off x="258054" y="1404418"/>
+            <a:ext cx="5574419" cy="1895302"/>
           </a:xfrm>
           <a:prstGeom prst="rect">
             <a:avLst/>
@@ -18647,38 +18464,26 @@
             <a:spLocks noGrp="1"/>
           </p:cNvSpPr>
           <p:nvPr>
-            <p:ph sz="quarter" idx="22"/>
-          </p:nvPr>
-        </p:nvSpPr>
-        <p:spPr>
-          <a:xfrm>
-            <a:off x="247547" y="1209296"/>
-            <a:ext cx="4172656" cy="2711063"/>
-          </a:xfrm>
-        </p:spPr>
-        <p:txBody>
-          <a:bodyPr/>
+            <p:ph sz="quarter" idx="19"/>
+          </p:nvPr>
+        </p:nvSpPr>
+        <p:spPr>
+          <a:xfrm>
+            <a:off x="6192838" y="1201738"/>
+            <a:ext cx="2698750" cy="2287696"/>
+          </a:xfrm>
+        </p:spPr>
+        <p:txBody>
+          <a:bodyPr>
+            <a:normAutofit/>
+          </a:bodyPr>
           <a:lstStyle/>
           <a:p>
-            <a:endParaRPr lang="en-US" dirty="0">
-              <a:solidFill>
-                <a:schemeClr val="tx1">
-                  <a:lumMod val="50000"/>
-                  <a:lumOff val="50000"/>
-                </a:schemeClr>
-              </a:solidFill>
-            </a:endParaRPr>
-          </a:p>
-          <a:p>
-            <a:r>
-              <a:rPr lang="en-US" dirty="0">
-                <a:solidFill>
-                  <a:schemeClr val="tx1">
-                    <a:lumMod val="50000"/>
-                    <a:lumOff val="50000"/>
-                  </a:schemeClr>
-                </a:solidFill>
-              </a:rPr>
+            <a:endParaRPr lang="en-US" sz="1100" dirty="0"/>
+          </a:p>
+          <a:p>
+            <a:r>
+              <a:rPr lang="en-US" sz="1100" dirty="0"/>
               <a:t>Amazon Personalize differentiates three types of input data:</a:t>
             </a:r>
           </a:p>
@@ -18688,18 +18493,19 @@
               <a:buChar char="q"/>
             </a:pPr>
             <a:r>
-              <a:rPr lang="en-US" dirty="0">
-                <a:solidFill>
-                  <a:schemeClr val="tx1">
-                    <a:lumMod val="50000"/>
-                    <a:lumOff val="50000"/>
-                  </a:schemeClr>
+              <a:rPr lang="en-US" sz="1100" dirty="0"/>
+              <a:t>user events called</a:t>
+            </a:r>
+            <a:r>
+              <a:rPr lang="en-US" sz="1100" dirty="0">
+                <a:solidFill>
+                  <a:srgbClr val="C00000"/>
                 </a:solidFill>
               </a:rPr>
-              <a:t>user events called </a:t>
-            </a:r>
-            <a:r>
-              <a:rPr lang="en-US" dirty="0">
+              <a:t> </a:t>
+            </a:r>
+            <a:r>
+              <a:rPr lang="en-US" sz="1100" dirty="0">
                 <a:solidFill>
                   <a:srgbClr val="C00000"/>
                 </a:solidFill>
@@ -18714,15 +18520,16 @@
               <a:t>interactions</a:t>
             </a:r>
             <a:r>
-              <a:rPr lang="en-US" dirty="0">
-                <a:solidFill>
-                  <a:schemeClr val="tx1">
-                    <a:lumMod val="50000"/>
-                    <a:lumOff val="50000"/>
-                  </a:schemeClr>
+              <a:rPr lang="en-US" sz="1100" dirty="0">
+                <a:solidFill>
+                  <a:srgbClr val="C00000"/>
                 </a:solidFill>
               </a:rPr>
-              <a:t> (user events like views, signups or likes),</a:t>
+              <a:t> </a:t>
+            </a:r>
+            <a:r>
+              <a:rPr lang="en-US" sz="1100" dirty="0"/>
+              <a:t>(user events like views, signups or likes),</a:t>
             </a:r>
           </a:p>
           <a:p>
@@ -18731,7 +18538,7 @@
               <a:buChar char="q"/>
             </a:pPr>
             <a:r>
-              <a:rPr lang="en-US" dirty="0">
+              <a:rPr lang="en-US" sz="1100" dirty="0">
                 <a:solidFill>
                   <a:srgbClr val="C00000"/>
                 </a:solidFill>
@@ -18746,7 +18553,7 @@
               <a:t>item metadata</a:t>
             </a:r>
             <a:r>
-              <a:rPr lang="en-US" dirty="0">
+              <a:rPr lang="en-US" sz="1100" dirty="0">
                 <a:solidFill>
                   <a:srgbClr val="C00000"/>
                 </a:solidFill>
@@ -18754,14 +18561,7 @@
               <a:t> </a:t>
             </a:r>
             <a:r>
-              <a:rPr lang="en-US" dirty="0">
-                <a:solidFill>
-                  <a:schemeClr val="tx1">
-                    <a:lumMod val="50000"/>
-                    <a:lumOff val="50000"/>
-                  </a:schemeClr>
-                </a:solidFill>
-              </a:rPr>
+              <a:rPr lang="en-US" sz="1100" dirty="0"/>
               <a:t>(description of your items: category, genre or availability), and</a:t>
             </a:r>
           </a:p>
@@ -18771,7 +18571,7 @@
               <a:buChar char="q"/>
             </a:pPr>
             <a:r>
-              <a:rPr lang="en-US" dirty="0">
+              <a:rPr lang="en-US" sz="1100" dirty="0">
                 <a:solidFill>
                   <a:srgbClr val="C00000"/>
                 </a:solidFill>
@@ -18786,7 +18586,7 @@
               <a:t>user metadata</a:t>
             </a:r>
             <a:r>
-              <a:rPr lang="en-US" dirty="0">
+              <a:rPr lang="en-US" sz="1100" dirty="0">
                 <a:solidFill>
                   <a:srgbClr val="C00000"/>
                 </a:solidFill>
@@ -18794,26 +18594,12 @@
               <a:t> </a:t>
             </a:r>
             <a:r>
-              <a:rPr lang="en-US" dirty="0">
-                <a:solidFill>
-                  <a:schemeClr val="tx1">
-                    <a:lumMod val="50000"/>
-                    <a:lumOff val="50000"/>
-                  </a:schemeClr>
-                </a:solidFill>
-              </a:rPr>
+              <a:rPr lang="en-US" sz="1100" dirty="0"/>
               <a:t>(age, gender, or loyalty membership).</a:t>
             </a:r>
           </a:p>
           <a:p>
-            <a:endParaRPr lang="en-US" dirty="0">
-              <a:solidFill>
-                <a:schemeClr val="tx1">
-                  <a:lumMod val="50000"/>
-                  <a:lumOff val="50000"/>
-                </a:schemeClr>
-              </a:solidFill>
-            </a:endParaRPr>
+            <a:endParaRPr lang="en-US" sz="1100" dirty="0"/>
           </a:p>
         </p:txBody>
       </p:sp>
@@ -18851,7 +18637,7 @@
               </a:spcAft>
             </a:pPr>
             <a:r>
-              <a:rPr lang="en-US"/>
+              <a:rPr lang="en-US" dirty="0"/>
               <a:t>Page </a:t>
             </a:r>
             <a:fld id="{5A9C12DC-491F-9444-86A2-13AC5C62A2FC}" type="slidenum">
@@ -18863,7 +18649,7 @@
               </a:pPr>
               <a:t>6</a:t>
             </a:fld>
-            <a:endParaRPr lang="en-US"/>
+            <a:endParaRPr lang="en-US" dirty="0"/>
           </a:p>
         </p:txBody>
       </p:sp>
@@ -18901,7 +18687,7 @@
               </a:spcAft>
             </a:pPr>
             <a:r>
-              <a:rPr lang="en-US"/>
+              <a:rPr lang="en-US" dirty="0"/>
               <a:t>Confidential Property of Schneider Electric |</a:t>
             </a:r>
           </a:p>
@@ -18930,7 +18716,9 @@
           </a:xfrm>
         </p:spPr>
         <p:txBody>
-          <a:bodyPr/>
+          <a:bodyPr>
+            <a:normAutofit/>
+          </a:bodyPr>
           <a:lstStyle/>
           <a:p>
             <a:r>
@@ -18963,29 +18751,17 @@
           </a:xfrm>
         </p:spPr>
         <p:txBody>
-          <a:bodyPr/>
+          <a:bodyPr>
+            <a:normAutofit/>
+          </a:bodyPr>
           <a:lstStyle/>
           <a:p>
             <a:r>
-              <a:rPr lang="en-US" b="1" dirty="0">
-                <a:solidFill>
-                  <a:schemeClr val="tx1">
-                    <a:lumMod val="50000"/>
-                    <a:lumOff val="50000"/>
-                  </a:schemeClr>
-                </a:solidFill>
-              </a:rPr>
+              <a:rPr lang="en-US" b="1" dirty="0"/>
               <a:t>Amazon Personalize: </a:t>
             </a:r>
             <a:r>
-              <a:rPr lang="en-US" dirty="0">
-                <a:solidFill>
-                  <a:schemeClr val="tx1">
-                    <a:lumMod val="50000"/>
-                    <a:lumOff val="50000"/>
-                  </a:schemeClr>
-                </a:solidFill>
-              </a:rPr>
+              <a:rPr lang="en-US" dirty="0"/>
               <a:t>From datasets to a recommendation API</a:t>
             </a:r>
           </a:p>
@@ -19055,7 +18831,7 @@
               </a:spcAft>
             </a:pPr>
             <a:r>
-              <a:rPr lang="en-US"/>
+              <a:rPr lang="en-US" dirty="0"/>
               <a:t>Page </a:t>
             </a:r>
             <a:fld id="{5A9C12DC-491F-9444-86A2-13AC5C62A2FC}" type="slidenum">
@@ -19067,7 +18843,7 @@
               </a:pPr>
               <a:t>7</a:t>
             </a:fld>
-            <a:endParaRPr lang="en-US"/>
+            <a:endParaRPr lang="en-US" dirty="0"/>
           </a:p>
         </p:txBody>
       </p:sp>
@@ -19105,7 +18881,7 @@
               </a:spcAft>
             </a:pPr>
             <a:r>
-              <a:rPr lang="en-US"/>
+              <a:rPr lang="en-US" dirty="0"/>
               <a:t>Confidential Property of Schneider Electric |</a:t>
             </a:r>
           </a:p>
@@ -19340,7 +19116,7 @@
               </a:spcAft>
             </a:pPr>
             <a:r>
-              <a:rPr lang="en-US"/>
+              <a:rPr lang="en-US" dirty="0"/>
               <a:t>Page </a:t>
             </a:r>
             <a:fld id="{5A9C12DC-491F-9444-86A2-13AC5C62A2FC}" type="slidenum">
@@ -19352,7 +19128,7 @@
               </a:pPr>
               <a:t>8</a:t>
             </a:fld>
-            <a:endParaRPr lang="en-US"/>
+            <a:endParaRPr lang="en-US" dirty="0"/>
           </a:p>
         </p:txBody>
       </p:sp>
@@ -19390,7 +19166,7 @@
               </a:spcAft>
             </a:pPr>
             <a:r>
-              <a:rPr lang="en-US"/>
+              <a:rPr lang="en-US" dirty="0"/>
               <a:t>Confidential Property of Schneider Electric |</a:t>
             </a:r>
           </a:p>
@@ -19449,7 +19225,7 @@
         </p:nvSpPr>
         <p:spPr>
           <a:xfrm>
-            <a:off x="252413" y="683366"/>
+            <a:off x="252413" y="725010"/>
             <a:ext cx="8647112" cy="253916"/>
           </a:xfrm>
         </p:spPr>
@@ -19458,7 +19234,7 @@
           <a:lstStyle/>
           <a:p>
             <a:r>
-              <a:rPr lang="en-US" sz="1400">
+              <a:rPr lang="en-US" sz="1400" dirty="0">
                 <a:solidFill>
                   <a:schemeClr val="tx1">
                     <a:lumMod val="50000"/>
@@ -19479,12 +19255,143 @@
           </a:p>
         </p:txBody>
       </p:sp>
+      <p:sp>
+        <p:nvSpPr>
+          <p:cNvPr id="21" name="TextBox 20">
+            <a:extLst>
+              <a:ext uri="{FF2B5EF4-FFF2-40B4-BE49-F238E27FC236}">
+                <a16:creationId xmlns:a16="http://schemas.microsoft.com/office/drawing/2014/main" id="{D809A6A2-CB46-4A89-BBE3-BA19860B5558}"/>
+              </a:ext>
+            </a:extLst>
+          </p:cNvPr>
+          <p:cNvSpPr txBox="1"/>
+          <p:nvPr/>
+        </p:nvSpPr>
+        <p:spPr>
+          <a:xfrm>
+            <a:off x="6105752" y="3468346"/>
+            <a:ext cx="999724" cy="246221"/>
+          </a:xfrm>
+          <a:prstGeom prst="rect">
+            <a:avLst/>
+          </a:prstGeom>
+          <a:noFill/>
+        </p:spPr>
+        <p:txBody>
+          <a:bodyPr wrap="square" rtlCol="0">
+            <a:spAutoFit/>
+          </a:bodyPr>
+          <a:lstStyle/>
+          <a:p>
+            <a:r>
+              <a:rPr lang="en-US" sz="1000" dirty="0">
+                <a:solidFill>
+                  <a:schemeClr val="tx1">
+                    <a:lumMod val="50000"/>
+                    <a:lumOff val="50000"/>
+                  </a:schemeClr>
+                </a:solidFill>
+              </a:rPr>
+              <a:t>Intel DS</a:t>
+            </a:r>
+          </a:p>
+        </p:txBody>
+      </p:sp>
+      <p:sp>
+        <p:nvSpPr>
+          <p:cNvPr id="39" name="TextBox 38">
+            <a:extLst>
+              <a:ext uri="{FF2B5EF4-FFF2-40B4-BE49-F238E27FC236}">
+                <a16:creationId xmlns:a16="http://schemas.microsoft.com/office/drawing/2014/main" id="{20C7237D-9109-4C71-9BE6-AD18C3DB3E42}"/>
+              </a:ext>
+            </a:extLst>
+          </p:cNvPr>
+          <p:cNvSpPr txBox="1"/>
+          <p:nvPr/>
+        </p:nvSpPr>
+        <p:spPr>
+          <a:xfrm>
+            <a:off x="8358875" y="3475042"/>
+            <a:ext cx="999724" cy="246221"/>
+          </a:xfrm>
+          <a:prstGeom prst="rect">
+            <a:avLst/>
+          </a:prstGeom>
+          <a:noFill/>
+        </p:spPr>
+        <p:txBody>
+          <a:bodyPr wrap="square" rtlCol="0">
+            <a:spAutoFit/>
+          </a:bodyPr>
+          <a:lstStyle/>
+          <a:p>
+            <a:r>
+              <a:rPr lang="en-US" sz="1000" dirty="0">
+                <a:solidFill>
+                  <a:schemeClr val="tx1">
+                    <a:lumMod val="50000"/>
+                    <a:lumOff val="50000"/>
+                  </a:schemeClr>
+                </a:solidFill>
+              </a:rPr>
+              <a:t>     S3</a:t>
+            </a:r>
+          </a:p>
+        </p:txBody>
+      </p:sp>
+      <p:pic>
+        <p:nvPicPr>
+          <p:cNvPr id="23" name="Picture 6" descr="The basic concepts of populating your Data Catalog and processing ETL dataflow in AWS Glue">
+            <a:extLst>
+              <a:ext uri="{FF2B5EF4-FFF2-40B4-BE49-F238E27FC236}">
+                <a16:creationId xmlns:a16="http://schemas.microsoft.com/office/drawing/2014/main" id="{9ACBB625-A6A9-4AF6-8C4A-CAD63B79C64A}"/>
+              </a:ext>
+            </a:extLst>
+          </p:cNvPr>
+          <p:cNvPicPr>
+            <a:picLocks noChangeAspect="1" noChangeArrowheads="1"/>
+          </p:cNvPicPr>
+          <p:nvPr/>
+        </p:nvPicPr>
+        <p:blipFill>
+          <a:blip r:embed="rId2" cstate="email">
+            <a:extLst>
+              <a:ext uri="{28A0092B-C50C-407E-A947-70E740481C1C}">
+                <a14:useLocalDpi xmlns:a14="http://schemas.microsoft.com/office/drawing/2010/main" val="0"/>
+              </a:ext>
+            </a:extLst>
+          </a:blip>
+          <a:srcRect/>
+          <a:stretch>
+            <a:fillRect/>
+          </a:stretch>
+        </p:blipFill>
+        <p:spPr bwMode="auto">
+          <a:xfrm>
+            <a:off x="6105752" y="1462581"/>
+            <a:ext cx="2856819" cy="2014693"/>
+          </a:xfrm>
+          <a:prstGeom prst="rect">
+            <a:avLst/>
+          </a:prstGeom>
+          <a:noFill/>
+          <a:extLst>
+            <a:ext uri="{909E8E84-426E-40DD-AFC4-6F175D3DCCD1}">
+              <a14:hiddenFill xmlns:a14="http://schemas.microsoft.com/office/drawing/2010/main">
+                <a:solidFill>
+                  <a:srgbClr val="FFFFFF"/>
+                </a:solidFill>
+              </a14:hiddenFill>
+            </a:ext>
+          </a:extLst>
+        </p:spPr>
+      </p:pic>
       <p:graphicFrame>
         <p:nvGraphicFramePr>
-          <p:cNvPr id="20" name="Content Placeholder 19">
+          <p:cNvPr id="7" name="Content Placeholder 6">
             <a:extLst>
               <a:ext uri="{FF2B5EF4-FFF2-40B4-BE49-F238E27FC236}">
-                <a16:creationId xmlns:a16="http://schemas.microsoft.com/office/drawing/2014/main" id="{EA0472C1-11F1-45B5-879A-3A0DA8C83B42}"/>
+                <a16:creationId xmlns:a16="http://schemas.microsoft.com/office/drawing/2014/main" id="{26257171-A2F6-4681-85E2-9A126397E818}"/>
               </a:ext>
             </a:extLst>
           </p:cNvPr>
@@ -19495,51 +19402,51 @@
             <p:ph sz="quarter" idx="18"/>
             <p:extLst>
               <p:ext uri="{D42A27DB-BD31-4B8C-83A1-F6EECF244321}">
-                <p14:modId xmlns:p14="http://schemas.microsoft.com/office/powerpoint/2010/main" val="3960185787"/>
+                <p14:modId xmlns:p14="http://schemas.microsoft.com/office/powerpoint/2010/main" val="58714511"/>
               </p:ext>
             </p:extLst>
           </p:nvPr>
         </p:nvGraphicFramePr>
         <p:xfrm>
-          <a:off x="258054" y="1235794"/>
-          <a:ext cx="5574421" cy="2938140"/>
+          <a:off x="405298" y="1201740"/>
+          <a:ext cx="5304426" cy="3296835"/>
         </p:xfrm>
         <a:graphic>
           <a:graphicData uri="http://schemas.openxmlformats.org/drawingml/2006/table">
             <a:tbl>
               <a:tblPr firstRow="1" bandRow="1"/>
               <a:tblGrid>
-                <a:gridCol w="721660">
+                <a:gridCol w="1768142">
                   <a:extLst>
                     <a:ext uri="{9D8B030D-6E8A-4147-A177-3AD203B41FA5}">
-                      <a16:colId xmlns:a16="http://schemas.microsoft.com/office/drawing/2014/main" val="2556750569"/>
+                      <a16:colId xmlns:a16="http://schemas.microsoft.com/office/drawing/2014/main" val="1800339229"/>
                     </a:ext>
                   </a:extLst>
                 </a:gridCol>
-                <a:gridCol w="2178360">
+                <a:gridCol w="1768142">
                   <a:extLst>
                     <a:ext uri="{9D8B030D-6E8A-4147-A177-3AD203B41FA5}">
-                      <a16:colId xmlns:a16="http://schemas.microsoft.com/office/drawing/2014/main" val="3729914841"/>
+                      <a16:colId xmlns:a16="http://schemas.microsoft.com/office/drawing/2014/main" val="2822126237"/>
                     </a:ext>
                   </a:extLst>
                 </a:gridCol>
-                <a:gridCol w="2674401">
+                <a:gridCol w="1768142">
                   <a:extLst>
                     <a:ext uri="{9D8B030D-6E8A-4147-A177-3AD203B41FA5}">
-                      <a16:colId xmlns:a16="http://schemas.microsoft.com/office/drawing/2014/main" val="743324914"/>
+                      <a16:colId xmlns:a16="http://schemas.microsoft.com/office/drawing/2014/main" val="1641897061"/>
                     </a:ext>
                   </a:extLst>
                 </a:gridCol>
               </a:tblGrid>
-              <a:tr h="159468">
+              <a:tr h="128248">
                 <a:tc>
                   <a:txBody>
                     <a:bodyPr/>
                     <a:lstStyle/>
                     <a:p>
-                      <a:pPr algn="l" fontAlgn="b"/>
+                      <a:pPr algn="l" rtl="0" fontAlgn="b"/>
                       <a:r>
-                        <a:rPr lang="en-US" sz="900" b="0" i="0" u="none" strike="noStrike">
+                        <a:rPr lang="en-US" sz="900" b="0" i="0" u="none" strike="noStrike" dirty="0">
                           <a:solidFill>
                             <a:srgbClr val="000000"/>
                           </a:solidFill>
@@ -19550,7 +19457,7 @@
                       </a:r>
                     </a:p>
                   </a:txBody>
-                  <a:tcPr marL="2746" marR="2746" marT="2746" marB="0" anchor="b">
+                  <a:tcPr marL="1503" marR="1503" marT="1503" marB="0" anchor="b">
                     <a:lnL w="6350" cap="flat" cmpd="sng" algn="ctr">
                       <a:solidFill>
                         <a:srgbClr val="000000"/>
@@ -19597,7 +19504,7 @@
                     <a:bodyPr/>
                     <a:lstStyle/>
                     <a:p>
-                      <a:pPr algn="ctr" fontAlgn="b"/>
+                      <a:pPr algn="ctr" rtl="0" fontAlgn="b"/>
                       <a:r>
                         <a:rPr lang="en-US" sz="900" b="1" i="0" u="none" strike="noStrike" dirty="0">
                           <a:solidFill>
@@ -19606,11 +19513,11 @@
                           <a:effectLst/>
                           <a:latin typeface="Calibri" panose="020F0502020204030204" pitchFamily="34" charset="0"/>
                         </a:rPr>
-                        <a:t>Source</a:t>
+                        <a:t>SOURCE</a:t>
                       </a:r>
                     </a:p>
                   </a:txBody>
-                  <a:tcPr marL="2746" marR="2746" marT="2746" marB="0" anchor="b">
+                  <a:tcPr marL="1503" marR="1503" marT="1503" marB="0" anchor="b">
                     <a:lnL w="6350" cap="flat" cmpd="sng" algn="ctr">
                       <a:solidFill>
                         <a:srgbClr val="000000"/>
@@ -19657,7 +19564,7 @@
                     <a:bodyPr/>
                     <a:lstStyle/>
                     <a:p>
-                      <a:pPr algn="ctr" fontAlgn="b"/>
+                      <a:pPr algn="ctr" rtl="0" fontAlgn="b"/>
                       <a:r>
                         <a:rPr lang="en-US" sz="900" b="1" i="0" u="none" strike="noStrike" dirty="0">
                           <a:solidFill>
@@ -19666,11 +19573,11 @@
                           <a:effectLst/>
                           <a:latin typeface="Calibri" panose="020F0502020204030204" pitchFamily="34" charset="0"/>
                         </a:rPr>
-                        <a:t>Target</a:t>
+                        <a:t>TARGET</a:t>
                       </a:r>
                     </a:p>
                   </a:txBody>
-                  <a:tcPr marL="2746" marR="2746" marT="2746" marB="0" anchor="b">
+                  <a:tcPr marL="1503" marR="1503" marT="1503" marB="0" anchor="b">
                     <a:lnL w="6350" cap="flat" cmpd="sng" algn="ctr">
                       <a:solidFill>
                         <a:srgbClr val="000000"/>
@@ -19714,30 +19621,30 @@
                 </a:tc>
                 <a:extLst>
                   <a:ext uri="{0D108BD9-81ED-4DB2-BD59-A6C34878D82A}">
-                    <a16:rowId xmlns:a16="http://schemas.microsoft.com/office/drawing/2014/main" val="121559226"/>
+                    <a16:rowId xmlns:a16="http://schemas.microsoft.com/office/drawing/2014/main" val="607010427"/>
                   </a:ext>
                 </a:extLst>
               </a:tr>
-              <a:tr h="159468">
+              <a:tr h="128248">
                 <a:tc>
                   <a:txBody>
                     <a:bodyPr/>
                     <a:lstStyle/>
                     <a:p>
-                      <a:pPr algn="ctr" fontAlgn="b"/>
+                      <a:pPr algn="ctr" rtl="0" fontAlgn="b"/>
                       <a:r>
-                        <a:rPr lang="en-US" sz="900" b="1" i="0" u="none" strike="noStrike">
+                        <a:rPr lang="en-US" sz="900" b="1" i="0" u="none" strike="noStrike" dirty="0">
                           <a:solidFill>
                             <a:srgbClr val="000000"/>
                           </a:solidFill>
                           <a:effectLst/>
                           <a:latin typeface="Calibri" panose="020F0502020204030204" pitchFamily="34" charset="0"/>
                         </a:rPr>
-                        <a:t>Database</a:t>
+                        <a:t>DATABASE</a:t>
                       </a:r>
                     </a:p>
                   </a:txBody>
-                  <a:tcPr marL="2746" marR="2746" marT="2746" marB="0" anchor="b">
+                  <a:tcPr marL="1503" marR="1503" marT="1503" marB="0" anchor="b">
                     <a:lnL w="6350" cap="flat" cmpd="sng" algn="ctr">
                       <a:solidFill>
                         <a:srgbClr val="000000"/>
@@ -19784,31 +19691,20 @@
                     <a:bodyPr/>
                     <a:lstStyle/>
                     <a:p>
-                      <a:pPr algn="l" fontAlgn="b"/>
+                      <a:pPr algn="l" rtl="0" fontAlgn="b"/>
                       <a:r>
-                        <a:rPr lang="en-US" sz="900" b="0" i="0" u="none" strike="noStrike">
+                        <a:rPr lang="en-US" sz="800" b="0" i="0" u="none" strike="noStrike">
                           <a:solidFill>
-                            <a:schemeClr val="bg2">
-                              <a:lumMod val="75000"/>
-                            </a:schemeClr>
+                            <a:srgbClr val="299F3F"/>
                           </a:solidFill>
                           <a:effectLst/>
                           <a:latin typeface="Calibri" panose="020F0502020204030204" pitchFamily="34" charset="0"/>
                         </a:rPr>
-                        <a:t> </a:t>
+                        <a:t> ids_input_db</a:t>
                       </a:r>
-                      <a:endParaRPr lang="en-US" sz="900" b="0" i="0" u="none" strike="noStrike" dirty="0">
-                        <a:solidFill>
-                          <a:schemeClr val="bg2">
-                            <a:lumMod val="75000"/>
-                          </a:schemeClr>
-                        </a:solidFill>
-                        <a:effectLst/>
-                        <a:latin typeface="Calibri" panose="020F0502020204030204" pitchFamily="34" charset="0"/>
-                      </a:endParaRPr>
                     </a:p>
                   </a:txBody>
-                  <a:tcPr marL="2746" marR="2746" marT="2746" marB="0" anchor="b">
+                  <a:tcPr marL="1503" marR="1503" marT="1503" marB="0" anchor="b">
                     <a:lnL w="6350" cap="flat" cmpd="sng" algn="ctr">
                       <a:solidFill>
                         <a:srgbClr val="000000"/>
@@ -19852,22 +19748,20 @@
                     <a:bodyPr/>
                     <a:lstStyle/>
                     <a:p>
-                      <a:pPr algn="l" fontAlgn="b"/>
+                      <a:pPr algn="l" rtl="0" fontAlgn="b"/>
                       <a:r>
-                        <a:rPr lang="en-US" sz="900" b="0" i="0" u="none" strike="noStrike">
+                        <a:rPr lang="en-US" sz="800" b="0" i="0" u="none" strike="noStrike">
                           <a:solidFill>
-                            <a:schemeClr val="bg2">
-                              <a:lumMod val="75000"/>
-                            </a:schemeClr>
+                            <a:srgbClr val="299F3F"/>
                           </a:solidFill>
                           <a:effectLst/>
                           <a:latin typeface="Calibri" panose="020F0502020204030204" pitchFamily="34" charset="0"/>
                         </a:rPr>
-                        <a:t> </a:t>
+                        <a:t>s3_output_db </a:t>
                       </a:r>
                     </a:p>
                   </a:txBody>
-                  <a:tcPr marL="2746" marR="2746" marT="2746" marB="0" anchor="b">
+                  <a:tcPr marL="1503" marR="1503" marT="1503" marB="0" anchor="b">
                     <a:lnL w="6350" cap="flat" cmpd="sng" algn="ctr">
                       <a:solidFill>
                         <a:srgbClr val="000000"/>
@@ -19908,17 +19802,17 @@
                 </a:tc>
                 <a:extLst>
                   <a:ext uri="{0D108BD9-81ED-4DB2-BD59-A6C34878D82A}">
-                    <a16:rowId xmlns:a16="http://schemas.microsoft.com/office/drawing/2014/main" val="949068085"/>
+                    <a16:rowId xmlns:a16="http://schemas.microsoft.com/office/drawing/2014/main" val="3314768671"/>
                   </a:ext>
                 </a:extLst>
               </a:tr>
-              <a:tr h="159468">
+              <a:tr h="144727">
                 <a:tc>
                   <a:txBody>
                     <a:bodyPr/>
                     <a:lstStyle/>
                     <a:p>
-                      <a:pPr algn="ctr" fontAlgn="b"/>
+                      <a:pPr algn="ctr" rtl="0" fontAlgn="b"/>
                       <a:r>
                         <a:rPr lang="en-US" sz="900" b="1" i="0" u="none" strike="noStrike" dirty="0">
                           <a:solidFill>
@@ -19927,11 +19821,11 @@
                           <a:effectLst/>
                           <a:latin typeface="Calibri" panose="020F0502020204030204" pitchFamily="34" charset="0"/>
                         </a:rPr>
-                        <a:t>Connection</a:t>
+                        <a:t>CONNECTION</a:t>
                       </a:r>
                     </a:p>
                   </a:txBody>
-                  <a:tcPr marL="2746" marR="2746" marT="2746" marB="0" anchor="b">
+                  <a:tcPr marL="1503" marR="1503" marT="1503" marB="0" anchor="b">
                     <a:lnL w="6350" cap="flat" cmpd="sng" algn="ctr">
                       <a:solidFill>
                         <a:srgbClr val="000000"/>
@@ -19978,13 +19872,11 @@
                     <a:bodyPr/>
                     <a:lstStyle/>
                     <a:p>
-                      <a:pPr algn="l" fontAlgn="b"/>
+                      <a:pPr algn="l" rtl="0" fontAlgn="b"/>
                       <a:r>
-                        <a:rPr lang="en-US" sz="900" b="0" i="0" u="none" strike="noStrike" dirty="0">
+                        <a:rPr lang="en-US" sz="800" b="0" i="0" u="none" strike="noStrike">
                           <a:solidFill>
-                            <a:schemeClr val="bg2">
-                              <a:lumMod val="75000"/>
-                            </a:schemeClr>
+                            <a:srgbClr val="299F3F"/>
                           </a:solidFill>
                           <a:effectLst/>
                           <a:latin typeface="Calibri" panose="020F0502020204030204" pitchFamily="34" charset="0"/>
@@ -19993,7 +19885,7 @@
                       </a:r>
                     </a:p>
                   </a:txBody>
-                  <a:tcPr marL="2746" marR="2746" marT="2746" marB="0" anchor="b">
+                  <a:tcPr marL="1503" marR="1503" marT="1503" marB="0" anchor="b">
                     <a:lnL w="6350" cap="flat" cmpd="sng" algn="ctr">
                       <a:solidFill>
                         <a:srgbClr val="000000"/>
@@ -20037,13 +19929,11 @@
                     <a:bodyPr/>
                     <a:lstStyle/>
                     <a:p>
-                      <a:pPr algn="l" fontAlgn="b"/>
+                      <a:pPr algn="l" rtl="0" fontAlgn="b"/>
                       <a:r>
-                        <a:rPr lang="en-US" sz="900" b="0" i="0" u="none" strike="noStrike">
+                        <a:rPr lang="en-US" sz="800" b="0" i="0" u="none" strike="noStrike">
                           <a:solidFill>
-                            <a:schemeClr val="bg2">
-                              <a:lumMod val="75000"/>
-                            </a:schemeClr>
+                            <a:srgbClr val="299F3F"/>
                           </a:solidFill>
                           <a:effectLst/>
                           <a:latin typeface="Calibri" panose="020F0502020204030204" pitchFamily="34" charset="0"/>
@@ -20052,7 +19942,7 @@
                       </a:r>
                     </a:p>
                   </a:txBody>
-                  <a:tcPr marL="2746" marR="2746" marT="2746" marB="0" anchor="b">
+                  <a:tcPr marL="1503" marR="1503" marT="1503" marB="0" anchor="b">
                     <a:lnL w="6350" cap="flat" cmpd="sng" algn="ctr">
                       <a:solidFill>
                         <a:srgbClr val="000000"/>
@@ -20093,17 +19983,17 @@
                 </a:tc>
                 <a:extLst>
                   <a:ext uri="{0D108BD9-81ED-4DB2-BD59-A6C34878D82A}">
-                    <a16:rowId xmlns:a16="http://schemas.microsoft.com/office/drawing/2014/main" val="1129902506"/>
+                    <a16:rowId xmlns:a16="http://schemas.microsoft.com/office/drawing/2014/main" val="190652197"/>
                   </a:ext>
                 </a:extLst>
               </a:tr>
-              <a:tr h="159468">
+              <a:tr h="287474">
                 <a:tc>
                   <a:txBody>
                     <a:bodyPr/>
                     <a:lstStyle/>
                     <a:p>
-                      <a:pPr algn="ctr" fontAlgn="b"/>
+                      <a:pPr algn="ctr" rtl="0" fontAlgn="b"/>
                       <a:r>
                         <a:rPr lang="en-US" sz="900" b="1" i="0" u="none" strike="noStrike" dirty="0">
                           <a:solidFill>
@@ -20112,11 +20002,11 @@
                           <a:effectLst/>
                           <a:latin typeface="Calibri" panose="020F0502020204030204" pitchFamily="34" charset="0"/>
                         </a:rPr>
-                        <a:t>Tables</a:t>
+                        <a:t>TABLES</a:t>
                       </a:r>
                     </a:p>
                   </a:txBody>
-                  <a:tcPr marL="2746" marR="2746" marT="2746" marB="0" anchor="b">
+                  <a:tcPr marL="1503" marR="1503" marT="1503" marB="0" anchor="b">
                     <a:lnL w="6350" cap="flat" cmpd="sng" algn="ctr">
                       <a:solidFill>
                         <a:srgbClr val="000000"/>
@@ -20163,22 +20053,20 @@
                     <a:bodyPr/>
                     <a:lstStyle/>
                     <a:p>
-                      <a:pPr algn="l" fontAlgn="b"/>
+                      <a:pPr algn="l" rtl="0" fontAlgn="b"/>
                       <a:r>
-                        <a:rPr lang="en-US" sz="900" b="0" i="0" u="none" strike="noStrike" dirty="0">
+                        <a:rPr lang="en-US" sz="800" b="0" i="0" u="none" strike="noStrike" dirty="0">
                           <a:solidFill>
-                            <a:schemeClr val="bg2">
-                              <a:lumMod val="75000"/>
-                            </a:schemeClr>
+                            <a:srgbClr val="299F3F"/>
                           </a:solidFill>
                           <a:effectLst/>
                           <a:latin typeface="Calibri" panose="020F0502020204030204" pitchFamily="34" charset="0"/>
                         </a:rPr>
-                        <a:t> </a:t>
+                        <a:t> analytical_edw_aws_personalize_users/items/interactions</a:t>
                       </a:r>
                     </a:p>
                   </a:txBody>
-                  <a:tcPr marL="2746" marR="2746" marT="2746" marB="0" anchor="b">
+                  <a:tcPr marL="1503" marR="1503" marT="1503" marB="0" anchor="b">
                     <a:lnL w="6350" cap="flat" cmpd="sng" algn="ctr">
                       <a:solidFill>
                         <a:srgbClr val="000000"/>
@@ -20222,22 +20110,20 @@
                     <a:bodyPr/>
                     <a:lstStyle/>
                     <a:p>
-                      <a:pPr algn="l" fontAlgn="b"/>
+                      <a:pPr algn="l" rtl="0" fontAlgn="b"/>
                       <a:r>
-                        <a:rPr lang="en-US" sz="900" b="0" i="0" u="none" strike="noStrike">
+                        <a:rPr lang="en-US" sz="800" b="0" i="0" u="none" strike="noStrike">
                           <a:solidFill>
-                            <a:schemeClr val="bg2">
-                              <a:lumMod val="75000"/>
-                            </a:schemeClr>
+                            <a:srgbClr val="299F3F"/>
                           </a:solidFill>
                           <a:effectLst/>
                           <a:latin typeface="Calibri" panose="020F0502020204030204" pitchFamily="34" charset="0"/>
                         </a:rPr>
-                        <a:t> </a:t>
+                        <a:t>aws_personalize_users/items/interations</a:t>
                       </a:r>
                     </a:p>
                   </a:txBody>
-                  <a:tcPr marL="2746" marR="2746" marT="2746" marB="0" anchor="b">
+                  <a:tcPr marL="1503" marR="1503" marT="1503" marB="0" anchor="b">
                     <a:lnL w="6350" cap="flat" cmpd="sng" algn="ctr">
                       <a:solidFill>
                         <a:srgbClr val="000000"/>
@@ -20278,30 +20164,30 @@
                 </a:tc>
                 <a:extLst>
                   <a:ext uri="{0D108BD9-81ED-4DB2-BD59-A6C34878D82A}">
-                    <a16:rowId xmlns:a16="http://schemas.microsoft.com/office/drawing/2014/main" val="2825305709"/>
+                    <a16:rowId xmlns:a16="http://schemas.microsoft.com/office/drawing/2014/main" val="968146557"/>
                   </a:ext>
                 </a:extLst>
               </a:tr>
-              <a:tr h="159468">
+              <a:tr h="255107">
                 <a:tc rowSpan="3">
                   <a:txBody>
                     <a:bodyPr/>
                     <a:lstStyle/>
                     <a:p>
-                      <a:pPr algn="ctr" fontAlgn="b"/>
+                      <a:pPr algn="ctr" rtl="0" fontAlgn="b"/>
                       <a:r>
-                        <a:rPr lang="en-US" sz="900" b="1" i="0" u="none" strike="noStrike">
+                        <a:rPr lang="en-US" sz="900" b="1" i="0" u="none" strike="noStrike" dirty="0">
                           <a:solidFill>
                             <a:srgbClr val="000000"/>
                           </a:solidFill>
                           <a:effectLst/>
                           <a:latin typeface="Calibri" panose="020F0502020204030204" pitchFamily="34" charset="0"/>
                         </a:rPr>
-                        <a:t>Crawler</a:t>
+                        <a:t>CRAWLER</a:t>
                       </a:r>
                     </a:p>
                   </a:txBody>
-                  <a:tcPr marL="2746" marR="2746" marT="2746" marB="0" anchor="b">
+                  <a:tcPr marL="1503" marR="1503" marT="1503" marB="0" anchor="b">
                     <a:lnL w="6350" cap="flat" cmpd="sng" algn="ctr">
                       <a:solidFill>
                         <a:srgbClr val="000000"/>
@@ -20348,31 +20234,20 @@
                     <a:bodyPr/>
                     <a:lstStyle/>
                     <a:p>
-                      <a:pPr algn="l" fontAlgn="b"/>
+                      <a:pPr algn="l" rtl="0" fontAlgn="b"/>
                       <a:r>
-                        <a:rPr lang="en-US" sz="900" b="0" i="0" u="none" strike="noStrike" dirty="0" err="1">
+                        <a:rPr lang="en-US" sz="800" b="0" i="0" u="none" strike="noStrike">
                           <a:solidFill>
-                            <a:schemeClr val="bg2">
-                              <a:lumMod val="75000"/>
-                            </a:schemeClr>
+                            <a:srgbClr val="299F3F"/>
                           </a:solidFill>
                           <a:effectLst/>
                           <a:latin typeface="Calibri" panose="020F0502020204030204" pitchFamily="34" charset="0"/>
                         </a:rPr>
                         <a:t>ids_adl_dev_aws_personalize_users_crawler</a:t>
                       </a:r>
-                      <a:endParaRPr lang="en-US" sz="900" b="0" i="0" u="none" strike="noStrike" dirty="0">
-                        <a:solidFill>
-                          <a:schemeClr val="bg2">
-                            <a:lumMod val="75000"/>
-                          </a:schemeClr>
-                        </a:solidFill>
-                        <a:effectLst/>
-                        <a:latin typeface="Calibri" panose="020F0502020204030204" pitchFamily="34" charset="0"/>
-                      </a:endParaRPr>
                     </a:p>
                   </a:txBody>
-                  <a:tcPr marL="2746" marR="2746" marT="2746" marB="0" anchor="b">
+                  <a:tcPr marL="1503" marR="1503" marT="1503" marB="0" anchor="b">
                     <a:lnL w="6350" cap="flat" cmpd="sng" algn="ctr">
                       <a:solidFill>
                         <a:srgbClr val="000000"/>
@@ -20416,13 +20291,11 @@
                     <a:bodyPr/>
                     <a:lstStyle/>
                     <a:p>
-                      <a:pPr algn="l" fontAlgn="b"/>
+                      <a:pPr algn="l" rtl="0" fontAlgn="b"/>
                       <a:r>
-                        <a:rPr lang="en-US" sz="900" b="0" i="0" u="none" strike="noStrike">
+                        <a:rPr lang="en-US" sz="800" b="0" i="0" u="none" strike="noStrike">
                           <a:solidFill>
-                            <a:schemeClr val="bg2">
-                              <a:lumMod val="75000"/>
-                            </a:schemeClr>
+                            <a:srgbClr val="299F3F"/>
                           </a:solidFill>
                           <a:effectLst/>
                           <a:latin typeface="Calibri" panose="020F0502020204030204" pitchFamily="34" charset="0"/>
@@ -20431,7 +20304,7 @@
                       </a:r>
                     </a:p>
                   </a:txBody>
-                  <a:tcPr marL="2746" marR="2746" marT="2746" marB="0" anchor="b">
+                  <a:tcPr marL="1503" marR="1503" marT="1503" marB="0" anchor="b">
                     <a:lnL w="6350" cap="flat" cmpd="sng" algn="ctr">
                       <a:solidFill>
                         <a:srgbClr val="000000"/>
@@ -20472,11 +20345,11 @@
                 </a:tc>
                 <a:extLst>
                   <a:ext uri="{0D108BD9-81ED-4DB2-BD59-A6C34878D82A}">
-                    <a16:rowId xmlns:a16="http://schemas.microsoft.com/office/drawing/2014/main" val="4139371890"/>
+                    <a16:rowId xmlns:a16="http://schemas.microsoft.com/office/drawing/2014/main" val="3878014145"/>
                   </a:ext>
                 </a:extLst>
               </a:tr>
-              <a:tr h="159468">
+              <a:tr h="255107">
                 <a:tc vMerge="1">
                   <a:txBody>
                     <a:bodyPr/>
@@ -20492,31 +20365,20 @@
                     <a:bodyPr/>
                     <a:lstStyle/>
                     <a:p>
-                      <a:pPr algn="l" fontAlgn="b"/>
+                      <a:pPr algn="l" rtl="0" fontAlgn="b"/>
                       <a:r>
-                        <a:rPr lang="en-US" sz="900" b="0" i="0" u="none" strike="noStrike">
+                        <a:rPr lang="en-US" sz="800" b="0" i="0" u="none" strike="noStrike">
                           <a:solidFill>
-                            <a:schemeClr val="bg2">
-                              <a:lumMod val="75000"/>
-                            </a:schemeClr>
+                            <a:srgbClr val="299F3F"/>
                           </a:solidFill>
                           <a:effectLst/>
                           <a:latin typeface="Calibri" panose="020F0502020204030204" pitchFamily="34" charset="0"/>
                         </a:rPr>
                         <a:t>ids_adl_dev_aws_personalize_interactions_crawler</a:t>
                       </a:r>
-                      <a:endParaRPr lang="en-US" sz="900" b="0" i="0" u="none" strike="noStrike" dirty="0">
-                        <a:solidFill>
-                          <a:schemeClr val="bg2">
-                            <a:lumMod val="75000"/>
-                          </a:schemeClr>
-                        </a:solidFill>
-                        <a:effectLst/>
-                        <a:latin typeface="Calibri" panose="020F0502020204030204" pitchFamily="34" charset="0"/>
-                      </a:endParaRPr>
                     </a:p>
                   </a:txBody>
-                  <a:tcPr marL="2746" marR="2746" marT="2746" marB="0" anchor="b">
+                  <a:tcPr marL="1503" marR="1503" marT="1503" marB="0" anchor="b">
                     <a:lnL w="6350" cap="flat" cmpd="sng" algn="ctr">
                       <a:solidFill>
                         <a:srgbClr val="000000"/>
@@ -20560,31 +20422,20 @@
                     <a:bodyPr/>
                     <a:lstStyle/>
                     <a:p>
-                      <a:pPr algn="l" fontAlgn="b"/>
+                      <a:pPr algn="l" rtl="0" fontAlgn="b"/>
                       <a:r>
-                        <a:rPr lang="en-US" sz="900" b="0" i="0" u="none" strike="noStrike">
+                        <a:rPr lang="en-US" sz="800" b="0" i="0" u="none" strike="noStrike">
                           <a:solidFill>
-                            <a:schemeClr val="bg2">
-                              <a:lumMod val="75000"/>
-                            </a:schemeClr>
+                            <a:srgbClr val="299F3F"/>
                           </a:solidFill>
                           <a:effectLst/>
                           <a:latin typeface="Calibri" panose="020F0502020204030204" pitchFamily="34" charset="0"/>
                         </a:rPr>
                         <a:t>s3_adl_dev_aws_personalize_interactions_crawler</a:t>
                       </a:r>
-                      <a:endParaRPr lang="en-US" sz="900" b="0" i="0" u="none" strike="noStrike" dirty="0">
-                        <a:solidFill>
-                          <a:schemeClr val="bg2">
-                            <a:lumMod val="75000"/>
-                          </a:schemeClr>
-                        </a:solidFill>
-                        <a:effectLst/>
-                        <a:latin typeface="Calibri" panose="020F0502020204030204" pitchFamily="34" charset="0"/>
-                      </a:endParaRPr>
                     </a:p>
                   </a:txBody>
-                  <a:tcPr marL="2746" marR="2746" marT="2746" marB="0" anchor="b">
+                  <a:tcPr marL="1503" marR="1503" marT="1503" marB="0" anchor="b">
                     <a:lnL w="6350" cap="flat" cmpd="sng" algn="ctr">
                       <a:solidFill>
                         <a:srgbClr val="000000"/>
@@ -20625,11 +20476,11 @@
                 </a:tc>
                 <a:extLst>
                   <a:ext uri="{0D108BD9-81ED-4DB2-BD59-A6C34878D82A}">
-                    <a16:rowId xmlns:a16="http://schemas.microsoft.com/office/drawing/2014/main" val="44082451"/>
+                    <a16:rowId xmlns:a16="http://schemas.microsoft.com/office/drawing/2014/main" val="575692316"/>
                   </a:ext>
                 </a:extLst>
               </a:tr>
-              <a:tr h="159468">
+              <a:tr h="255107">
                 <a:tc vMerge="1">
                   <a:txBody>
                     <a:bodyPr/>
@@ -20645,31 +20496,20 @@
                     <a:bodyPr/>
                     <a:lstStyle/>
                     <a:p>
-                      <a:pPr algn="l" fontAlgn="b"/>
+                      <a:pPr algn="l" rtl="0" fontAlgn="b"/>
                       <a:r>
-                        <a:rPr lang="en-US" sz="900" b="0" i="0" u="none" strike="noStrike">
+                        <a:rPr lang="en-US" sz="800" b="0" i="0" u="none" strike="noStrike">
                           <a:solidFill>
-                            <a:schemeClr val="bg2">
-                              <a:lumMod val="75000"/>
-                            </a:schemeClr>
+                            <a:srgbClr val="299F3F"/>
                           </a:solidFill>
                           <a:effectLst/>
                           <a:latin typeface="Calibri" panose="020F0502020204030204" pitchFamily="34" charset="0"/>
                         </a:rPr>
                         <a:t>ids_adl_dev_aws_personalize_items_crawler</a:t>
                       </a:r>
-                      <a:endParaRPr lang="en-US" sz="900" b="0" i="0" u="none" strike="noStrike" dirty="0">
-                        <a:solidFill>
-                          <a:schemeClr val="bg2">
-                            <a:lumMod val="75000"/>
-                          </a:schemeClr>
-                        </a:solidFill>
-                        <a:effectLst/>
-                        <a:latin typeface="Calibri" panose="020F0502020204030204" pitchFamily="34" charset="0"/>
-                      </a:endParaRPr>
                     </a:p>
                   </a:txBody>
-                  <a:tcPr marL="2746" marR="2746" marT="2746" marB="0" anchor="b">
+                  <a:tcPr marL="1503" marR="1503" marT="1503" marB="0" anchor="b">
                     <a:lnL w="6350" cap="flat" cmpd="sng" algn="ctr">
                       <a:solidFill>
                         <a:srgbClr val="000000"/>
@@ -20713,31 +20553,20 @@
                     <a:bodyPr/>
                     <a:lstStyle/>
                     <a:p>
-                      <a:pPr algn="l" fontAlgn="b"/>
+                      <a:pPr algn="l" rtl="0" fontAlgn="b"/>
                       <a:r>
-                        <a:rPr lang="en-US" sz="900" b="0" i="0" u="none" strike="noStrike">
+                        <a:rPr lang="en-US" sz="800" b="0" i="0" u="none" strike="noStrike">
                           <a:solidFill>
-                            <a:schemeClr val="bg2">
-                              <a:lumMod val="75000"/>
-                            </a:schemeClr>
+                            <a:srgbClr val="299F3F"/>
                           </a:solidFill>
                           <a:effectLst/>
                           <a:latin typeface="Calibri" panose="020F0502020204030204" pitchFamily="34" charset="0"/>
                         </a:rPr>
                         <a:t>s3_adl_dev_aws_personalize_items_crawler</a:t>
                       </a:r>
-                      <a:endParaRPr lang="en-US" sz="900" b="0" i="0" u="none" strike="noStrike" dirty="0">
-                        <a:solidFill>
-                          <a:schemeClr val="bg2">
-                            <a:lumMod val="75000"/>
-                          </a:schemeClr>
-                        </a:solidFill>
-                        <a:effectLst/>
-                        <a:latin typeface="Calibri" panose="020F0502020204030204" pitchFamily="34" charset="0"/>
-                      </a:endParaRPr>
                     </a:p>
                   </a:txBody>
-                  <a:tcPr marL="2746" marR="2746" marT="2746" marB="0" anchor="b">
+                  <a:tcPr marL="1503" marR="1503" marT="1503" marB="0" anchor="b">
                     <a:lnL w="6350" cap="flat" cmpd="sng" algn="ctr">
                       <a:solidFill>
                         <a:srgbClr val="000000"/>
@@ -20778,19 +20607,19 @@
                 </a:tc>
                 <a:extLst>
                   <a:ext uri="{0D108BD9-81ED-4DB2-BD59-A6C34878D82A}">
-                    <a16:rowId xmlns:a16="http://schemas.microsoft.com/office/drawing/2014/main" val="3807258471"/>
+                    <a16:rowId xmlns:a16="http://schemas.microsoft.com/office/drawing/2014/main" val="2891036309"/>
                   </a:ext>
                 </a:extLst>
               </a:tr>
-              <a:tr h="159468">
+              <a:tr h="335055">
                 <a:tc rowSpan="4">
                   <a:txBody>
                     <a:bodyPr/>
                     <a:lstStyle/>
                     <a:p>
-                      <a:pPr algn="ctr" fontAlgn="b"/>
+                      <a:pPr algn="ctr" rtl="0" fontAlgn="b"/>
                       <a:r>
-                        <a:rPr lang="en-US" sz="900" b="1" i="0" u="none" strike="noStrike">
+                        <a:rPr lang="en-US" sz="900" b="1" i="0" u="none" strike="noStrike" dirty="0">
                           <a:solidFill>
                             <a:srgbClr val="000000"/>
                           </a:solidFill>
@@ -20801,7 +20630,7 @@
                       </a:r>
                     </a:p>
                   </a:txBody>
-                  <a:tcPr marL="2746" marR="2746" marT="2746" marB="0" anchor="b">
+                  <a:tcPr marL="1503" marR="1503" marT="1503" marB="0" anchor="b">
                     <a:lnL w="6350" cap="flat" cmpd="sng" algn="ctr">
                       <a:solidFill>
                         <a:srgbClr val="000000"/>
@@ -20848,31 +20677,20 @@
                     <a:bodyPr/>
                     <a:lstStyle/>
                     <a:p>
-                      <a:pPr algn="l" fontAlgn="b"/>
+                      <a:pPr algn="l" rtl="0" fontAlgn="b"/>
                       <a:r>
-                        <a:rPr lang="en-US" sz="900" b="0" i="0" u="none" strike="noStrike">
+                        <a:rPr lang="en-US" sz="800" b="0" i="0" u="none" strike="noStrike">
                           <a:solidFill>
-                            <a:schemeClr val="bg2">
-                              <a:lumMod val="75000"/>
-                            </a:schemeClr>
+                            <a:srgbClr val="299F3F"/>
                           </a:solidFill>
                           <a:effectLst/>
                           <a:latin typeface="Calibri" panose="020F0502020204030204" pitchFamily="34" charset="0"/>
                         </a:rPr>
                         <a:t> </a:t>
                       </a:r>
-                      <a:endParaRPr lang="en-US" sz="900" b="0" i="0" u="none" strike="noStrike" dirty="0">
-                        <a:solidFill>
-                          <a:schemeClr val="bg2">
-                            <a:lumMod val="75000"/>
-                          </a:schemeClr>
-                        </a:solidFill>
-                        <a:effectLst/>
-                        <a:latin typeface="Calibri" panose="020F0502020204030204" pitchFamily="34" charset="0"/>
-                      </a:endParaRPr>
                     </a:p>
                   </a:txBody>
-                  <a:tcPr marL="2746" marR="2746" marT="2746" marB="0" anchor="b">
+                  <a:tcPr marL="1503" marR="1503" marT="1503" marB="0" anchor="b">
                     <a:lnL w="6350" cap="flat" cmpd="sng" algn="ctr">
                       <a:solidFill>
                         <a:srgbClr val="000000"/>
@@ -20916,31 +20734,20 @@
                     <a:bodyPr/>
                     <a:lstStyle/>
                     <a:p>
-                      <a:pPr algn="l" fontAlgn="b"/>
+                      <a:pPr algn="l" rtl="0" fontAlgn="b"/>
                       <a:r>
-                        <a:rPr lang="en-US" sz="900" b="0" i="0" u="none" strike="noStrike">
+                        <a:rPr lang="en-US" sz="800" b="0" i="0" u="none" strike="noStrike" dirty="0">
                           <a:solidFill>
-                            <a:schemeClr val="bg2">
-                              <a:lumMod val="75000"/>
-                            </a:schemeClr>
+                            <a:srgbClr val="299F3F"/>
                           </a:solidFill>
                           <a:effectLst/>
                           <a:latin typeface="Calibri" panose="020F0502020204030204" pitchFamily="34" charset="0"/>
                         </a:rPr>
                         <a:t>s3://amazon-personalize-data-storage/glue_incoming_data/</a:t>
                       </a:r>
-                      <a:endParaRPr lang="en-US" sz="900" b="0" i="0" u="none" strike="noStrike" dirty="0">
-                        <a:solidFill>
-                          <a:schemeClr val="bg2">
-                            <a:lumMod val="75000"/>
-                          </a:schemeClr>
-                        </a:solidFill>
-                        <a:effectLst/>
-                        <a:latin typeface="Calibri" panose="020F0502020204030204" pitchFamily="34" charset="0"/>
-                      </a:endParaRPr>
                     </a:p>
                   </a:txBody>
-                  <a:tcPr marL="2746" marR="2746" marT="2746" marB="0" anchor="b">
+                  <a:tcPr marL="1503" marR="1503" marT="1503" marB="0" anchor="b">
                     <a:lnL w="6350" cap="flat" cmpd="sng" algn="ctr">
                       <a:solidFill>
                         <a:srgbClr val="000000"/>
@@ -20981,11 +20788,11 @@
                 </a:tc>
                 <a:extLst>
                   <a:ext uri="{0D108BD9-81ED-4DB2-BD59-A6C34878D82A}">
-                    <a16:rowId xmlns:a16="http://schemas.microsoft.com/office/drawing/2014/main" val="1909409299"/>
+                    <a16:rowId xmlns:a16="http://schemas.microsoft.com/office/drawing/2014/main" val="1682647484"/>
                   </a:ext>
                 </a:extLst>
               </a:tr>
-              <a:tr h="159468">
+              <a:tr h="287474">
                 <a:tc vMerge="1">
                   <a:txBody>
                     <a:bodyPr/>
@@ -20996,36 +20803,25 @@
                   </a:txBody>
                   <a:tcPr/>
                 </a:tc>
-                <a:tc>
+                <a:tc gridSpan="2">
                   <a:txBody>
                     <a:bodyPr/>
                     <a:lstStyle/>
                     <a:p>
-                      <a:pPr algn="l" fontAlgn="b"/>
+                      <a:pPr algn="ctr" rtl="0" fontAlgn="b"/>
                       <a:r>
-                        <a:rPr lang="en-US" sz="900" b="0" i="0" u="none" strike="noStrike">
+                        <a:rPr lang="en-US" sz="800" b="0" i="0" u="none" strike="noStrike" dirty="0">
                           <a:solidFill>
-                            <a:schemeClr val="bg2">
-                              <a:lumMod val="75000"/>
-                            </a:schemeClr>
+                            <a:srgbClr val="299F3F"/>
                           </a:solidFill>
                           <a:effectLst/>
                           <a:latin typeface="Calibri" panose="020F0502020204030204" pitchFamily="34" charset="0"/>
                         </a:rPr>
                         <a:t>s3://amazon-personalize-data-storage/glue_scripts/</a:t>
                       </a:r>
-                      <a:endParaRPr lang="en-US" sz="900" b="0" i="0" u="none" strike="noStrike" dirty="0">
-                        <a:solidFill>
-                          <a:schemeClr val="bg2">
-                            <a:lumMod val="75000"/>
-                          </a:schemeClr>
-                        </a:solidFill>
-                        <a:effectLst/>
-                        <a:latin typeface="Calibri" panose="020F0502020204030204" pitchFamily="34" charset="0"/>
-                      </a:endParaRPr>
                     </a:p>
                   </a:txBody>
-                  <a:tcPr marL="2746" marR="2746" marT="2746" marB="0" anchor="b">
+                  <a:tcPr marL="1503" marR="1503" marT="1503" marB="0" anchor="b">
                     <a:lnL w="6350" cap="flat" cmpd="sng" algn="ctr">
                       <a:solidFill>
                         <a:srgbClr val="000000"/>
@@ -21053,47 +20849,57 @@
                       <a:headEnd type="none" w="med" len="med"/>
                       <a:tailEnd type="none" w="med" len="med"/>
                     </a:lnT>
-                    <a:lnB w="6350" cap="flat" cmpd="sng" algn="ctr">
-                      <a:solidFill>
-                        <a:srgbClr val="000000"/>
-                      </a:solidFill>
-                      <a:prstDash val="solid"/>
-                      <a:round/>
-                      <a:headEnd type="none" w="med" len="med"/>
-                      <a:tailEnd type="none" w="med" len="med"/>
+                    <a:lnB>
+                      <a:noFill/>
                     </a:lnB>
                   </a:tcPr>
                 </a:tc>
-                <a:tc>
+                <a:tc hMerge="1">
                   <a:txBody>
                     <a:bodyPr/>
                     <a:lstStyle/>
                     <a:p>
-                      <a:pPr algn="l" fontAlgn="b"/>
+                      <a:endParaRPr lang="en-US"/>
+                    </a:p>
+                  </a:txBody>
+                  <a:tcPr/>
+                </a:tc>
+                <a:extLst>
+                  <a:ext uri="{0D108BD9-81ED-4DB2-BD59-A6C34878D82A}">
+                    <a16:rowId xmlns:a16="http://schemas.microsoft.com/office/drawing/2014/main" val="3764244104"/>
+                  </a:ext>
+                </a:extLst>
+              </a:tr>
+              <a:tr h="287474">
+                <a:tc vMerge="1">
+                  <a:txBody>
+                    <a:bodyPr/>
+                    <a:lstStyle/>
+                    <a:p>
+                      <a:endParaRPr lang="en-US"/>
+                    </a:p>
+                  </a:txBody>
+                  <a:tcPr/>
+                </a:tc>
+                <a:tc gridSpan="2">
+                  <a:txBody>
+                    <a:bodyPr/>
+                    <a:lstStyle/>
+                    <a:p>
+                      <a:pPr algn="ctr" rtl="0" fontAlgn="b"/>
                       <a:r>
-                        <a:rPr lang="en-US" sz="900" b="0" i="0" u="none" strike="noStrike">
+                        <a:rPr lang="en-US" sz="800" b="0" i="0" u="none" strike="noStrike" dirty="0">
                           <a:solidFill>
-                            <a:schemeClr val="bg2">
-                              <a:lumMod val="75000"/>
-                            </a:schemeClr>
+                            <a:srgbClr val="299F3F"/>
                           </a:solidFill>
                           <a:effectLst/>
                           <a:latin typeface="Calibri" panose="020F0502020204030204" pitchFamily="34" charset="0"/>
                         </a:rPr>
-                        <a:t> </a:t>
+                        <a:t>s3://amazon-personalize-data-storage/glue_logs/</a:t>
                       </a:r>
-                      <a:endParaRPr lang="en-US" sz="900" b="0" i="0" u="none" strike="noStrike" dirty="0">
-                        <a:solidFill>
-                          <a:schemeClr val="bg2">
-                            <a:lumMod val="75000"/>
-                          </a:schemeClr>
-                        </a:solidFill>
-                        <a:effectLst/>
-                        <a:latin typeface="Calibri" panose="020F0502020204030204" pitchFamily="34" charset="0"/>
-                      </a:endParaRPr>
                     </a:p>
                   </a:txBody>
-                  <a:tcPr marL="2746" marR="2746" marT="2746" marB="0" anchor="b">
+                  <a:tcPr marL="1503" marR="1503" marT="1503" marB="0" anchor="b">
                     <a:lnL w="6350" cap="flat" cmpd="sng" algn="ctr">
                       <a:solidFill>
                         <a:srgbClr val="000000"/>
@@ -21112,33 +20918,31 @@
                       <a:headEnd type="none" w="med" len="med"/>
                       <a:tailEnd type="none" w="med" len="med"/>
                     </a:lnR>
-                    <a:lnT w="6350" cap="flat" cmpd="sng" algn="ctr">
-                      <a:solidFill>
-                        <a:srgbClr val="000000"/>
-                      </a:solidFill>
-                      <a:prstDash val="solid"/>
-                      <a:round/>
-                      <a:headEnd type="none" w="med" len="med"/>
-                      <a:tailEnd type="none" w="med" len="med"/>
+                    <a:lnT>
+                      <a:noFill/>
                     </a:lnT>
-                    <a:lnB w="6350" cap="flat" cmpd="sng" algn="ctr">
-                      <a:solidFill>
-                        <a:srgbClr val="000000"/>
-                      </a:solidFill>
-                      <a:prstDash val="solid"/>
-                      <a:round/>
-                      <a:headEnd type="none" w="med" len="med"/>
-                      <a:tailEnd type="none" w="med" len="med"/>
+                    <a:lnB>
+                      <a:noFill/>
                     </a:lnB>
                   </a:tcPr>
                 </a:tc>
+                <a:tc hMerge="1">
+                  <a:txBody>
+                    <a:bodyPr/>
+                    <a:lstStyle/>
+                    <a:p>
+                      <a:endParaRPr lang="en-US"/>
+                    </a:p>
+                  </a:txBody>
+                  <a:tcPr/>
+                </a:tc>
                 <a:extLst>
                   <a:ext uri="{0D108BD9-81ED-4DB2-BD59-A6C34878D82A}">
-                    <a16:rowId xmlns:a16="http://schemas.microsoft.com/office/drawing/2014/main" val="2939120807"/>
+                    <a16:rowId xmlns:a16="http://schemas.microsoft.com/office/drawing/2014/main" val="2532919257"/>
                   </a:ext>
                 </a:extLst>
               </a:tr>
-              <a:tr h="159468">
+              <a:tr h="287474">
                 <a:tc vMerge="1">
                   <a:txBody>
                     <a:bodyPr/>
@@ -21149,36 +20953,25 @@
                   </a:txBody>
                   <a:tcPr/>
                 </a:tc>
-                <a:tc>
+                <a:tc gridSpan="2">
                   <a:txBody>
                     <a:bodyPr/>
                     <a:lstStyle/>
                     <a:p>
-                      <a:pPr algn="l" fontAlgn="b"/>
+                      <a:pPr algn="ctr" rtl="0" fontAlgn="b"/>
                       <a:r>
-                        <a:rPr lang="en-US" sz="900" b="0" i="0" u="none" strike="noStrike">
+                        <a:rPr lang="en-US" sz="800" b="0" i="0" u="none" strike="noStrike" dirty="0">
                           <a:solidFill>
-                            <a:schemeClr val="bg2">
-                              <a:lumMod val="75000"/>
-                            </a:schemeClr>
+                            <a:srgbClr val="299F3F"/>
                           </a:solidFill>
                           <a:effectLst/>
                           <a:latin typeface="Calibri" panose="020F0502020204030204" pitchFamily="34" charset="0"/>
                         </a:rPr>
-                        <a:t>s3://amazon-personalize-data-storage/glue_logs/</a:t>
+                        <a:t>s3://amazon-personalize-data-storage/glue_temp/</a:t>
                       </a:r>
-                      <a:endParaRPr lang="en-US" sz="900" b="0" i="0" u="none" strike="noStrike" dirty="0">
-                        <a:solidFill>
-                          <a:schemeClr val="bg2">
-                            <a:lumMod val="75000"/>
-                          </a:schemeClr>
-                        </a:solidFill>
-                        <a:effectLst/>
-                        <a:latin typeface="Calibri" panose="020F0502020204030204" pitchFamily="34" charset="0"/>
-                      </a:endParaRPr>
                     </a:p>
                   </a:txBody>
-                  <a:tcPr marL="2746" marR="2746" marT="2746" marB="0" anchor="b">
+                  <a:tcPr marL="1503" marR="1503" marT="1503" marB="0" anchor="b">
                     <a:lnL w="6350" cap="flat" cmpd="sng" algn="ctr">
                       <a:solidFill>
                         <a:srgbClr val="000000"/>
@@ -21197,14 +20990,8 @@
                       <a:headEnd type="none" w="med" len="med"/>
                       <a:tailEnd type="none" w="med" len="med"/>
                     </a:lnR>
-                    <a:lnT w="6350" cap="flat" cmpd="sng" algn="ctr">
-                      <a:solidFill>
-                        <a:srgbClr val="000000"/>
-                      </a:solidFill>
-                      <a:prstDash val="solid"/>
-                      <a:round/>
-                      <a:headEnd type="none" w="med" len="med"/>
-                      <a:tailEnd type="none" w="med" len="med"/>
+                    <a:lnT>
+                      <a:noFill/>
                     </a:lnT>
                     <a:lnB w="6350" cap="flat" cmpd="sng" algn="ctr">
                       <a:solidFill>
@@ -21217,82 +21004,7 @@
                     </a:lnB>
                   </a:tcPr>
                 </a:tc>
-                <a:tc>
-                  <a:txBody>
-                    <a:bodyPr/>
-                    <a:lstStyle/>
-                    <a:p>
-                      <a:pPr algn="l" fontAlgn="b"/>
-                      <a:r>
-                        <a:rPr lang="en-US" sz="900" b="0" i="0" u="none" strike="noStrike">
-                          <a:solidFill>
-                            <a:schemeClr val="bg2">
-                              <a:lumMod val="75000"/>
-                            </a:schemeClr>
-                          </a:solidFill>
-                          <a:effectLst/>
-                          <a:latin typeface="Calibri" panose="020F0502020204030204" pitchFamily="34" charset="0"/>
-                        </a:rPr>
-                        <a:t> </a:t>
-                      </a:r>
-                      <a:endParaRPr lang="en-US" sz="900" b="0" i="0" u="none" strike="noStrike" dirty="0">
-                        <a:solidFill>
-                          <a:schemeClr val="bg2">
-                            <a:lumMod val="75000"/>
-                          </a:schemeClr>
-                        </a:solidFill>
-                        <a:effectLst/>
-                        <a:latin typeface="Calibri" panose="020F0502020204030204" pitchFamily="34" charset="0"/>
-                      </a:endParaRPr>
-                    </a:p>
-                  </a:txBody>
-                  <a:tcPr marL="2746" marR="2746" marT="2746" marB="0" anchor="b">
-                    <a:lnL w="6350" cap="flat" cmpd="sng" algn="ctr">
-                      <a:solidFill>
-                        <a:srgbClr val="000000"/>
-                      </a:solidFill>
-                      <a:prstDash val="solid"/>
-                      <a:round/>
-                      <a:headEnd type="none" w="med" len="med"/>
-                      <a:tailEnd type="none" w="med" len="med"/>
-                    </a:lnL>
-                    <a:lnR w="6350" cap="flat" cmpd="sng" algn="ctr">
-                      <a:solidFill>
-                        <a:srgbClr val="000000"/>
-                      </a:solidFill>
-                      <a:prstDash val="solid"/>
-                      <a:round/>
-                      <a:headEnd type="none" w="med" len="med"/>
-                      <a:tailEnd type="none" w="med" len="med"/>
-                    </a:lnR>
-                    <a:lnT w="6350" cap="flat" cmpd="sng" algn="ctr">
-                      <a:solidFill>
-                        <a:srgbClr val="000000"/>
-                      </a:solidFill>
-                      <a:prstDash val="solid"/>
-                      <a:round/>
-                      <a:headEnd type="none" w="med" len="med"/>
-                      <a:tailEnd type="none" w="med" len="med"/>
-                    </a:lnT>
-                    <a:lnB w="6350" cap="flat" cmpd="sng" algn="ctr">
-                      <a:solidFill>
-                        <a:srgbClr val="000000"/>
-                      </a:solidFill>
-                      <a:prstDash val="solid"/>
-                      <a:round/>
-                      <a:headEnd type="none" w="med" len="med"/>
-                      <a:tailEnd type="none" w="med" len="med"/>
-                    </a:lnB>
-                  </a:tcPr>
-                </a:tc>
-                <a:extLst>
-                  <a:ext uri="{0D108BD9-81ED-4DB2-BD59-A6C34878D82A}">
-                    <a16:rowId xmlns:a16="http://schemas.microsoft.com/office/drawing/2014/main" val="420714026"/>
-                  </a:ext>
-                </a:extLst>
-              </a:tr>
-              <a:tr h="159468">
-                <a:tc vMerge="1">
+                <a:tc hMerge="1">
                   <a:txBody>
                     <a:bodyPr/>
                     <a:lstStyle/>
@@ -21302,159 +21014,32 @@
                   </a:txBody>
                   <a:tcPr/>
                 </a:tc>
-                <a:tc>
-                  <a:txBody>
-                    <a:bodyPr/>
-                    <a:lstStyle/>
-                    <a:p>
-                      <a:pPr algn="l" fontAlgn="b"/>
-                      <a:r>
-                        <a:rPr lang="en-US" sz="900" b="0" i="0" u="none" strike="noStrike">
-                          <a:solidFill>
-                            <a:schemeClr val="bg2">
-                              <a:lumMod val="75000"/>
-                            </a:schemeClr>
-                          </a:solidFill>
-                          <a:effectLst/>
-                          <a:latin typeface="Calibri" panose="020F0502020204030204" pitchFamily="34" charset="0"/>
-                        </a:rPr>
-                        <a:t>s3://amazon-personalize-data-storage/glue_temp/</a:t>
-                      </a:r>
-                      <a:endParaRPr lang="en-US" sz="900" b="0" i="0" u="none" strike="noStrike" dirty="0">
-                        <a:solidFill>
-                          <a:schemeClr val="bg2">
-                            <a:lumMod val="75000"/>
-                          </a:schemeClr>
-                        </a:solidFill>
-                        <a:effectLst/>
-                        <a:latin typeface="Calibri" panose="020F0502020204030204" pitchFamily="34" charset="0"/>
-                      </a:endParaRPr>
-                    </a:p>
-                  </a:txBody>
-                  <a:tcPr marL="2746" marR="2746" marT="2746" marB="0" anchor="b">
-                    <a:lnL w="6350" cap="flat" cmpd="sng" algn="ctr">
-                      <a:solidFill>
-                        <a:srgbClr val="000000"/>
-                      </a:solidFill>
-                      <a:prstDash val="solid"/>
-                      <a:round/>
-                      <a:headEnd type="none" w="med" len="med"/>
-                      <a:tailEnd type="none" w="med" len="med"/>
-                    </a:lnL>
-                    <a:lnR w="6350" cap="flat" cmpd="sng" algn="ctr">
-                      <a:solidFill>
-                        <a:srgbClr val="000000"/>
-                      </a:solidFill>
-                      <a:prstDash val="solid"/>
-                      <a:round/>
-                      <a:headEnd type="none" w="med" len="med"/>
-                      <a:tailEnd type="none" w="med" len="med"/>
-                    </a:lnR>
-                    <a:lnT w="6350" cap="flat" cmpd="sng" algn="ctr">
-                      <a:solidFill>
-                        <a:srgbClr val="000000"/>
-                      </a:solidFill>
-                      <a:prstDash val="solid"/>
-                      <a:round/>
-                      <a:headEnd type="none" w="med" len="med"/>
-                      <a:tailEnd type="none" w="med" len="med"/>
-                    </a:lnT>
-                    <a:lnB w="6350" cap="flat" cmpd="sng" algn="ctr">
-                      <a:solidFill>
-                        <a:srgbClr val="000000"/>
-                      </a:solidFill>
-                      <a:prstDash val="solid"/>
-                      <a:round/>
-                      <a:headEnd type="none" w="med" len="med"/>
-                      <a:tailEnd type="none" w="med" len="med"/>
-                    </a:lnB>
-                  </a:tcPr>
-                </a:tc>
-                <a:tc>
-                  <a:txBody>
-                    <a:bodyPr/>
-                    <a:lstStyle/>
-                    <a:p>
-                      <a:pPr algn="l" fontAlgn="b"/>
-                      <a:r>
-                        <a:rPr lang="en-US" sz="900" b="0" i="0" u="none" strike="noStrike">
-                          <a:solidFill>
-                            <a:schemeClr val="bg2">
-                              <a:lumMod val="75000"/>
-                            </a:schemeClr>
-                          </a:solidFill>
-                          <a:effectLst/>
-                          <a:latin typeface="Calibri" panose="020F0502020204030204" pitchFamily="34" charset="0"/>
-                        </a:rPr>
-                        <a:t> </a:t>
-                      </a:r>
-                    </a:p>
-                  </a:txBody>
-                  <a:tcPr marL="2746" marR="2746" marT="2746" marB="0" anchor="b">
-                    <a:lnL w="6350" cap="flat" cmpd="sng" algn="ctr">
-                      <a:solidFill>
-                        <a:srgbClr val="000000"/>
-                      </a:solidFill>
-                      <a:prstDash val="solid"/>
-                      <a:round/>
-                      <a:headEnd type="none" w="med" len="med"/>
-                      <a:tailEnd type="none" w="med" len="med"/>
-                    </a:lnL>
-                    <a:lnR w="6350" cap="flat" cmpd="sng" algn="ctr">
-                      <a:solidFill>
-                        <a:srgbClr val="000000"/>
-                      </a:solidFill>
-                      <a:prstDash val="solid"/>
-                      <a:round/>
-                      <a:headEnd type="none" w="med" len="med"/>
-                      <a:tailEnd type="none" w="med" len="med"/>
-                    </a:lnR>
-                    <a:lnT w="6350" cap="flat" cmpd="sng" algn="ctr">
-                      <a:solidFill>
-                        <a:srgbClr val="000000"/>
-                      </a:solidFill>
-                      <a:prstDash val="solid"/>
-                      <a:round/>
-                      <a:headEnd type="none" w="med" len="med"/>
-                      <a:tailEnd type="none" w="med" len="med"/>
-                    </a:lnT>
-                    <a:lnB w="6350" cap="flat" cmpd="sng" algn="ctr">
-                      <a:solidFill>
-                        <a:srgbClr val="000000"/>
-                      </a:solidFill>
-                      <a:prstDash val="solid"/>
-                      <a:round/>
-                      <a:headEnd type="none" w="med" len="med"/>
-                      <a:tailEnd type="none" w="med" len="med"/>
-                    </a:lnB>
-                  </a:tcPr>
-                </a:tc>
                 <a:extLst>
                   <a:ext uri="{0D108BD9-81ED-4DB2-BD59-A6C34878D82A}">
-                    <a16:rowId xmlns:a16="http://schemas.microsoft.com/office/drawing/2014/main" val="2789533040"/>
+                    <a16:rowId xmlns:a16="http://schemas.microsoft.com/office/drawing/2014/main" val="2491555549"/>
                   </a:ext>
                 </a:extLst>
               </a:tr>
-              <a:tr h="159468">
+              <a:tr h="192309">
                 <a:tc rowSpan="3">
                   <a:txBody>
                     <a:bodyPr/>
                     <a:lstStyle/>
                     <a:p>
-                      <a:pPr algn="ctr" fontAlgn="b"/>
+                      <a:pPr algn="ctr" rtl="0" fontAlgn="b"/>
                       <a:r>
-                        <a:rPr lang="en-US" sz="900" b="1" i="0" u="none" strike="noStrike">
+                        <a:rPr lang="en-US" sz="900" b="1" i="0" u="none" strike="noStrike" dirty="0">
                           <a:solidFill>
                             <a:srgbClr val="000000"/>
                           </a:solidFill>
                           <a:effectLst/>
                           <a:latin typeface="Calibri" panose="020F0502020204030204" pitchFamily="34" charset="0"/>
                         </a:rPr>
-                        <a:t>Job</a:t>
+                        <a:t>JOB</a:t>
                       </a:r>
                     </a:p>
                   </a:txBody>
-                  <a:tcPr marL="2746" marR="2746" marT="2746" marB="0" anchor="b">
+                  <a:tcPr marL="1503" marR="1503" marT="1503" marB="0" anchor="b">
                     <a:lnL w="6350" cap="flat" cmpd="sng" algn="ctr">
                       <a:solidFill>
                         <a:srgbClr val="000000"/>
@@ -21496,36 +21081,25 @@
                     </a:solidFill>
                   </a:tcPr>
                 </a:tc>
-                <a:tc>
+                <a:tc gridSpan="2">
                   <a:txBody>
                     <a:bodyPr/>
                     <a:lstStyle/>
                     <a:p>
-                      <a:pPr algn="l" fontAlgn="b"/>
+                      <a:pPr algn="ctr" rtl="0" fontAlgn="b"/>
                       <a:r>
-                        <a:rPr lang="en-US" sz="900" b="0" i="0" u="none" strike="noStrike">
+                        <a:rPr lang="en-US" sz="800" b="0" i="0" u="none" strike="noStrike" dirty="0">
                           <a:solidFill>
-                            <a:schemeClr val="bg2">
-                              <a:lumMod val="75000"/>
-                            </a:schemeClr>
+                            <a:srgbClr val="299F3F"/>
                           </a:solidFill>
                           <a:effectLst/>
                           <a:latin typeface="Calibri" panose="020F0502020204030204" pitchFamily="34" charset="0"/>
                         </a:rPr>
                         <a:t>ids_adl_dev_aws_personalize_users_job</a:t>
                       </a:r>
-                      <a:endParaRPr lang="en-US" sz="900" b="0" i="0" u="none" strike="noStrike" dirty="0">
-                        <a:solidFill>
-                          <a:schemeClr val="bg2">
-                            <a:lumMod val="75000"/>
-                          </a:schemeClr>
-                        </a:solidFill>
-                        <a:effectLst/>
-                        <a:latin typeface="Calibri" panose="020F0502020204030204" pitchFamily="34" charset="0"/>
-                      </a:endParaRPr>
                     </a:p>
                   </a:txBody>
-                  <a:tcPr marL="2746" marR="2746" marT="2746" marB="0" anchor="b">
+                  <a:tcPr marL="1503" marR="1503" marT="1503" marB="0" anchor="b">
                     <a:lnL w="6350" cap="flat" cmpd="sng" algn="ctr">
                       <a:solidFill>
                         <a:srgbClr val="000000"/>
@@ -21553,38 +21127,57 @@
                       <a:headEnd type="none" w="med" len="med"/>
                       <a:tailEnd type="none" w="med" len="med"/>
                     </a:lnT>
-                    <a:lnB w="6350" cap="flat" cmpd="sng" algn="ctr">
-                      <a:solidFill>
-                        <a:srgbClr val="000000"/>
-                      </a:solidFill>
-                      <a:prstDash val="solid"/>
-                      <a:round/>
-                      <a:headEnd type="none" w="med" len="med"/>
-                      <a:tailEnd type="none" w="med" len="med"/>
+                    <a:lnB>
+                      <a:noFill/>
                     </a:lnB>
                   </a:tcPr>
                 </a:tc>
-                <a:tc>
+                <a:tc hMerge="1">
                   <a:txBody>
                     <a:bodyPr/>
                     <a:lstStyle/>
                     <a:p>
-                      <a:pPr algn="l" fontAlgn="b"/>
+                      <a:endParaRPr lang="en-US"/>
+                    </a:p>
+                  </a:txBody>
+                  <a:tcPr/>
+                </a:tc>
+                <a:extLst>
+                  <a:ext uri="{0D108BD9-81ED-4DB2-BD59-A6C34878D82A}">
+                    <a16:rowId xmlns:a16="http://schemas.microsoft.com/office/drawing/2014/main" val="3197267916"/>
+                  </a:ext>
+                </a:extLst>
+              </a:tr>
+              <a:tr h="192309">
+                <a:tc vMerge="1">
+                  <a:txBody>
+                    <a:bodyPr/>
+                    <a:lstStyle/>
+                    <a:p>
+                      <a:endParaRPr lang="en-US"/>
+                    </a:p>
+                  </a:txBody>
+                  <a:tcPr/>
+                </a:tc>
+                <a:tc gridSpan="2">
+                  <a:txBody>
+                    <a:bodyPr/>
+                    <a:lstStyle/>
+                    <a:p>
+                      <a:pPr algn="ctr" rtl="0" fontAlgn="b"/>
                       <a:r>
-                        <a:rPr lang="en-US" sz="900" b="0" i="0" u="none" strike="noStrike">
+                        <a:rPr lang="en-US" sz="800" b="0" i="0" u="none" strike="noStrike">
                           <a:solidFill>
-                            <a:schemeClr val="bg2">
-                              <a:lumMod val="75000"/>
-                            </a:schemeClr>
+                            <a:srgbClr val="299F3F"/>
                           </a:solidFill>
                           <a:effectLst/>
                           <a:latin typeface="Calibri" panose="020F0502020204030204" pitchFamily="34" charset="0"/>
                         </a:rPr>
-                        <a:t> </a:t>
+                        <a:t>ids_adl_dev_aws_personalize_items_job</a:t>
                       </a:r>
                     </a:p>
                   </a:txBody>
-                  <a:tcPr marL="2746" marR="2746" marT="2746" marB="0" anchor="b">
+                  <a:tcPr marL="1503" marR="1503" marT="1503" marB="0" anchor="b">
                     <a:lnL w="6350" cap="flat" cmpd="sng" algn="ctr">
                       <a:solidFill>
                         <a:srgbClr val="000000"/>
@@ -21603,33 +21196,31 @@
                       <a:headEnd type="none" w="med" len="med"/>
                       <a:tailEnd type="none" w="med" len="med"/>
                     </a:lnR>
-                    <a:lnT w="6350" cap="flat" cmpd="sng" algn="ctr">
-                      <a:solidFill>
-                        <a:srgbClr val="000000"/>
-                      </a:solidFill>
-                      <a:prstDash val="solid"/>
-                      <a:round/>
-                      <a:headEnd type="none" w="med" len="med"/>
-                      <a:tailEnd type="none" w="med" len="med"/>
+                    <a:lnT>
+                      <a:noFill/>
                     </a:lnT>
-                    <a:lnB w="6350" cap="flat" cmpd="sng" algn="ctr">
-                      <a:solidFill>
-                        <a:srgbClr val="000000"/>
-                      </a:solidFill>
-                      <a:prstDash val="solid"/>
-                      <a:round/>
-                      <a:headEnd type="none" w="med" len="med"/>
-                      <a:tailEnd type="none" w="med" len="med"/>
+                    <a:lnB>
+                      <a:noFill/>
                     </a:lnB>
                   </a:tcPr>
                 </a:tc>
+                <a:tc hMerge="1">
+                  <a:txBody>
+                    <a:bodyPr/>
+                    <a:lstStyle/>
+                    <a:p>
+                      <a:endParaRPr lang="en-US"/>
+                    </a:p>
+                  </a:txBody>
+                  <a:tcPr/>
+                </a:tc>
                 <a:extLst>
                   <a:ext uri="{0D108BD9-81ED-4DB2-BD59-A6C34878D82A}">
-                    <a16:rowId xmlns:a16="http://schemas.microsoft.com/office/drawing/2014/main" val="2204147140"/>
+                    <a16:rowId xmlns:a16="http://schemas.microsoft.com/office/drawing/2014/main" val="1424866363"/>
                   </a:ext>
                 </a:extLst>
               </a:tr>
-              <a:tr h="159468">
+              <a:tr h="239892">
                 <a:tc vMerge="1">
                   <a:txBody>
                     <a:bodyPr/>
@@ -21640,36 +21231,25 @@
                   </a:txBody>
                   <a:tcPr/>
                 </a:tc>
-                <a:tc>
+                <a:tc gridSpan="2">
                   <a:txBody>
                     <a:bodyPr/>
                     <a:lstStyle/>
                     <a:p>
-                      <a:pPr algn="l" fontAlgn="b"/>
+                      <a:pPr algn="ctr" rtl="0" fontAlgn="b"/>
                       <a:r>
-                        <a:rPr lang="en-US" sz="900" b="0" i="0" u="none" strike="noStrike">
+                        <a:rPr lang="en-US" sz="800" b="0" i="0" u="none" strike="noStrike" dirty="0">
                           <a:solidFill>
-                            <a:schemeClr val="bg2">
-                              <a:lumMod val="75000"/>
-                            </a:schemeClr>
+                            <a:srgbClr val="299F3F"/>
                           </a:solidFill>
                           <a:effectLst/>
                           <a:latin typeface="Calibri" panose="020F0502020204030204" pitchFamily="34" charset="0"/>
                         </a:rPr>
-                        <a:t>ids_adl_dev_aws_personalize_items_job</a:t>
+                        <a:t>ids_adl_dev_aws_personalize_interactions_job</a:t>
                       </a:r>
-                      <a:endParaRPr lang="en-US" sz="900" b="0" i="0" u="none" strike="noStrike" dirty="0">
-                        <a:solidFill>
-                          <a:schemeClr val="bg2">
-                            <a:lumMod val="75000"/>
-                          </a:schemeClr>
-                        </a:solidFill>
-                        <a:effectLst/>
-                        <a:latin typeface="Calibri" panose="020F0502020204030204" pitchFamily="34" charset="0"/>
-                      </a:endParaRPr>
                     </a:p>
                   </a:txBody>
-                  <a:tcPr marL="2746" marR="2746" marT="2746" marB="0" anchor="b">
+                  <a:tcPr marL="1503" marR="1503" marT="1503" marB="0" anchor="b">
                     <a:lnL w="6350" cap="flat" cmpd="sng" algn="ctr">
                       <a:solidFill>
                         <a:srgbClr val="000000"/>
@@ -21688,14 +21268,8 @@
                       <a:headEnd type="none" w="med" len="med"/>
                       <a:tailEnd type="none" w="med" len="med"/>
                     </a:lnR>
-                    <a:lnT w="6350" cap="flat" cmpd="sng" algn="ctr">
-                      <a:solidFill>
-                        <a:srgbClr val="000000"/>
-                      </a:solidFill>
-                      <a:prstDash val="solid"/>
-                      <a:round/>
-                      <a:headEnd type="none" w="med" len="med"/>
-                      <a:tailEnd type="none" w="med" len="med"/>
+                    <a:lnT>
+                      <a:noFill/>
                     </a:lnT>
                     <a:lnB w="6350" cap="flat" cmpd="sng" algn="ctr">
                       <a:solidFill>
@@ -21708,82 +21282,7 @@
                     </a:lnB>
                   </a:tcPr>
                 </a:tc>
-                <a:tc>
-                  <a:txBody>
-                    <a:bodyPr/>
-                    <a:lstStyle/>
-                    <a:p>
-                      <a:pPr algn="l" fontAlgn="b"/>
-                      <a:r>
-                        <a:rPr lang="en-US" sz="900" b="0" i="0" u="none" strike="noStrike">
-                          <a:solidFill>
-                            <a:schemeClr val="bg2">
-                              <a:lumMod val="75000"/>
-                            </a:schemeClr>
-                          </a:solidFill>
-                          <a:effectLst/>
-                          <a:latin typeface="Calibri" panose="020F0502020204030204" pitchFamily="34" charset="0"/>
-                        </a:rPr>
-                        <a:t> </a:t>
-                      </a:r>
-                      <a:endParaRPr lang="en-US" sz="900" b="0" i="0" u="none" strike="noStrike" dirty="0">
-                        <a:solidFill>
-                          <a:schemeClr val="bg2">
-                            <a:lumMod val="75000"/>
-                          </a:schemeClr>
-                        </a:solidFill>
-                        <a:effectLst/>
-                        <a:latin typeface="Calibri" panose="020F0502020204030204" pitchFamily="34" charset="0"/>
-                      </a:endParaRPr>
-                    </a:p>
-                  </a:txBody>
-                  <a:tcPr marL="2746" marR="2746" marT="2746" marB="0" anchor="b">
-                    <a:lnL w="6350" cap="flat" cmpd="sng" algn="ctr">
-                      <a:solidFill>
-                        <a:srgbClr val="000000"/>
-                      </a:solidFill>
-                      <a:prstDash val="solid"/>
-                      <a:round/>
-                      <a:headEnd type="none" w="med" len="med"/>
-                      <a:tailEnd type="none" w="med" len="med"/>
-                    </a:lnL>
-                    <a:lnR w="6350" cap="flat" cmpd="sng" algn="ctr">
-                      <a:solidFill>
-                        <a:srgbClr val="000000"/>
-                      </a:solidFill>
-                      <a:prstDash val="solid"/>
-                      <a:round/>
-                      <a:headEnd type="none" w="med" len="med"/>
-                      <a:tailEnd type="none" w="med" len="med"/>
-                    </a:lnR>
-                    <a:lnT w="6350" cap="flat" cmpd="sng" algn="ctr">
-                      <a:solidFill>
-                        <a:srgbClr val="000000"/>
-                      </a:solidFill>
-                      <a:prstDash val="solid"/>
-                      <a:round/>
-                      <a:headEnd type="none" w="med" len="med"/>
-                      <a:tailEnd type="none" w="med" len="med"/>
-                    </a:lnT>
-                    <a:lnB w="6350" cap="flat" cmpd="sng" algn="ctr">
-                      <a:solidFill>
-                        <a:srgbClr val="000000"/>
-                      </a:solidFill>
-                      <a:prstDash val="solid"/>
-                      <a:round/>
-                      <a:headEnd type="none" w="med" len="med"/>
-                      <a:tailEnd type="none" w="med" len="med"/>
-                    </a:lnB>
-                  </a:tcPr>
-                </a:tc>
-                <a:extLst>
-                  <a:ext uri="{0D108BD9-81ED-4DB2-BD59-A6C34878D82A}">
-                    <a16:rowId xmlns:a16="http://schemas.microsoft.com/office/drawing/2014/main" val="1291681617"/>
-                  </a:ext>
-                </a:extLst>
-              </a:tr>
-              <a:tr h="159468">
-                <a:tc vMerge="1">
+                <a:tc hMerge="1">
                   <a:txBody>
                     <a:bodyPr/>
                     <a:lstStyle/>
@@ -21793,127 +21292,9 @@
                   </a:txBody>
                   <a:tcPr/>
                 </a:tc>
-                <a:tc>
-                  <a:txBody>
-                    <a:bodyPr/>
-                    <a:lstStyle/>
-                    <a:p>
-                      <a:pPr algn="l" fontAlgn="b"/>
-                      <a:r>
-                        <a:rPr lang="en-US" sz="900" b="0" i="0" u="none" strike="noStrike">
-                          <a:solidFill>
-                            <a:schemeClr val="bg2">
-                              <a:lumMod val="75000"/>
-                            </a:schemeClr>
-                          </a:solidFill>
-                          <a:effectLst/>
-                          <a:latin typeface="Calibri" panose="020F0502020204030204" pitchFamily="34" charset="0"/>
-                        </a:rPr>
-                        <a:t>ids_adl_dev_aws_personalize_interactions_job</a:t>
-                      </a:r>
-                    </a:p>
-                  </a:txBody>
-                  <a:tcPr marL="2746" marR="2746" marT="2746" marB="0" anchor="b">
-                    <a:lnL w="6350" cap="flat" cmpd="sng" algn="ctr">
-                      <a:solidFill>
-                        <a:srgbClr val="000000"/>
-                      </a:solidFill>
-                      <a:prstDash val="solid"/>
-                      <a:round/>
-                      <a:headEnd type="none" w="med" len="med"/>
-                      <a:tailEnd type="none" w="med" len="med"/>
-                    </a:lnL>
-                    <a:lnR w="6350" cap="flat" cmpd="sng" algn="ctr">
-                      <a:solidFill>
-                        <a:srgbClr val="000000"/>
-                      </a:solidFill>
-                      <a:prstDash val="solid"/>
-                      <a:round/>
-                      <a:headEnd type="none" w="med" len="med"/>
-                      <a:tailEnd type="none" w="med" len="med"/>
-                    </a:lnR>
-                    <a:lnT w="6350" cap="flat" cmpd="sng" algn="ctr">
-                      <a:solidFill>
-                        <a:srgbClr val="000000"/>
-                      </a:solidFill>
-                      <a:prstDash val="solid"/>
-                      <a:round/>
-                      <a:headEnd type="none" w="med" len="med"/>
-                      <a:tailEnd type="none" w="med" len="med"/>
-                    </a:lnT>
-                    <a:lnB w="6350" cap="flat" cmpd="sng" algn="ctr">
-                      <a:solidFill>
-                        <a:srgbClr val="000000"/>
-                      </a:solidFill>
-                      <a:prstDash val="solid"/>
-                      <a:round/>
-                      <a:headEnd type="none" w="med" len="med"/>
-                      <a:tailEnd type="none" w="med" len="med"/>
-                    </a:lnB>
-                  </a:tcPr>
-                </a:tc>
-                <a:tc>
-                  <a:txBody>
-                    <a:bodyPr/>
-                    <a:lstStyle/>
-                    <a:p>
-                      <a:pPr algn="l" fontAlgn="b"/>
-                      <a:r>
-                        <a:rPr lang="en-US" sz="900" b="0" i="0" u="none" strike="noStrike" dirty="0">
-                          <a:solidFill>
-                            <a:schemeClr val="bg2">
-                              <a:lumMod val="75000"/>
-                            </a:schemeClr>
-                          </a:solidFill>
-                          <a:effectLst/>
-                          <a:latin typeface="Calibri" panose="020F0502020204030204" pitchFamily="34" charset="0"/>
-                        </a:rPr>
-                        <a:t> </a:t>
-                      </a:r>
-                    </a:p>
-                  </a:txBody>
-                  <a:tcPr marL="2746" marR="2746" marT="2746" marB="0" anchor="b">
-                    <a:lnL w="6350" cap="flat" cmpd="sng" algn="ctr">
-                      <a:solidFill>
-                        <a:srgbClr val="000000"/>
-                      </a:solidFill>
-                      <a:prstDash val="solid"/>
-                      <a:round/>
-                      <a:headEnd type="none" w="med" len="med"/>
-                      <a:tailEnd type="none" w="med" len="med"/>
-                    </a:lnL>
-                    <a:lnR w="6350" cap="flat" cmpd="sng" algn="ctr">
-                      <a:solidFill>
-                        <a:srgbClr val="000000"/>
-                      </a:solidFill>
-                      <a:prstDash val="solid"/>
-                      <a:round/>
-                      <a:headEnd type="none" w="med" len="med"/>
-                      <a:tailEnd type="none" w="med" len="med"/>
-                    </a:lnR>
-                    <a:lnT w="6350" cap="flat" cmpd="sng" algn="ctr">
-                      <a:solidFill>
-                        <a:srgbClr val="000000"/>
-                      </a:solidFill>
-                      <a:prstDash val="solid"/>
-                      <a:round/>
-                      <a:headEnd type="none" w="med" len="med"/>
-                      <a:tailEnd type="none" w="med" len="med"/>
-                    </a:lnT>
-                    <a:lnB w="6350" cap="flat" cmpd="sng" algn="ctr">
-                      <a:solidFill>
-                        <a:srgbClr val="000000"/>
-                      </a:solidFill>
-                      <a:prstDash val="solid"/>
-                      <a:round/>
-                      <a:headEnd type="none" w="med" len="med"/>
-                      <a:tailEnd type="none" w="med" len="med"/>
-                    </a:lnB>
-                  </a:tcPr>
-                </a:tc>
                 <a:extLst>
                   <a:ext uri="{0D108BD9-81ED-4DB2-BD59-A6C34878D82A}">
-                    <a16:rowId xmlns:a16="http://schemas.microsoft.com/office/drawing/2014/main" val="3248722238"/>
+                    <a16:rowId xmlns:a16="http://schemas.microsoft.com/office/drawing/2014/main" val="4120620449"/>
                   </a:ext>
                 </a:extLst>
               </a:tr>
@@ -21921,141 +21302,10 @@
           </a:graphicData>
         </a:graphic>
       </p:graphicFrame>
-      <p:sp>
-        <p:nvSpPr>
-          <p:cNvPr id="21" name="TextBox 20">
-            <a:extLst>
-              <a:ext uri="{FF2B5EF4-FFF2-40B4-BE49-F238E27FC236}">
-                <a16:creationId xmlns:a16="http://schemas.microsoft.com/office/drawing/2014/main" id="{D809A6A2-CB46-4A89-BBE3-BA19860B5558}"/>
-              </a:ext>
-            </a:extLst>
-          </p:cNvPr>
-          <p:cNvSpPr txBox="1"/>
-          <p:nvPr/>
-        </p:nvSpPr>
-        <p:spPr>
-          <a:xfrm>
-            <a:off x="6105752" y="3468346"/>
-            <a:ext cx="999724" cy="246221"/>
-          </a:xfrm>
-          <a:prstGeom prst="rect">
-            <a:avLst/>
-          </a:prstGeom>
-          <a:noFill/>
-        </p:spPr>
-        <p:txBody>
-          <a:bodyPr wrap="square" rtlCol="0">
-            <a:spAutoFit/>
-          </a:bodyPr>
-          <a:lstStyle/>
-          <a:p>
-            <a:r>
-              <a:rPr lang="en-US" sz="1000" dirty="0">
-                <a:solidFill>
-                  <a:schemeClr val="tx1">
-                    <a:lumMod val="50000"/>
-                    <a:lumOff val="50000"/>
-                  </a:schemeClr>
-                </a:solidFill>
-              </a:rPr>
-              <a:t>Intel DS</a:t>
-            </a:r>
-          </a:p>
-        </p:txBody>
-      </p:sp>
-      <p:sp>
-        <p:nvSpPr>
-          <p:cNvPr id="39" name="TextBox 38">
-            <a:extLst>
-              <a:ext uri="{FF2B5EF4-FFF2-40B4-BE49-F238E27FC236}">
-                <a16:creationId xmlns:a16="http://schemas.microsoft.com/office/drawing/2014/main" id="{20C7237D-9109-4C71-9BE6-AD18C3DB3E42}"/>
-              </a:ext>
-            </a:extLst>
-          </p:cNvPr>
-          <p:cNvSpPr txBox="1"/>
-          <p:nvPr/>
-        </p:nvSpPr>
-        <p:spPr>
-          <a:xfrm>
-            <a:off x="8358875" y="3475042"/>
-            <a:ext cx="999724" cy="246221"/>
-          </a:xfrm>
-          <a:prstGeom prst="rect">
-            <a:avLst/>
-          </a:prstGeom>
-          <a:noFill/>
-        </p:spPr>
-        <p:txBody>
-          <a:bodyPr wrap="square" rtlCol="0">
-            <a:spAutoFit/>
-          </a:bodyPr>
-          <a:lstStyle/>
-          <a:p>
-            <a:r>
-              <a:rPr lang="en-US" sz="1000" dirty="0">
-                <a:solidFill>
-                  <a:schemeClr val="tx1">
-                    <a:lumMod val="50000"/>
-                    <a:lumOff val="50000"/>
-                  </a:schemeClr>
-                </a:solidFill>
-              </a:rPr>
-              <a:t>     S3</a:t>
-            </a:r>
-          </a:p>
-        </p:txBody>
-      </p:sp>
-      <p:pic>
-        <p:nvPicPr>
-          <p:cNvPr id="23" name="Picture 6" descr="The basic concepts of populating your Data Catalog and processing ETL dataflow in AWS Glue">
-            <a:extLst>
-              <a:ext uri="{FF2B5EF4-FFF2-40B4-BE49-F238E27FC236}">
-                <a16:creationId xmlns:a16="http://schemas.microsoft.com/office/drawing/2014/main" id="{9ACBB625-A6A9-4AF6-8C4A-CAD63B79C64A}"/>
-              </a:ext>
-            </a:extLst>
-          </p:cNvPr>
-          <p:cNvPicPr>
-            <a:picLocks noChangeAspect="1" noChangeArrowheads="1"/>
-          </p:cNvPicPr>
-          <p:nvPr/>
-        </p:nvPicPr>
-        <p:blipFill>
-          <a:blip r:embed="rId2" cstate="email">
-            <a:extLst>
-              <a:ext uri="{28A0092B-C50C-407E-A947-70E740481C1C}">
-                <a14:useLocalDpi xmlns:a14="http://schemas.microsoft.com/office/drawing/2010/main" val="0"/>
-              </a:ext>
-            </a:extLst>
-          </a:blip>
-          <a:srcRect/>
-          <a:stretch>
-            <a:fillRect/>
-          </a:stretch>
-        </p:blipFill>
-        <p:spPr bwMode="auto">
-          <a:xfrm>
-            <a:off x="6105752" y="1462581"/>
-            <a:ext cx="2856819" cy="2014693"/>
-          </a:xfrm>
-          <a:prstGeom prst="rect">
-            <a:avLst/>
-          </a:prstGeom>
-          <a:noFill/>
-          <a:extLst>
-            <a:ext uri="{909E8E84-426E-40DD-AFC4-6F175D3DCCD1}">
-              <a14:hiddenFill xmlns:a14="http://schemas.microsoft.com/office/drawing/2010/main">
-                <a:solidFill>
-                  <a:srgbClr val="FFFFFF"/>
-                </a:solidFill>
-              </a14:hiddenFill>
-            </a:ext>
-          </a:extLst>
-        </p:spPr>
-      </p:pic>
     </p:spTree>
     <p:extLst>
       <p:ext uri="{BB962C8B-B14F-4D97-AF65-F5344CB8AC3E}">
-        <p14:creationId xmlns:p14="http://schemas.microsoft.com/office/powerpoint/2010/main" val="3187010434"/>
+        <p14:creationId xmlns:p14="http://schemas.microsoft.com/office/powerpoint/2010/main" val="1769555666"/>
       </p:ext>
     </p:extLst>
   </p:cSld>
@@ -22219,20 +21469,12 @@
           <a:p>
             <a:pPr marL="15874" indent="0"/>
             <a:r>
-              <a:rPr lang="en-US" dirty="0" err="1">
+              <a:rPr lang="en-US" dirty="0">
                 <a:solidFill>
                   <a:schemeClr val="tx1"/>
                 </a:solidFill>
               </a:rPr>
-              <a:t>aws</a:t>
-            </a:r>
-            <a:r>
-              <a:rPr lang="en-US" dirty="0">
-                <a:solidFill>
-                  <a:schemeClr val="tx1"/>
-                </a:solidFill>
-              </a:rPr>
-              <a:t> personalize create-dataset-group --name </a:t>
+              <a:t>aws personalize create-dataset-group --name </a:t>
             </a:r>
             <a:r>
               <a:rPr lang="en-US" i="1" dirty="0">
@@ -22293,7 +21535,7 @@
               </a:spcAft>
             </a:pPr>
             <a:r>
-              <a:rPr lang="en-US"/>
+              <a:rPr lang="en-US" dirty="0"/>
               <a:t>Page </a:t>
             </a:r>
             <a:fld id="{5A9C12DC-491F-9444-86A2-13AC5C62A2FC}" type="slidenum">
@@ -22305,7 +21547,7 @@
               </a:pPr>
               <a:t>9</a:t>
             </a:fld>
-            <a:endParaRPr lang="en-US"/>
+            <a:endParaRPr lang="en-US" dirty="0"/>
           </a:p>
         </p:txBody>
       </p:sp>
@@ -22343,7 +21585,7 @@
               </a:spcAft>
             </a:pPr>
             <a:r>
-              <a:rPr lang="en-US"/>
+              <a:rPr lang="en-US" dirty="0"/>
               <a:t>Confidential Property of Schneider Electric |</a:t>
             </a:r>
           </a:p>
@@ -22418,7 +21660,7 @@
               </a:lnSpc>
             </a:pPr>
             <a:r>
-              <a:rPr lang="en-US" sz="1200" b="1"/>
+              <a:rPr lang="en-US" sz="1200" b="1" dirty="0"/>
               <a:t>Creating a dataset group</a:t>
             </a:r>
           </a:p>
@@ -22428,7 +21670,7 @@
                 <a:spcPct val="90000"/>
               </a:lnSpc>
             </a:pPr>
-            <a:endParaRPr lang="en-US" sz="1200" b="1"/>
+            <a:endParaRPr lang="en-US" sz="1200" b="1" dirty="0"/>
           </a:p>
         </p:txBody>
       </p:sp>
